--- a/Slides/LIME-neighbourhood.pptx
+++ b/Slides/LIME-neighbourhood.pptx
@@ -10513,8 +10513,8 @@
         </p:nvSpPr>
         <p:spPr>
           <a:xfrm>
-            <a:off x="5253781" y="5419045"/>
-            <a:ext cx="3425938" cy="276999"/>
+            <a:off x="4955624" y="5419045"/>
+            <a:ext cx="4022255" cy="276999"/>
           </a:xfrm>
           <a:prstGeom prst="rect">
             <a:avLst/>
@@ -10534,7 +10534,7 @@
                 <a:ea typeface="CMU Serif Roman" charset="0"/>
                 <a:cs typeface="CMU Serif Roman" charset="0"/>
               </a:rPr>
-              <a:t>Example for stability paths using prostate data.</a:t>
+              <a:t>Example for stability paths using prostate data (MASS).</a:t>
             </a:r>
             <a:endParaRPr lang="en-AU" sz="1200" dirty="0">
               <a:latin typeface="CMU Serif Roman" charset="0"/>
@@ -10764,7 +10764,7 @@
         </p:nvSpPr>
         <p:spPr>
           <a:xfrm rot="16200000">
-            <a:off x="3514675" y="4593006"/>
+            <a:off x="3347527" y="4583174"/>
             <a:ext cx="160464" cy="2169089"/>
           </a:xfrm>
           <a:prstGeom prst="leftBrace">
@@ -10807,7 +10807,7 @@
         </p:nvSpPr>
         <p:spPr>
           <a:xfrm rot="16200000">
-            <a:off x="1690317" y="5512419"/>
+            <a:off x="1523169" y="5512419"/>
             <a:ext cx="166592" cy="289688"/>
           </a:xfrm>
           <a:prstGeom prst="leftBrace">
@@ -10850,7 +10850,7 @@
         </p:nvSpPr>
         <p:spPr>
           <a:xfrm>
-            <a:off x="603107" y="5757783"/>
+            <a:off x="435959" y="5757783"/>
             <a:ext cx="1536723" cy="307777"/>
           </a:xfrm>
           <a:prstGeom prst="rect">
@@ -10894,7 +10894,7 @@
         </p:nvSpPr>
         <p:spPr>
           <a:xfrm>
-            <a:off x="3345529" y="5767765"/>
+            <a:off x="3178381" y="5767765"/>
             <a:ext cx="1451038" cy="307777"/>
           </a:xfrm>
           <a:prstGeom prst="rect">
@@ -10938,7 +10938,7 @@
         </p:nvSpPr>
         <p:spPr>
           <a:xfrm rot="16200000">
-            <a:off x="2134626" y="5364823"/>
+            <a:off x="1967478" y="5364823"/>
             <a:ext cx="159566" cy="591905"/>
           </a:xfrm>
           <a:prstGeom prst="leftBrace">
@@ -10985,7 +10985,7 @@
         </p:nvSpPr>
         <p:spPr>
           <a:xfrm>
-            <a:off x="1950944" y="5767236"/>
+            <a:off x="1783796" y="5767236"/>
             <a:ext cx="1298625" cy="307777"/>
           </a:xfrm>
           <a:prstGeom prst="rect">
@@ -12703,7 +12703,7 @@
         </p:nvSpPr>
         <p:spPr>
           <a:xfrm rot="16200000">
-            <a:off x="3209770" y="4713247"/>
+            <a:off x="3209770" y="4703415"/>
             <a:ext cx="157905" cy="2441864"/>
           </a:xfrm>
           <a:prstGeom prst="leftBrace">
@@ -18645,7 +18645,7 @@
                 <a:ea typeface="CMU Serif Roman" charset="0"/>
                 <a:cs typeface="CMU Serif Roman" charset="0"/>
               </a:rPr>
-              <a:t>What about other parameters, distance measure and kernel type?</a:t>
+              <a:t>What about other parameters: e.g. distance measure and kernel type?</a:t>
             </a:r>
           </a:p>
           <a:p>
@@ -21536,15 +21536,7 @@
                     <a:ea typeface="CMU Serif Roman" charset="0"/>
                     <a:cs typeface="CMU Serif Roman" charset="0"/>
                   </a:rPr>
-                  <a:t>Manhattan </a:t>
-                </a:r>
-                <a:r>
-                  <a:rPr lang="en-AU" smtClean="0">
-                    <a:latin typeface="CMU Serif Roman" charset="0"/>
-                    <a:ea typeface="CMU Serif Roman" charset="0"/>
-                    <a:cs typeface="CMU Serif Roman" charset="0"/>
-                  </a:rPr>
-                  <a:t>for categorical tabular data</a:t>
+                  <a:t>Manhattan for categorical tabular data</a:t>
                 </a:r>
                 <a:endParaRPr lang="en-AU" dirty="0" smtClean="0">
                   <a:latin typeface="CMU Serif Roman" charset="0"/>

--- a/Slides/LIME-neighbourhood.pptx
+++ b/Slides/LIME-neighbourhood.pptx
@@ -33,18 +33,18 @@
     <p:sldId id="427" r:id="rId24"/>
     <p:sldId id="428" r:id="rId25"/>
     <p:sldId id="429" r:id="rId26"/>
-    <p:sldId id="434" r:id="rId27"/>
-    <p:sldId id="432" r:id="rId28"/>
-    <p:sldId id="433" r:id="rId29"/>
-    <p:sldId id="377" r:id="rId30"/>
-    <p:sldId id="442" r:id="rId31"/>
-    <p:sldId id="404" r:id="rId32"/>
-    <p:sldId id="405" r:id="rId33"/>
-    <p:sldId id="416" r:id="rId34"/>
-    <p:sldId id="439" r:id="rId35"/>
-    <p:sldId id="412" r:id="rId36"/>
-    <p:sldId id="413" r:id="rId37"/>
-    <p:sldId id="436" r:id="rId38"/>
+    <p:sldId id="377" r:id="rId27"/>
+    <p:sldId id="442" r:id="rId28"/>
+    <p:sldId id="404" r:id="rId29"/>
+    <p:sldId id="405" r:id="rId30"/>
+    <p:sldId id="416" r:id="rId31"/>
+    <p:sldId id="439" r:id="rId32"/>
+    <p:sldId id="412" r:id="rId33"/>
+    <p:sldId id="413" r:id="rId34"/>
+    <p:sldId id="436" r:id="rId35"/>
+    <p:sldId id="434" r:id="rId36"/>
+    <p:sldId id="432" r:id="rId37"/>
+    <p:sldId id="433" r:id="rId38"/>
   </p:sldIdLst>
   <p:sldSz cx="9144000" cy="6858000" type="screen4x3"/>
   <p:notesSz cx="6858000" cy="9144000"/>
@@ -173,9 +173,6 @@
             <p14:sldId id="427"/>
             <p14:sldId id="428"/>
             <p14:sldId id="429"/>
-            <p14:sldId id="434"/>
-            <p14:sldId id="432"/>
-            <p14:sldId id="433"/>
             <p14:sldId id="377"/>
             <p14:sldId id="442"/>
             <p14:sldId id="404"/>
@@ -185,6 +182,9 @@
             <p14:sldId id="412"/>
             <p14:sldId id="413"/>
             <p14:sldId id="436"/>
+            <p14:sldId id="434"/>
+            <p14:sldId id="432"/>
+            <p14:sldId id="433"/>
           </p14:sldIdLst>
         </p14:section>
       </p14:sectionLst>
@@ -681,172 +681,7 @@
           <a:bodyPr/>
           <a:lstStyle/>
           <a:p>
-            <a:r>
-              <a:rPr lang="de-DE" dirty="0" smtClean="0"/>
-              <a:t>Wie</a:t>
-            </a:r>
-            <a:r>
-              <a:rPr lang="de-DE" baseline="0" dirty="0" smtClean="0"/>
-              <a:t> funktioniert LIME nochmal?</a:t>
-            </a:r>
-          </a:p>
-          <a:p>
-            <a:r>
-              <a:rPr lang="de-DE" baseline="0" dirty="0" smtClean="0"/>
-              <a:t>Wir sehen hier ein Klassifikationsproblem. Die schwarze Linie ist unser Black Box Modell, das in Klassen unterteilt.</a:t>
-            </a:r>
-          </a:p>
-          <a:p>
-            <a:r>
-              <a:rPr lang="de-DE" baseline="0" dirty="0" smtClean="0"/>
-              <a:t>LIME nimmt das Black Box Model </a:t>
-            </a:r>
-            <a:r>
-              <a:rPr lang="de-DE" baseline="0" dirty="0" smtClean="0">
-                <a:sym typeface="Wingdings"/>
-              </a:rPr>
-              <a:t>und </a:t>
-            </a:r>
-            <a:r>
-              <a:rPr lang="de-DE" baseline="0" dirty="0" err="1" smtClean="0">
-                <a:sym typeface="Wingdings"/>
-              </a:rPr>
-              <a:t>predictet</a:t>
-            </a:r>
-            <a:r>
-              <a:rPr lang="de-DE" baseline="0" dirty="0" smtClean="0">
-                <a:sym typeface="Wingdings"/>
-              </a:rPr>
-              <a:t> </a:t>
-            </a:r>
-            <a:r>
-              <a:rPr lang="de-DE" baseline="0" dirty="0" err="1" smtClean="0">
-                <a:sym typeface="Wingdings"/>
-              </a:rPr>
-              <a:t>pertubierte</a:t>
-            </a:r>
-            <a:r>
-              <a:rPr lang="de-DE" baseline="0" dirty="0" smtClean="0">
-                <a:sym typeface="Wingdings"/>
-              </a:rPr>
-              <a:t> Daten </a:t>
-            </a:r>
-            <a:r>
-              <a:rPr lang="de-DE" baseline="0" dirty="0" err="1" smtClean="0">
-                <a:sym typeface="Wingdings"/>
-              </a:rPr>
-              <a:t>entspechend</a:t>
-            </a:r>
-            <a:r>
-              <a:rPr lang="de-DE" baseline="0" dirty="0" smtClean="0">
-                <a:sym typeface="Wingdings"/>
-              </a:rPr>
-              <a:t> der Black Box Funktion.</a:t>
-            </a:r>
-          </a:p>
-          <a:p>
-            <a:r>
-              <a:rPr lang="de-DE" baseline="0" dirty="0" smtClean="0">
-                <a:sym typeface="Wingdings"/>
-              </a:rPr>
-              <a:t>Wir möchten nun einen Punkt erklären (gelb) mit einem einfacheren Modell, </a:t>
-            </a:r>
-            <a:r>
-              <a:rPr lang="de-DE" baseline="0" dirty="0" err="1" smtClean="0">
-                <a:sym typeface="Wingdings"/>
-              </a:rPr>
-              <a:t>zb</a:t>
-            </a:r>
-            <a:r>
-              <a:rPr lang="de-DE" baseline="0" dirty="0" smtClean="0">
-                <a:sym typeface="Wingdings"/>
-              </a:rPr>
-              <a:t> einer logistischen Regression.</a:t>
-            </a:r>
-          </a:p>
-          <a:p>
-            <a:r>
-              <a:rPr lang="de-DE" baseline="0" dirty="0" smtClean="0">
-                <a:sym typeface="Wingdings"/>
-              </a:rPr>
-              <a:t>LIME gewichtet nun die </a:t>
-            </a:r>
-            <a:r>
-              <a:rPr lang="de-DE" baseline="0" dirty="0" err="1" smtClean="0">
-                <a:sym typeface="Wingdings"/>
-              </a:rPr>
-              <a:t>pertubierten</a:t>
-            </a:r>
-            <a:r>
-              <a:rPr lang="de-DE" baseline="0" dirty="0" smtClean="0">
-                <a:sym typeface="Wingdings"/>
-              </a:rPr>
-              <a:t> Daten, so dass „nahe“ Beobachtungen zum gelben Punkt hohe Gewichte bekommen.</a:t>
-            </a:r>
-          </a:p>
-          <a:p>
-            <a:r>
-              <a:rPr lang="de-DE" baseline="0" dirty="0" smtClean="0">
-                <a:sym typeface="Wingdings"/>
-              </a:rPr>
-              <a:t>Dementsprechend wird ein </a:t>
-            </a:r>
-            <a:r>
-              <a:rPr lang="de-DE" baseline="0" dirty="0" err="1" smtClean="0">
-                <a:sym typeface="Wingdings"/>
-              </a:rPr>
-              <a:t>gewichtestes</a:t>
-            </a:r>
-            <a:r>
-              <a:rPr lang="de-DE" baseline="0" dirty="0" smtClean="0">
-                <a:sym typeface="Wingdings"/>
-              </a:rPr>
-              <a:t> lokales Modell (lila Linie) gefittet, das in der Tat wirklich gut lokal die </a:t>
-            </a:r>
-            <a:r>
-              <a:rPr lang="de-DE" baseline="0" dirty="0" err="1" smtClean="0">
-                <a:sym typeface="Wingdings"/>
-              </a:rPr>
-              <a:t>decision</a:t>
-            </a:r>
-            <a:r>
-              <a:rPr lang="de-DE" baseline="0" dirty="0" smtClean="0">
-                <a:sym typeface="Wingdings"/>
-              </a:rPr>
-              <a:t> </a:t>
-            </a:r>
-            <a:r>
-              <a:rPr lang="de-DE" baseline="0" dirty="0" err="1" smtClean="0">
-                <a:sym typeface="Wingdings"/>
-              </a:rPr>
-              <a:t>boundary</a:t>
-            </a:r>
-            <a:r>
-              <a:rPr lang="de-DE" baseline="0" dirty="0" smtClean="0">
-                <a:sym typeface="Wingdings"/>
-              </a:rPr>
-              <a:t> beschreibt.</a:t>
-            </a:r>
-          </a:p>
-          <a:p>
-            <a:r>
-              <a:rPr lang="de-DE" baseline="0" dirty="0" smtClean="0">
-                <a:sym typeface="Wingdings"/>
-              </a:rPr>
-              <a:t>Global macht sie allerdings </a:t>
-            </a:r>
-            <a:r>
-              <a:rPr lang="de-DE" baseline="0" dirty="0" err="1" smtClean="0">
-                <a:sym typeface="Wingdings"/>
-              </a:rPr>
-              <a:t>schmarn</a:t>
-            </a:r>
-            <a:r>
-              <a:rPr lang="de-DE" baseline="0" dirty="0" smtClean="0">
-                <a:sym typeface="Wingdings"/>
-              </a:rPr>
-              <a:t>.</a:t>
-            </a:r>
+            <a:endParaRPr lang="en-AU"/>
           </a:p>
         </p:txBody>
       </p:sp>
@@ -867,7 +702,7 @@
           <a:p>
             <a:fld id="{66D500CD-DEF6-7944-8344-E9646799F32C}" type="slidenum">
               <a:rPr lang="de-DE" smtClean="0"/>
-              <a:t>30</a:t>
+              <a:t>24</a:t>
             </a:fld>
             <a:endParaRPr lang="de-DE"/>
           </a:p>
@@ -876,7 +711,7 @@
     </p:spTree>
     <p:extLst>
       <p:ext uri="{BB962C8B-B14F-4D97-AF65-F5344CB8AC3E}">
-        <p14:creationId xmlns:p14="http://schemas.microsoft.com/office/powerpoint/2010/main" val="1919806499"/>
+        <p14:creationId xmlns:p14="http://schemas.microsoft.com/office/powerpoint/2010/main" val="297631120"/>
       </p:ext>
     </p:extLst>
   </p:cSld>
@@ -930,7 +765,172 @@
           <a:bodyPr/>
           <a:lstStyle/>
           <a:p>
-            <a:endParaRPr lang="de-DE"/>
+            <a:r>
+              <a:rPr lang="de-DE" dirty="0" smtClean="0"/>
+              <a:t>Wie</a:t>
+            </a:r>
+            <a:r>
+              <a:rPr lang="de-DE" baseline="0" dirty="0" smtClean="0"/>
+              <a:t> funktioniert LIME nochmal?</a:t>
+            </a:r>
+          </a:p>
+          <a:p>
+            <a:r>
+              <a:rPr lang="de-DE" baseline="0" dirty="0" smtClean="0"/>
+              <a:t>Wir sehen hier ein Klassifikationsproblem. Die schwarze Linie ist unser Black Box Modell, das in Klassen unterteilt.</a:t>
+            </a:r>
+          </a:p>
+          <a:p>
+            <a:r>
+              <a:rPr lang="de-DE" baseline="0" dirty="0" smtClean="0"/>
+              <a:t>LIME nimmt das Black Box Model </a:t>
+            </a:r>
+            <a:r>
+              <a:rPr lang="de-DE" baseline="0" dirty="0" smtClean="0">
+                <a:sym typeface="Wingdings"/>
+              </a:rPr>
+              <a:t>und </a:t>
+            </a:r>
+            <a:r>
+              <a:rPr lang="de-DE" baseline="0" dirty="0" err="1" smtClean="0">
+                <a:sym typeface="Wingdings"/>
+              </a:rPr>
+              <a:t>predictet</a:t>
+            </a:r>
+            <a:r>
+              <a:rPr lang="de-DE" baseline="0" dirty="0" smtClean="0">
+                <a:sym typeface="Wingdings"/>
+              </a:rPr>
+              <a:t> </a:t>
+            </a:r>
+            <a:r>
+              <a:rPr lang="de-DE" baseline="0" dirty="0" err="1" smtClean="0">
+                <a:sym typeface="Wingdings"/>
+              </a:rPr>
+              <a:t>pertubierte</a:t>
+            </a:r>
+            <a:r>
+              <a:rPr lang="de-DE" baseline="0" dirty="0" smtClean="0">
+                <a:sym typeface="Wingdings"/>
+              </a:rPr>
+              <a:t> Daten </a:t>
+            </a:r>
+            <a:r>
+              <a:rPr lang="de-DE" baseline="0" dirty="0" err="1" smtClean="0">
+                <a:sym typeface="Wingdings"/>
+              </a:rPr>
+              <a:t>entspechend</a:t>
+            </a:r>
+            <a:r>
+              <a:rPr lang="de-DE" baseline="0" dirty="0" smtClean="0">
+                <a:sym typeface="Wingdings"/>
+              </a:rPr>
+              <a:t> der Black Box Funktion.</a:t>
+            </a:r>
+          </a:p>
+          <a:p>
+            <a:r>
+              <a:rPr lang="de-DE" baseline="0" dirty="0" smtClean="0">
+                <a:sym typeface="Wingdings"/>
+              </a:rPr>
+              <a:t>Wir möchten nun einen Punkt erklären (gelb) mit einem einfacheren Modell, </a:t>
+            </a:r>
+            <a:r>
+              <a:rPr lang="de-DE" baseline="0" dirty="0" err="1" smtClean="0">
+                <a:sym typeface="Wingdings"/>
+              </a:rPr>
+              <a:t>zb</a:t>
+            </a:r>
+            <a:r>
+              <a:rPr lang="de-DE" baseline="0" dirty="0" smtClean="0">
+                <a:sym typeface="Wingdings"/>
+              </a:rPr>
+              <a:t> einer logistischen Regression.</a:t>
+            </a:r>
+          </a:p>
+          <a:p>
+            <a:r>
+              <a:rPr lang="de-DE" baseline="0" dirty="0" smtClean="0">
+                <a:sym typeface="Wingdings"/>
+              </a:rPr>
+              <a:t>LIME gewichtet nun die </a:t>
+            </a:r>
+            <a:r>
+              <a:rPr lang="de-DE" baseline="0" dirty="0" err="1" smtClean="0">
+                <a:sym typeface="Wingdings"/>
+              </a:rPr>
+              <a:t>pertubierten</a:t>
+            </a:r>
+            <a:r>
+              <a:rPr lang="de-DE" baseline="0" dirty="0" smtClean="0">
+                <a:sym typeface="Wingdings"/>
+              </a:rPr>
+              <a:t> Daten, so dass „nahe“ Beobachtungen zum gelben Punkt hohe Gewichte bekommen.</a:t>
+            </a:r>
+          </a:p>
+          <a:p>
+            <a:r>
+              <a:rPr lang="de-DE" baseline="0" dirty="0" smtClean="0">
+                <a:sym typeface="Wingdings"/>
+              </a:rPr>
+              <a:t>Dementsprechend wird ein </a:t>
+            </a:r>
+            <a:r>
+              <a:rPr lang="de-DE" baseline="0" dirty="0" err="1" smtClean="0">
+                <a:sym typeface="Wingdings"/>
+              </a:rPr>
+              <a:t>gewichtestes</a:t>
+            </a:r>
+            <a:r>
+              <a:rPr lang="de-DE" baseline="0" dirty="0" smtClean="0">
+                <a:sym typeface="Wingdings"/>
+              </a:rPr>
+              <a:t> lokales Modell (lila Linie) gefittet, das in der Tat wirklich gut lokal die </a:t>
+            </a:r>
+            <a:r>
+              <a:rPr lang="de-DE" baseline="0" dirty="0" err="1" smtClean="0">
+                <a:sym typeface="Wingdings"/>
+              </a:rPr>
+              <a:t>decision</a:t>
+            </a:r>
+            <a:r>
+              <a:rPr lang="de-DE" baseline="0" dirty="0" smtClean="0">
+                <a:sym typeface="Wingdings"/>
+              </a:rPr>
+              <a:t> </a:t>
+            </a:r>
+            <a:r>
+              <a:rPr lang="de-DE" baseline="0" dirty="0" err="1" smtClean="0">
+                <a:sym typeface="Wingdings"/>
+              </a:rPr>
+              <a:t>boundary</a:t>
+            </a:r>
+            <a:r>
+              <a:rPr lang="de-DE" baseline="0" dirty="0" smtClean="0">
+                <a:sym typeface="Wingdings"/>
+              </a:rPr>
+              <a:t> beschreibt.</a:t>
+            </a:r>
+          </a:p>
+          <a:p>
+            <a:r>
+              <a:rPr lang="de-DE" baseline="0" dirty="0" smtClean="0">
+                <a:sym typeface="Wingdings"/>
+              </a:rPr>
+              <a:t>Global macht sie allerdings </a:t>
+            </a:r>
+            <a:r>
+              <a:rPr lang="de-DE" baseline="0" dirty="0" err="1" smtClean="0">
+                <a:sym typeface="Wingdings"/>
+              </a:rPr>
+              <a:t>schmarn</a:t>
+            </a:r>
+            <a:r>
+              <a:rPr lang="de-DE" baseline="0" dirty="0" smtClean="0">
+                <a:sym typeface="Wingdings"/>
+              </a:rPr>
+              <a:t>.</a:t>
+            </a:r>
           </a:p>
         </p:txBody>
       </p:sp>
@@ -951,7 +951,91 @@
           <a:p>
             <a:fld id="{66D500CD-DEF6-7944-8344-E9646799F32C}" type="slidenum">
               <a:rPr lang="de-DE" smtClean="0"/>
-              <a:t>31</a:t>
+              <a:t>27</a:t>
+            </a:fld>
+            <a:endParaRPr lang="de-DE"/>
+          </a:p>
+        </p:txBody>
+      </p:sp>
+    </p:spTree>
+    <p:extLst>
+      <p:ext uri="{BB962C8B-B14F-4D97-AF65-F5344CB8AC3E}">
+        <p14:creationId xmlns:p14="http://schemas.microsoft.com/office/powerpoint/2010/main" val="1919806499"/>
+      </p:ext>
+    </p:extLst>
+  </p:cSld>
+  <p:clrMapOvr>
+    <a:masterClrMapping/>
+  </p:clrMapOvr>
+</p:notes>
+</file>
+
+<file path=ppt/notesSlides/notesSlide4.xml><?xml version="1.0" encoding="utf-8"?>
+<p:notes xmlns:a="http://schemas.openxmlformats.org/drawingml/2006/main" xmlns:r="http://schemas.openxmlformats.org/officeDocument/2006/relationships" xmlns:p="http://schemas.openxmlformats.org/presentationml/2006/main">
+  <p:cSld>
+    <p:spTree>
+      <p:nvGrpSpPr>
+        <p:cNvPr id="1" name=""/>
+        <p:cNvGrpSpPr/>
+        <p:nvPr/>
+      </p:nvGrpSpPr>
+      <p:grpSpPr>
+        <a:xfrm>
+          <a:off x="0" y="0"/>
+          <a:ext cx="0" cy="0"/>
+          <a:chOff x="0" y="0"/>
+          <a:chExt cx="0" cy="0"/>
+        </a:xfrm>
+      </p:grpSpPr>
+      <p:sp>
+        <p:nvSpPr>
+          <p:cNvPr id="2" name="Folienbildplatzhalter 1"/>
+          <p:cNvSpPr>
+            <a:spLocks noGrp="1" noRot="1" noChangeAspect="1"/>
+          </p:cNvSpPr>
+          <p:nvPr>
+            <p:ph type="sldImg"/>
+          </p:nvPr>
+        </p:nvSpPr>
+        <p:spPr/>
+      </p:sp>
+      <p:sp>
+        <p:nvSpPr>
+          <p:cNvPr id="3" name="Notizenplatzhalter 2"/>
+          <p:cNvSpPr>
+            <a:spLocks noGrp="1"/>
+          </p:cNvSpPr>
+          <p:nvPr>
+            <p:ph type="body" idx="1"/>
+          </p:nvPr>
+        </p:nvSpPr>
+        <p:spPr/>
+        <p:txBody>
+          <a:bodyPr/>
+          <a:lstStyle/>
+          <a:p>
+            <a:endParaRPr lang="de-DE"/>
+          </a:p>
+        </p:txBody>
+      </p:sp>
+      <p:sp>
+        <p:nvSpPr>
+          <p:cNvPr id="4" name="Foliennummernplatzhalter 3"/>
+          <p:cNvSpPr>
+            <a:spLocks noGrp="1"/>
+          </p:cNvSpPr>
+          <p:nvPr>
+            <p:ph type="sldNum" sz="quarter" idx="10"/>
+          </p:nvPr>
+        </p:nvSpPr>
+        <p:spPr/>
+        <p:txBody>
+          <a:bodyPr/>
+          <a:lstStyle/>
+          <a:p>
+            <a:fld id="{66D500CD-DEF6-7944-8344-E9646799F32C}" type="slidenum">
+              <a:rPr lang="de-DE" smtClean="0"/>
+              <a:t>28</a:t>
             </a:fld>
             <a:endParaRPr lang="de-DE"/>
           </a:p>
@@ -1195,9 +1279,10 @@
           <a:lstStyle/>
           <a:p>
             <a:r>
-              <a:rPr lang="de-DE"/>
-              <a:t>22.05.19</a:t>
-            </a:r>
+              <a:rPr lang="de-DE" smtClean="0"/>
+              <a:t>12.07.2019</a:t>
+            </a:r>
+            <a:endParaRPr lang="de-DE"/>
           </a:p>
         </p:txBody>
       </p:sp>
@@ -1400,9 +1485,10 @@
           <a:lstStyle/>
           <a:p>
             <a:r>
-              <a:rPr lang="de-DE"/>
-              <a:t>22.05.19</a:t>
-            </a:r>
+              <a:rPr lang="de-DE" smtClean="0"/>
+              <a:t>12.07.2019</a:t>
+            </a:r>
+            <a:endParaRPr lang="de-DE"/>
           </a:p>
         </p:txBody>
       </p:sp>
@@ -1653,9 +1739,10 @@
           <a:lstStyle/>
           <a:p>
             <a:r>
-              <a:rPr lang="de-DE"/>
-              <a:t>22.05.19</a:t>
-            </a:r>
+              <a:rPr lang="de-DE" smtClean="0"/>
+              <a:t>12.07.2019</a:t>
+            </a:r>
+            <a:endParaRPr lang="de-DE"/>
           </a:p>
         </p:txBody>
       </p:sp>
@@ -1820,9 +1907,10 @@
           <a:lstStyle/>
           <a:p>
             <a:r>
-              <a:rPr lang="de-DE"/>
-              <a:t>22.05.19</a:t>
-            </a:r>
+              <a:rPr lang="de-DE" smtClean="0"/>
+              <a:t>12.07.2019</a:t>
+            </a:r>
+            <a:endParaRPr lang="de-DE"/>
           </a:p>
         </p:txBody>
       </p:sp>
@@ -2160,9 +2248,10 @@
           <a:lstStyle/>
           <a:p>
             <a:r>
-              <a:rPr lang="de-DE"/>
-              <a:t>22.05.19</a:t>
-            </a:r>
+              <a:rPr lang="de-DE" smtClean="0"/>
+              <a:t>12.07.2019</a:t>
+            </a:r>
+            <a:endParaRPr lang="de-DE"/>
           </a:p>
         </p:txBody>
       </p:sp>
@@ -2432,9 +2521,10 @@
           <a:lstStyle/>
           <a:p>
             <a:r>
-              <a:rPr lang="de-DE"/>
-              <a:t>22.05.19</a:t>
-            </a:r>
+              <a:rPr lang="de-DE" smtClean="0"/>
+              <a:t>12.07.2019</a:t>
+            </a:r>
+            <a:endParaRPr lang="de-DE"/>
           </a:p>
         </p:txBody>
       </p:sp>
@@ -2808,9 +2898,10 @@
           <a:lstStyle/>
           <a:p>
             <a:r>
-              <a:rPr lang="de-DE"/>
-              <a:t>22.05.19</a:t>
-            </a:r>
+              <a:rPr lang="de-DE" smtClean="0"/>
+              <a:t>12.07.2019</a:t>
+            </a:r>
+            <a:endParaRPr lang="de-DE"/>
           </a:p>
         </p:txBody>
       </p:sp>
@@ -2923,9 +3014,10 @@
           <a:lstStyle/>
           <a:p>
             <a:r>
-              <a:rPr lang="de-DE"/>
-              <a:t>22.05.19</a:t>
-            </a:r>
+              <a:rPr lang="de-DE" smtClean="0"/>
+              <a:t>12.07.2019</a:t>
+            </a:r>
+            <a:endParaRPr lang="de-DE"/>
           </a:p>
         </p:txBody>
       </p:sp>
@@ -3091,9 +3183,10 @@
           <a:lstStyle/>
           <a:p>
             <a:r>
-              <a:rPr lang="de-DE"/>
-              <a:t>22.05.19</a:t>
-            </a:r>
+              <a:rPr lang="de-DE" smtClean="0"/>
+              <a:t>12.07.2019</a:t>
+            </a:r>
+            <a:endParaRPr lang="de-DE"/>
           </a:p>
         </p:txBody>
       </p:sp>
@@ -3442,9 +3535,10 @@
           </a:lstStyle>
           <a:p>
             <a:r>
-              <a:rPr lang="de-DE"/>
-              <a:t>22.05.19</a:t>
-            </a:r>
+              <a:rPr lang="de-DE" smtClean="0"/>
+              <a:t>12.07.2019</a:t>
+            </a:r>
+            <a:endParaRPr lang="de-DE"/>
           </a:p>
         </p:txBody>
       </p:sp>
@@ -3818,9 +3912,10 @@
           <a:lstStyle/>
           <a:p>
             <a:r>
-              <a:rPr lang="de-DE"/>
-              <a:t>22.05.19</a:t>
-            </a:r>
+              <a:rPr lang="de-DE" smtClean="0"/>
+              <a:t>12.07.2019</a:t>
+            </a:r>
+            <a:endParaRPr lang="de-DE"/>
           </a:p>
         </p:txBody>
       </p:sp>
@@ -4103,9 +4198,10 @@
           </a:lstStyle>
           <a:p>
             <a:r>
-              <a:rPr lang="de-DE"/>
-              <a:t>22.05.19</a:t>
-            </a:r>
+              <a:rPr lang="de-DE" smtClean="0"/>
+              <a:t>12.07.2019</a:t>
+            </a:r>
+            <a:endParaRPr lang="de-DE"/>
           </a:p>
         </p:txBody>
       </p:sp>
@@ -4992,12 +5088,12 @@
           <a:lstStyle/>
           <a:p>
             <a:r>
-              <a:rPr lang="en-AU" dirty="0" smtClean="0">
-                <a:latin typeface="CMU Serif Roman" charset="0"/>
-                <a:ea typeface="CMU Serif Roman" charset="0"/>
-                <a:cs typeface="CMU Serif Roman" charset="0"/>
-              </a:rPr>
-              <a:t>22.05.19</a:t>
+              <a:rPr lang="de-DE" smtClean="0">
+                <a:latin typeface="CMU Serif Roman" charset="0"/>
+                <a:ea typeface="CMU Serif Roman" charset="0"/>
+                <a:cs typeface="CMU Serif Roman" charset="0"/>
+              </a:rPr>
+              <a:t>12.07.2019</a:t>
             </a:r>
             <a:endParaRPr lang="en-AU" dirty="0">
               <a:latin typeface="CMU Serif Roman" charset="0"/>
@@ -5701,12 +5797,12 @@
           <a:lstStyle/>
           <a:p>
             <a:r>
-              <a:rPr lang="en-AU" dirty="0" smtClean="0">
-                <a:latin typeface="CMU Serif Roman" charset="0"/>
-                <a:ea typeface="CMU Serif Roman" charset="0"/>
-                <a:cs typeface="CMU Serif Roman" charset="0"/>
-              </a:rPr>
-              <a:t>22.05.19</a:t>
+              <a:rPr lang="de-DE" smtClean="0">
+                <a:latin typeface="CMU Serif Roman" charset="0"/>
+                <a:ea typeface="CMU Serif Roman" charset="0"/>
+                <a:cs typeface="CMU Serif Roman" charset="0"/>
+              </a:rPr>
+              <a:t>12.07.2019</a:t>
             </a:r>
             <a:endParaRPr lang="en-AU" dirty="0">
               <a:latin typeface="CMU Serif Roman" charset="0"/>
@@ -5922,12 +6018,12 @@
           <a:lstStyle/>
           <a:p>
             <a:r>
-              <a:rPr lang="en-AU" dirty="0" smtClean="0">
-                <a:latin typeface="CMU Serif Roman" charset="0"/>
-                <a:ea typeface="CMU Serif Roman" charset="0"/>
-                <a:cs typeface="CMU Serif Roman" charset="0"/>
-              </a:rPr>
-              <a:t>22.05.19</a:t>
+              <a:rPr lang="de-DE" smtClean="0">
+                <a:latin typeface="CMU Serif Roman" charset="0"/>
+                <a:ea typeface="CMU Serif Roman" charset="0"/>
+                <a:cs typeface="CMU Serif Roman" charset="0"/>
+              </a:rPr>
+              <a:t>12.07.2019</a:t>
             </a:r>
             <a:endParaRPr lang="en-AU" dirty="0">
               <a:latin typeface="CMU Serif Roman" charset="0"/>
@@ -6114,12 +6210,12 @@
           <a:lstStyle/>
           <a:p>
             <a:r>
-              <a:rPr lang="en-AU" dirty="0" smtClean="0">
-                <a:latin typeface="CMU Serif Roman" charset="0"/>
-                <a:ea typeface="CMU Serif Roman" charset="0"/>
-                <a:cs typeface="CMU Serif Roman" charset="0"/>
-              </a:rPr>
-              <a:t>22.05.19</a:t>
+              <a:rPr lang="de-DE" smtClean="0">
+                <a:latin typeface="CMU Serif Roman" charset="0"/>
+                <a:ea typeface="CMU Serif Roman" charset="0"/>
+                <a:cs typeface="CMU Serif Roman" charset="0"/>
+              </a:rPr>
+              <a:t>12.07.2019</a:t>
             </a:r>
             <a:endParaRPr lang="en-AU" dirty="0">
               <a:latin typeface="CMU Serif Roman" charset="0"/>
@@ -6369,12 +6465,12 @@
           <a:lstStyle/>
           <a:p>
             <a:r>
-              <a:rPr lang="en-AU" dirty="0" smtClean="0">
-                <a:latin typeface="CMU Serif Roman" charset="0"/>
-                <a:ea typeface="CMU Serif Roman" charset="0"/>
-                <a:cs typeface="CMU Serif Roman" charset="0"/>
-              </a:rPr>
-              <a:t>22.05.19</a:t>
+              <a:rPr lang="de-DE" smtClean="0">
+                <a:latin typeface="CMU Serif Roman" charset="0"/>
+                <a:ea typeface="CMU Serif Roman" charset="0"/>
+                <a:cs typeface="CMU Serif Roman" charset="0"/>
+              </a:rPr>
+              <a:t>12.07.2019</a:t>
             </a:r>
             <a:endParaRPr lang="en-AU" dirty="0">
               <a:latin typeface="CMU Serif Roman" charset="0"/>
@@ -7230,12 +7326,12 @@
           <a:lstStyle/>
           <a:p>
             <a:r>
-              <a:rPr lang="en-AU" dirty="0" smtClean="0">
-                <a:latin typeface="CMU Serif Roman" charset="0"/>
-                <a:ea typeface="CMU Serif Roman" charset="0"/>
-                <a:cs typeface="CMU Serif Roman" charset="0"/>
-              </a:rPr>
-              <a:t>22.05.19</a:t>
+              <a:rPr lang="de-DE" smtClean="0">
+                <a:latin typeface="CMU Serif Roman" charset="0"/>
+                <a:ea typeface="CMU Serif Roman" charset="0"/>
+                <a:cs typeface="CMU Serif Roman" charset="0"/>
+              </a:rPr>
+              <a:t>12.07.2019</a:t>
             </a:r>
             <a:endParaRPr lang="en-AU" dirty="0">
               <a:latin typeface="CMU Serif Roman" charset="0"/>
@@ -7414,12 +7510,12 @@
           <a:lstStyle/>
           <a:p>
             <a:r>
-              <a:rPr lang="en-AU" dirty="0" smtClean="0">
-                <a:latin typeface="CMU Serif Roman" charset="0"/>
-                <a:ea typeface="CMU Serif Roman" charset="0"/>
-                <a:cs typeface="CMU Serif Roman" charset="0"/>
-              </a:rPr>
-              <a:t>22.05.19</a:t>
+              <a:rPr lang="de-DE" smtClean="0">
+                <a:latin typeface="CMU Serif Roman" charset="0"/>
+                <a:ea typeface="CMU Serif Roman" charset="0"/>
+                <a:cs typeface="CMU Serif Roman" charset="0"/>
+              </a:rPr>
+              <a:t>12.07.2019</a:t>
             </a:r>
             <a:endParaRPr lang="en-AU" dirty="0">
               <a:latin typeface="CMU Serif Roman" charset="0"/>
@@ -8205,12 +8301,12 @@
           <a:lstStyle/>
           <a:p>
             <a:r>
-              <a:rPr lang="en-AU" dirty="0" smtClean="0">
-                <a:latin typeface="CMU Serif Roman" charset="0"/>
-                <a:ea typeface="CMU Serif Roman" charset="0"/>
-                <a:cs typeface="CMU Serif Roman" charset="0"/>
-              </a:rPr>
-              <a:t>22.05.19</a:t>
+              <a:rPr lang="de-DE" smtClean="0">
+                <a:latin typeface="CMU Serif Roman" charset="0"/>
+                <a:ea typeface="CMU Serif Roman" charset="0"/>
+                <a:cs typeface="CMU Serif Roman" charset="0"/>
+              </a:rPr>
+              <a:t>12.07.2019</a:t>
             </a:r>
             <a:endParaRPr lang="en-AU" dirty="0">
               <a:latin typeface="CMU Serif Roman" charset="0"/>
@@ -8503,12 +8599,12 @@
           <a:lstStyle/>
           <a:p>
             <a:r>
-              <a:rPr lang="en-AU" dirty="0" smtClean="0">
-                <a:latin typeface="CMU Serif Roman" charset="0"/>
-                <a:ea typeface="CMU Serif Roman" charset="0"/>
-                <a:cs typeface="CMU Serif Roman" charset="0"/>
-              </a:rPr>
-              <a:t>22.05.19</a:t>
+              <a:rPr lang="de-DE" smtClean="0">
+                <a:latin typeface="CMU Serif Roman" charset="0"/>
+                <a:ea typeface="CMU Serif Roman" charset="0"/>
+                <a:cs typeface="CMU Serif Roman" charset="0"/>
+              </a:rPr>
+              <a:t>12.07.2019</a:t>
             </a:r>
             <a:endParaRPr lang="en-AU" dirty="0">
               <a:latin typeface="CMU Serif Roman" charset="0"/>
@@ -8732,12 +8828,12 @@
           <a:lstStyle/>
           <a:p>
             <a:r>
-              <a:rPr lang="en-AU" dirty="0" smtClean="0">
-                <a:latin typeface="CMU Serif Roman" charset="0"/>
-                <a:ea typeface="CMU Serif Roman" charset="0"/>
-                <a:cs typeface="CMU Serif Roman" charset="0"/>
-              </a:rPr>
-              <a:t>22.05.19</a:t>
+              <a:rPr lang="de-DE" smtClean="0">
+                <a:latin typeface="CMU Serif Roman" charset="0"/>
+                <a:ea typeface="CMU Serif Roman" charset="0"/>
+                <a:cs typeface="CMU Serif Roman" charset="0"/>
+              </a:rPr>
+              <a:t>12.07.2019</a:t>
             </a:r>
             <a:endParaRPr lang="en-AU" dirty="0">
               <a:latin typeface="CMU Serif Roman" charset="0"/>
@@ -9230,7 +9326,23 @@
                 <a:ea typeface="CMU Serif Roman" charset="0"/>
                 <a:cs typeface="CMU Serif Roman" charset="0"/>
               </a:rPr>
-              <a:t>Model Math:</a:t>
+              <a:t>Model </a:t>
+            </a:r>
+            <a:r>
+              <a:rPr lang="en-AU" smtClean="0">
+                <a:latin typeface="CMU Serif Roman" charset="0"/>
+                <a:ea typeface="CMU Serif Roman" charset="0"/>
+                <a:cs typeface="CMU Serif Roman" charset="0"/>
+              </a:rPr>
+              <a:t>Math [RECAP]:</a:t>
+            </a:r>
+            <a:r>
+              <a:rPr lang="en-AU" dirty="0" smtClean="0">
+                <a:latin typeface="CMU Serif Roman" charset="0"/>
+                <a:ea typeface="CMU Serif Roman" charset="0"/>
+                <a:cs typeface="CMU Serif Roman" charset="0"/>
+              </a:rPr>
+              <a:t/>
             </a:r>
             <a:br>
               <a:rPr lang="en-AU" dirty="0" smtClean="0">
@@ -9566,12 +9678,12 @@
           <a:lstStyle/>
           <a:p>
             <a:r>
-              <a:rPr lang="en-AU" dirty="0" smtClean="0">
-                <a:latin typeface="CMU Serif Roman" charset="0"/>
-                <a:ea typeface="CMU Serif Roman" charset="0"/>
-                <a:cs typeface="CMU Serif Roman" charset="0"/>
-              </a:rPr>
-              <a:t>22.05.19</a:t>
+              <a:rPr lang="de-DE" smtClean="0">
+                <a:latin typeface="CMU Serif Roman" charset="0"/>
+                <a:ea typeface="CMU Serif Roman" charset="0"/>
+                <a:cs typeface="CMU Serif Roman" charset="0"/>
+              </a:rPr>
+              <a:t>12.07.2019</a:t>
             </a:r>
             <a:endParaRPr lang="en-AU" dirty="0">
               <a:latin typeface="CMU Serif Roman" charset="0"/>
@@ -10009,6 +10121,7 @@
           <a:prstGeom prst="line">
             <a:avLst/>
           </a:prstGeom>
+          <a:ln w="19050"/>
         </p:spPr>
         <p:style>
           <a:lnRef idx="1">
@@ -10316,6 +10429,11 @@
           <a:prstGeom prst="leftBrace">
             <a:avLst/>
           </a:prstGeom>
+          <a:ln w="19050">
+            <a:solidFill>
+              <a:schemeClr val="accent1"/>
+            </a:solidFill>
+          </a:ln>
         </p:spPr>
         <p:style>
           <a:lnRef idx="1">
@@ -10436,6 +10554,7 @@
           <a:prstGeom prst="leftBrace">
             <a:avLst/>
           </a:prstGeom>
+          <a:ln w="19050"/>
         </p:spPr>
         <p:style>
           <a:lnRef idx="1">
@@ -10478,6 +10597,7 @@
           <a:prstGeom prst="leftBrace">
             <a:avLst/>
           </a:prstGeom>
+          <a:ln w="19050"/>
         </p:spPr>
         <p:style>
           <a:lnRef idx="1">
@@ -10624,12 +10744,12 @@
           <a:lstStyle/>
           <a:p>
             <a:r>
-              <a:rPr lang="en-AU" dirty="0" smtClean="0">
-                <a:latin typeface="CMU Serif Roman" charset="0"/>
-                <a:ea typeface="CMU Serif Roman" charset="0"/>
-                <a:cs typeface="CMU Serif Roman" charset="0"/>
-              </a:rPr>
-              <a:t>22.05.19</a:t>
+              <a:rPr lang="de-DE" smtClean="0">
+                <a:latin typeface="CMU Serif Roman" charset="0"/>
+                <a:ea typeface="CMU Serif Roman" charset="0"/>
+                <a:cs typeface="CMU Serif Roman" charset="0"/>
+              </a:rPr>
+              <a:t>12.07.2019</a:t>
             </a:r>
             <a:endParaRPr lang="en-AU" dirty="0">
               <a:latin typeface="CMU Serif Roman" charset="0"/>
@@ -11490,12 +11610,12 @@
           <a:lstStyle/>
           <a:p>
             <a:r>
-              <a:rPr lang="en-AU" dirty="0" smtClean="0">
-                <a:latin typeface="CMU Serif Roman" charset="0"/>
-                <a:ea typeface="CMU Serif Roman" charset="0"/>
-                <a:cs typeface="CMU Serif Roman" charset="0"/>
-              </a:rPr>
-              <a:t>22.05.19</a:t>
+              <a:rPr lang="de-DE" smtClean="0">
+                <a:latin typeface="CMU Serif Roman" charset="0"/>
+                <a:ea typeface="CMU Serif Roman" charset="0"/>
+                <a:cs typeface="CMU Serif Roman" charset="0"/>
+              </a:rPr>
+              <a:t>12.07.2019</a:t>
             </a:r>
             <a:endParaRPr lang="en-AU" dirty="0">
               <a:latin typeface="CMU Serif Roman" charset="0"/>
@@ -12329,12 +12449,12 @@
           <a:lstStyle/>
           <a:p>
             <a:r>
-              <a:rPr lang="en-AU" dirty="0" smtClean="0">
-                <a:latin typeface="CMU Serif Roman" charset="0"/>
-                <a:ea typeface="CMU Serif Roman" charset="0"/>
-                <a:cs typeface="CMU Serif Roman" charset="0"/>
-              </a:rPr>
-              <a:t>22.05.19</a:t>
+              <a:rPr lang="de-DE" smtClean="0">
+                <a:latin typeface="CMU Serif Roman" charset="0"/>
+                <a:ea typeface="CMU Serif Roman" charset="0"/>
+                <a:cs typeface="CMU Serif Roman" charset="0"/>
+              </a:rPr>
+              <a:t>12.07.2019</a:t>
             </a:r>
             <a:endParaRPr lang="en-AU" dirty="0">
               <a:latin typeface="CMU Serif Roman" charset="0"/>
@@ -13224,12 +13344,12 @@
           <a:lstStyle/>
           <a:p>
             <a:r>
-              <a:rPr lang="en-AU" dirty="0" smtClean="0">
-                <a:latin typeface="CMU Serif Roman" charset="0"/>
-                <a:ea typeface="CMU Serif Roman" charset="0"/>
-                <a:cs typeface="CMU Serif Roman" charset="0"/>
-              </a:rPr>
-              <a:t>22.05.19</a:t>
+              <a:rPr lang="de-DE" smtClean="0">
+                <a:latin typeface="CMU Serif Roman" charset="0"/>
+                <a:ea typeface="CMU Serif Roman" charset="0"/>
+                <a:cs typeface="CMU Serif Roman" charset="0"/>
+              </a:rPr>
+              <a:t>12.07.2019</a:t>
             </a:r>
             <a:endParaRPr lang="en-AU" dirty="0">
               <a:latin typeface="CMU Serif Roman" charset="0"/>
@@ -14042,12 +14162,12 @@
           <a:lstStyle/>
           <a:p>
             <a:r>
-              <a:rPr lang="en-AU" dirty="0" smtClean="0">
-                <a:latin typeface="CMU Serif Roman" charset="0"/>
-                <a:ea typeface="CMU Serif Roman" charset="0"/>
-                <a:cs typeface="CMU Serif Roman" charset="0"/>
-              </a:rPr>
-              <a:t>22.05.19</a:t>
+              <a:rPr lang="de-DE" smtClean="0">
+                <a:latin typeface="CMU Serif Roman" charset="0"/>
+                <a:ea typeface="CMU Serif Roman" charset="0"/>
+                <a:cs typeface="CMU Serif Roman" charset="0"/>
+              </a:rPr>
+              <a:t>12.07.2019</a:t>
             </a:r>
             <a:endParaRPr lang="en-AU" dirty="0">
               <a:latin typeface="CMU Serif Roman" charset="0"/>
@@ -14908,12 +15028,12 @@
           <a:lstStyle/>
           <a:p>
             <a:r>
-              <a:rPr lang="en-AU" dirty="0" smtClean="0">
-                <a:latin typeface="CMU Serif Roman" charset="0"/>
-                <a:ea typeface="CMU Serif Roman" charset="0"/>
-                <a:cs typeface="CMU Serif Roman" charset="0"/>
-              </a:rPr>
-              <a:t>22.05.19</a:t>
+              <a:rPr lang="de-DE" smtClean="0">
+                <a:latin typeface="CMU Serif Roman" charset="0"/>
+                <a:ea typeface="CMU Serif Roman" charset="0"/>
+                <a:cs typeface="CMU Serif Roman" charset="0"/>
+              </a:rPr>
+              <a:t>12.07.2019</a:t>
             </a:r>
             <a:endParaRPr lang="en-AU" dirty="0">
               <a:latin typeface="CMU Serif Roman" charset="0"/>
@@ -15190,7 +15310,89 @@
               </a:rPr>
               <a:t>necessarily exist?</a:t>
             </a:r>
-            <a:endParaRPr lang="en-AU" dirty="0" smtClean="0">
+          </a:p>
+        </p:txBody>
+      </p:sp>
+      <p:sp>
+        <p:nvSpPr>
+          <p:cNvPr id="7" name="Pfeil nach rechts 6"/>
+          <p:cNvSpPr/>
+          <p:nvPr/>
+        </p:nvSpPr>
+        <p:spPr>
+          <a:xfrm>
+            <a:off x="1160206" y="5712542"/>
+            <a:ext cx="757084" cy="521110"/>
+          </a:xfrm>
+          <a:prstGeom prst="rightArrow">
+            <a:avLst/>
+          </a:prstGeom>
+        </p:spPr>
+        <p:style>
+          <a:lnRef idx="2">
+            <a:schemeClr val="accent1">
+              <a:shade val="50000"/>
+            </a:schemeClr>
+          </a:lnRef>
+          <a:fillRef idx="1">
+            <a:schemeClr val="accent1"/>
+          </a:fillRef>
+          <a:effectRef idx="0">
+            <a:schemeClr val="accent1"/>
+          </a:effectRef>
+          <a:fontRef idx="minor">
+            <a:schemeClr val="lt1"/>
+          </a:fontRef>
+        </p:style>
+        <p:txBody>
+          <a:bodyPr rtlCol="0" anchor="ctr"/>
+          <a:lstStyle/>
+          <a:p>
+            <a:pPr algn="ctr"/>
+            <a:endParaRPr lang="en-AU"/>
+          </a:p>
+        </p:txBody>
+      </p:sp>
+      <p:sp>
+        <p:nvSpPr>
+          <p:cNvPr id="8" name="Textfeld 7"/>
+          <p:cNvSpPr txBox="1"/>
+          <p:nvPr/>
+        </p:nvSpPr>
+        <p:spPr>
+          <a:xfrm>
+            <a:off x="2254537" y="5773042"/>
+            <a:ext cx="4746812" cy="400110"/>
+          </a:xfrm>
+          <a:prstGeom prst="rect">
+            <a:avLst/>
+          </a:prstGeom>
+          <a:noFill/>
+        </p:spPr>
+        <p:txBody>
+          <a:bodyPr wrap="none" rtlCol="0">
+            <a:spAutoFit/>
+          </a:bodyPr>
+          <a:lstStyle/>
+          <a:p>
+            <a:pPr algn="ctr"/>
+            <a:r>
+              <a:rPr lang="en-AU" sz="2000" b="1" dirty="0" smtClean="0">
+                <a:latin typeface="CMU Serif Roman" charset="0"/>
+                <a:ea typeface="CMU Serif Roman" charset="0"/>
+                <a:cs typeface="CMU Serif Roman" charset="0"/>
+              </a:rPr>
+              <a:t>LIME should be applied </a:t>
+            </a:r>
+            <a:r>
+              <a:rPr lang="en-AU" sz="2000" b="1" smtClean="0">
+                <a:latin typeface="CMU Serif Roman" charset="0"/>
+                <a:ea typeface="CMU Serif Roman" charset="0"/>
+                <a:cs typeface="CMU Serif Roman" charset="0"/>
+              </a:rPr>
+              <a:t>with great care!</a:t>
+            </a:r>
+            <a:endParaRPr lang="en-AU" sz="2000" b="1">
               <a:latin typeface="CMU Serif Roman" charset="0"/>
               <a:ea typeface="CMU Serif Roman" charset="0"/>
               <a:cs typeface="CMU Serif Roman" charset="0"/>
@@ -15245,7 +15447,12 @@
             <p:ph type="title"/>
           </p:nvPr>
         </p:nvSpPr>
-        <p:spPr/>
+        <p:spPr>
+          <a:xfrm>
+            <a:off x="822960" y="272779"/>
+            <a:ext cx="7543800" cy="1450757"/>
+          </a:xfrm>
+        </p:spPr>
         <p:txBody>
           <a:bodyPr/>
           <a:lstStyle/>
@@ -15256,23 +15463,7 @@
                 <a:ea typeface="CMU Serif Roman" charset="0"/>
                 <a:cs typeface="CMU Serif Roman" charset="0"/>
               </a:rPr>
-              <a:t>The problem </a:t>
-            </a:r>
-            <a:r>
-              <a:rPr lang="en-AU" dirty="0" smtClean="0">
-                <a:latin typeface="CMU Serif Roman" charset="0"/>
-                <a:ea typeface="CMU Serif Roman" charset="0"/>
-                <a:cs typeface="CMU Serif Roman" charset="0"/>
-              </a:rPr>
-              <a:t>may lie</a:t>
-            </a:r>
-            <a:r>
-              <a:rPr lang="en-AU" dirty="0" smtClean="0">
-                <a:latin typeface="CMU Serif Roman" charset="0"/>
-                <a:ea typeface="CMU Serif Roman" charset="0"/>
-                <a:cs typeface="CMU Serif Roman" charset="0"/>
-              </a:rPr>
-              <a:t> in the sampling.</a:t>
+              <a:t>References</a:t>
             </a:r>
             <a:endParaRPr lang="en-AU" dirty="0">
               <a:latin typeface="CMU Serif Roman" charset="0"/>
@@ -15295,17 +15486,21 @@
         <p:spPr/>
         <p:txBody>
           <a:bodyPr>
-            <a:normAutofit/>
+            <a:normAutofit fontScale="70000" lnSpcReduction="20000"/>
           </a:bodyPr>
           <a:lstStyle/>
           <a:p>
+            <a:pPr>
+              <a:buFont typeface="Arial" charset="0"/>
+              <a:buChar char="•"/>
+            </a:pPr>
             <a:r>
               <a:rPr lang="en-AU" dirty="0" smtClean="0">
                 <a:latin typeface="CMU Serif Roman" charset="0"/>
                 <a:ea typeface="CMU Serif Roman" charset="0"/>
                 <a:cs typeface="CMU Serif Roman" charset="0"/>
               </a:rPr>
-              <a:t>For complex decision boundaries / </a:t>
+              <a:t> Alvarez-</a:t>
             </a:r>
             <a:r>
               <a:rPr lang="en-AU" dirty="0" err="1" smtClean="0">
@@ -15313,7 +15508,7 @@
                 <a:ea typeface="CMU Serif Roman" charset="0"/>
                 <a:cs typeface="CMU Serif Roman" charset="0"/>
               </a:rPr>
-              <a:t>predicitive</a:t>
+              <a:t>Melis</a:t>
             </a:r>
             <a:r>
               <a:rPr lang="en-AU" dirty="0" smtClean="0">
@@ -15321,37 +15516,83 @@
                 <a:ea typeface="CMU Serif Roman" charset="0"/>
                 <a:cs typeface="CMU Serif Roman" charset="0"/>
               </a:rPr>
-              <a:t> surfaces global sampling is unsatisfactory.</a:t>
-            </a:r>
-          </a:p>
-          <a:p>
+              <a:t>, David, and </a:t>
+            </a:r>
+            <a:r>
+              <a:rPr lang="en-AU" dirty="0" err="1" smtClean="0">
+                <a:latin typeface="CMU Serif Roman" charset="0"/>
+                <a:ea typeface="CMU Serif Roman" charset="0"/>
+                <a:cs typeface="CMU Serif Roman" charset="0"/>
+              </a:rPr>
+              <a:t>Tommi</a:t>
+            </a:r>
             <a:r>
               <a:rPr lang="en-AU" dirty="0" smtClean="0">
                 <a:latin typeface="CMU Serif Roman" charset="0"/>
                 <a:ea typeface="CMU Serif Roman" charset="0"/>
                 <a:cs typeface="CMU Serif Roman" charset="0"/>
               </a:rPr>
-              <a:t>The sampling may result in only few observations that are actually in proximity to the instance to be explained.</a:t>
-            </a:r>
-          </a:p>
-          <a:p>
+              <a:t> S </a:t>
+            </a:r>
+            <a:r>
+              <a:rPr lang="en-AU" dirty="0" err="1" smtClean="0">
+                <a:latin typeface="CMU Serif Roman" charset="0"/>
+                <a:ea typeface="CMU Serif Roman" charset="0"/>
+                <a:cs typeface="CMU Serif Roman" charset="0"/>
+              </a:rPr>
+              <a:t>Jaakkola</a:t>
+            </a:r>
             <a:r>
               <a:rPr lang="en-AU" dirty="0" smtClean="0">
                 <a:latin typeface="CMU Serif Roman" charset="0"/>
                 <a:ea typeface="CMU Serif Roman" charset="0"/>
                 <a:cs typeface="CMU Serif Roman" charset="0"/>
               </a:rPr>
-              <a:t>Craven and Shavlik (1996) argue (in a very different context) that local fidelity is achieved by increasing the density of observations around the instance of interest.</a:t>
-            </a:r>
-          </a:p>
-          <a:p>
+              <a:t>. 2018. “On the Robustness of Interpretability Methods.” </a:t>
+            </a:r>
+            <a:r>
+              <a:rPr lang="en-AU" dirty="0" err="1" smtClean="0">
+                <a:latin typeface="CMU Serif Roman" charset="0"/>
+                <a:ea typeface="CMU Serif Roman" charset="0"/>
+                <a:cs typeface="CMU Serif Roman" charset="0"/>
+              </a:rPr>
+              <a:t>arXiv</a:t>
+            </a:r>
             <a:r>
               <a:rPr lang="en-AU" dirty="0" smtClean="0">
                 <a:latin typeface="CMU Serif Roman" charset="0"/>
                 <a:ea typeface="CMU Serif Roman" charset="0"/>
                 <a:cs typeface="CMU Serif Roman" charset="0"/>
               </a:rPr>
-              <a:t>Local sampling should be preferred over global sampling (</a:t>
+              <a:t> Preprint arXiv:1806.08049.</a:t>
+            </a:r>
+          </a:p>
+          <a:p>
+            <a:pPr>
+              <a:buFont typeface="Arial" charset="0"/>
+              <a:buChar char="•"/>
+            </a:pPr>
+            <a:r>
+              <a:rPr lang="en-AU" dirty="0" smtClean="0">
+                <a:latin typeface="CMU Serif Roman" charset="0"/>
+                <a:ea typeface="CMU Serif Roman" charset="0"/>
+                <a:cs typeface="CMU Serif Roman" charset="0"/>
+              </a:rPr>
+              <a:t> Craven, Mark, and Jude W Shavlik. 1996. “Extracting Tree-Structured Representations of Trained Networks.” In Advances in Neural Information Processing Systems, 24–30.</a:t>
+            </a:r>
+          </a:p>
+          <a:p>
+            <a:pPr>
+              <a:buFont typeface="Arial" charset="0"/>
+              <a:buChar char="•"/>
+            </a:pPr>
+            <a:r>
+              <a:rPr lang="en-AU" dirty="0" smtClean="0">
+                <a:latin typeface="CMU Serif Roman" charset="0"/>
+                <a:ea typeface="CMU Serif Roman" charset="0"/>
+                <a:cs typeface="CMU Serif Roman" charset="0"/>
+              </a:rPr>
+              <a:t> </a:t>
             </a:r>
             <a:r>
               <a:rPr lang="en-AU" dirty="0" err="1" smtClean="0">
@@ -15359,6 +15600,68 @@
                 <a:ea typeface="CMU Serif Roman" charset="0"/>
                 <a:cs typeface="CMU Serif Roman" charset="0"/>
               </a:rPr>
+              <a:t>Fanaee</a:t>
+            </a:r>
+            <a:r>
+              <a:rPr lang="en-AU" dirty="0" smtClean="0">
+                <a:latin typeface="CMU Serif Roman" charset="0"/>
+                <a:ea typeface="CMU Serif Roman" charset="0"/>
+                <a:cs typeface="CMU Serif Roman" charset="0"/>
+              </a:rPr>
+              <a:t>-T, </a:t>
+            </a:r>
+            <a:r>
+              <a:rPr lang="en-AU" dirty="0" err="1" smtClean="0">
+                <a:latin typeface="CMU Serif Roman" charset="0"/>
+                <a:ea typeface="CMU Serif Roman" charset="0"/>
+                <a:cs typeface="CMU Serif Roman" charset="0"/>
+              </a:rPr>
+              <a:t>Hadi</a:t>
+            </a:r>
+            <a:r>
+              <a:rPr lang="en-AU" dirty="0" smtClean="0">
+                <a:latin typeface="CMU Serif Roman" charset="0"/>
+                <a:ea typeface="CMU Serif Roman" charset="0"/>
+                <a:cs typeface="CMU Serif Roman" charset="0"/>
+              </a:rPr>
+              <a:t>, and Joao Gama. 2014. “Event </a:t>
+            </a:r>
+            <a:r>
+              <a:rPr lang="en-AU" dirty="0" err="1" smtClean="0">
+                <a:latin typeface="CMU Serif Roman" charset="0"/>
+                <a:ea typeface="CMU Serif Roman" charset="0"/>
+                <a:cs typeface="CMU Serif Roman" charset="0"/>
+              </a:rPr>
+              <a:t>Labeling</a:t>
+            </a:r>
+            <a:r>
+              <a:rPr lang="en-AU" dirty="0" smtClean="0">
+                <a:latin typeface="CMU Serif Roman" charset="0"/>
+                <a:ea typeface="CMU Serif Roman" charset="0"/>
+                <a:cs typeface="CMU Serif Roman" charset="0"/>
+              </a:rPr>
+              <a:t> Combining Ensemble Detectors and Background Knowledge.” Progress in Artificial Intelligence 2 (2-3). Springer: 113–27.</a:t>
+            </a:r>
+          </a:p>
+          <a:p>
+            <a:pPr>
+              <a:buFont typeface="Arial" charset="0"/>
+              <a:buChar char="•"/>
+            </a:pPr>
+            <a:r>
+              <a:rPr lang="en-AU" dirty="0" smtClean="0">
+                <a:latin typeface="CMU Serif Roman" charset="0"/>
+                <a:ea typeface="CMU Serif Roman" charset="0"/>
+                <a:cs typeface="CMU Serif Roman" charset="0"/>
+              </a:rPr>
+              <a:t> </a:t>
+            </a:r>
+            <a:r>
+              <a:rPr lang="en-AU" dirty="0" err="1" smtClean="0">
+                <a:latin typeface="CMU Serif Roman" charset="0"/>
+                <a:ea typeface="CMU Serif Roman" charset="0"/>
+                <a:cs typeface="CMU Serif Roman" charset="0"/>
+              </a:rPr>
               <a:t>Laugel</a:t>
             </a:r>
             <a:r>
@@ -15367,19 +15670,241 @@
                 <a:ea typeface="CMU Serif Roman" charset="0"/>
                 <a:cs typeface="CMU Serif Roman" charset="0"/>
               </a:rPr>
-              <a:t> et al. 2018).</a:t>
-            </a:r>
-          </a:p>
-          <a:p>
+              <a:t>, Thibault, Xavier </a:t>
+            </a:r>
+            <a:r>
+              <a:rPr lang="en-AU" dirty="0" err="1" smtClean="0">
+                <a:latin typeface="CMU Serif Roman" charset="0"/>
+                <a:ea typeface="CMU Serif Roman" charset="0"/>
+                <a:cs typeface="CMU Serif Roman" charset="0"/>
+              </a:rPr>
+              <a:t>Renard</a:t>
+            </a:r>
             <a:r>
               <a:rPr lang="en-AU" dirty="0" smtClean="0">
                 <a:latin typeface="CMU Serif Roman" charset="0"/>
                 <a:ea typeface="CMU Serif Roman" charset="0"/>
                 <a:cs typeface="CMU Serif Roman" charset="0"/>
               </a:rPr>
-              <a:t>Local sampling is actually also performed for LIME for non-tabular data (next slide).</a:t>
-            </a:r>
-            <a:endParaRPr lang="en-AU" dirty="0" smtClean="0">
+              <a:t>, Marie-Jeanne </a:t>
+            </a:r>
+            <a:r>
+              <a:rPr lang="en-AU" dirty="0" err="1" smtClean="0">
+                <a:latin typeface="CMU Serif Roman" charset="0"/>
+                <a:ea typeface="CMU Serif Roman" charset="0"/>
+                <a:cs typeface="CMU Serif Roman" charset="0"/>
+              </a:rPr>
+              <a:t>Lesot</a:t>
+            </a:r>
+            <a:r>
+              <a:rPr lang="en-AU" dirty="0" smtClean="0">
+                <a:latin typeface="CMU Serif Roman" charset="0"/>
+                <a:ea typeface="CMU Serif Roman" charset="0"/>
+                <a:cs typeface="CMU Serif Roman" charset="0"/>
+              </a:rPr>
+              <a:t>, Christophe Marsala, and Marcin </a:t>
+            </a:r>
+            <a:r>
+              <a:rPr lang="en-AU" dirty="0" err="1" smtClean="0">
+                <a:latin typeface="CMU Serif Roman" charset="0"/>
+                <a:ea typeface="CMU Serif Roman" charset="0"/>
+                <a:cs typeface="CMU Serif Roman" charset="0"/>
+              </a:rPr>
+              <a:t>Detyniecki</a:t>
+            </a:r>
+            <a:r>
+              <a:rPr lang="en-AU" dirty="0" smtClean="0">
+                <a:latin typeface="CMU Serif Roman" charset="0"/>
+                <a:ea typeface="CMU Serif Roman" charset="0"/>
+                <a:cs typeface="CMU Serif Roman" charset="0"/>
+              </a:rPr>
+              <a:t>. 2018. “Defining Locality for Surrogates in Post-Hoc </a:t>
+            </a:r>
+            <a:r>
+              <a:rPr lang="en-AU" dirty="0" err="1" smtClean="0">
+                <a:latin typeface="CMU Serif Roman" charset="0"/>
+                <a:ea typeface="CMU Serif Roman" charset="0"/>
+                <a:cs typeface="CMU Serif Roman" charset="0"/>
+              </a:rPr>
+              <a:t>Interpretablity</a:t>
+            </a:r>
+            <a:r>
+              <a:rPr lang="en-AU" dirty="0" smtClean="0">
+                <a:latin typeface="CMU Serif Roman" charset="0"/>
+                <a:ea typeface="CMU Serif Roman" charset="0"/>
+                <a:cs typeface="CMU Serif Roman" charset="0"/>
+              </a:rPr>
+              <a:t>.” </a:t>
+            </a:r>
+            <a:r>
+              <a:rPr lang="en-AU" dirty="0" err="1" smtClean="0">
+                <a:latin typeface="CMU Serif Roman" charset="0"/>
+                <a:ea typeface="CMU Serif Roman" charset="0"/>
+                <a:cs typeface="CMU Serif Roman" charset="0"/>
+              </a:rPr>
+              <a:t>arXiv</a:t>
+            </a:r>
+            <a:r>
+              <a:rPr lang="en-AU" dirty="0" smtClean="0">
+                <a:latin typeface="CMU Serif Roman" charset="0"/>
+                <a:ea typeface="CMU Serif Roman" charset="0"/>
+                <a:cs typeface="CMU Serif Roman" charset="0"/>
+              </a:rPr>
+              <a:t> Preprint arXiv:1806.07498.</a:t>
+            </a:r>
+          </a:p>
+          <a:p>
+            <a:pPr>
+              <a:buFont typeface="Arial" charset="0"/>
+              <a:buChar char="•"/>
+            </a:pPr>
+            <a:r>
+              <a:rPr lang="en-AU" dirty="0" smtClean="0">
+                <a:latin typeface="CMU Serif Roman" charset="0"/>
+                <a:ea typeface="CMU Serif Roman" charset="0"/>
+                <a:cs typeface="CMU Serif Roman" charset="0"/>
+              </a:rPr>
+              <a:t> </a:t>
+            </a:r>
+            <a:r>
+              <a:rPr lang="en-AU" dirty="0" err="1" smtClean="0">
+                <a:latin typeface="CMU Serif Roman" charset="0"/>
+                <a:ea typeface="CMU Serif Roman" charset="0"/>
+                <a:cs typeface="CMU Serif Roman" charset="0"/>
+              </a:rPr>
+              <a:t>Meinshausen</a:t>
+            </a:r>
+            <a:r>
+              <a:rPr lang="en-AU" dirty="0" smtClean="0">
+                <a:latin typeface="CMU Serif Roman" charset="0"/>
+                <a:ea typeface="CMU Serif Roman" charset="0"/>
+                <a:cs typeface="CMU Serif Roman" charset="0"/>
+              </a:rPr>
+              <a:t>, Nicolai, and Peter </a:t>
+            </a:r>
+            <a:r>
+              <a:rPr lang="en-AU" dirty="0" err="1" smtClean="0">
+                <a:latin typeface="CMU Serif Roman" charset="0"/>
+                <a:ea typeface="CMU Serif Roman" charset="0"/>
+                <a:cs typeface="CMU Serif Roman" charset="0"/>
+              </a:rPr>
+              <a:t>Bühlmann</a:t>
+            </a:r>
+            <a:r>
+              <a:rPr lang="en-AU" dirty="0" smtClean="0">
+                <a:latin typeface="CMU Serif Roman" charset="0"/>
+                <a:ea typeface="CMU Serif Roman" charset="0"/>
+                <a:cs typeface="CMU Serif Roman" charset="0"/>
+              </a:rPr>
+              <a:t>. 2010. “Stability Selection.” Journal of the Royal Statistical Society: Series B (Statistical Methodology) 72 (4). Wiley Online Library: 417–73.</a:t>
+            </a:r>
+          </a:p>
+          <a:p>
+            <a:pPr>
+              <a:buFont typeface="Arial" charset="0"/>
+              <a:buChar char="•"/>
+            </a:pPr>
+            <a:r>
+              <a:rPr lang="en-AU" dirty="0" smtClean="0">
+                <a:latin typeface="CMU Serif Roman" charset="0"/>
+                <a:ea typeface="CMU Serif Roman" charset="0"/>
+                <a:cs typeface="CMU Serif Roman" charset="0"/>
+              </a:rPr>
+              <a:t> Molnar, Christoph. 2019. Interpretable Machine Learning: A Guide for Making Black Box Models Explainable.</a:t>
+            </a:r>
+          </a:p>
+          <a:p>
+            <a:pPr>
+              <a:buFont typeface="Arial" charset="0"/>
+              <a:buChar char="•"/>
+            </a:pPr>
+            <a:r>
+              <a:rPr lang="en-AU" dirty="0" smtClean="0">
+                <a:latin typeface="CMU Serif Roman" charset="0"/>
+                <a:ea typeface="CMU Serif Roman" charset="0"/>
+                <a:cs typeface="CMU Serif Roman" charset="0"/>
+              </a:rPr>
+              <a:t> Pedersen, T. &amp; </a:t>
+            </a:r>
+            <a:r>
+              <a:rPr lang="en-AU" dirty="0" err="1" smtClean="0">
+                <a:latin typeface="CMU Serif Roman" charset="0"/>
+                <a:ea typeface="CMU Serif Roman" charset="0"/>
+                <a:cs typeface="CMU Serif Roman" charset="0"/>
+              </a:rPr>
+              <a:t>Benetsy</a:t>
+            </a:r>
+            <a:r>
+              <a:rPr lang="en-AU" dirty="0" smtClean="0">
+                <a:latin typeface="CMU Serif Roman" charset="0"/>
+                <a:ea typeface="CMU Serif Roman" charset="0"/>
+                <a:cs typeface="CMU Serif Roman" charset="0"/>
+              </a:rPr>
+              <a:t>, M. (2018). “Package ‘lime’“. </a:t>
+            </a:r>
+            <a:r>
+              <a:rPr lang="en-AU" dirty="0" err="1" smtClean="0">
+                <a:latin typeface="CMU Serif Roman" charset="0"/>
+                <a:ea typeface="CMU Serif Roman" charset="0"/>
+                <a:cs typeface="CMU Serif Roman" charset="0"/>
+              </a:rPr>
+              <a:t>Cran</a:t>
+            </a:r>
+            <a:r>
+              <a:rPr lang="en-AU" dirty="0" smtClean="0">
+                <a:latin typeface="CMU Serif Roman" charset="0"/>
+                <a:ea typeface="CMU Serif Roman" charset="0"/>
+                <a:cs typeface="CMU Serif Roman" charset="0"/>
+              </a:rPr>
+              <a:t> R.</a:t>
+            </a:r>
+          </a:p>
+          <a:p>
+            <a:pPr>
+              <a:buFont typeface="Arial" charset="0"/>
+              <a:buChar char="•"/>
+            </a:pPr>
+            <a:r>
+              <a:rPr lang="en-AU" dirty="0" smtClean="0">
+                <a:latin typeface="CMU Serif Roman" charset="0"/>
+                <a:ea typeface="CMU Serif Roman" charset="0"/>
+                <a:cs typeface="CMU Serif Roman" charset="0"/>
+              </a:rPr>
+              <a:t> Ribeiro, M. T., Singh, S., &amp; </a:t>
+            </a:r>
+            <a:r>
+              <a:rPr lang="en-AU" dirty="0" err="1" smtClean="0">
+                <a:latin typeface="CMU Serif Roman" charset="0"/>
+                <a:ea typeface="CMU Serif Roman" charset="0"/>
+                <a:cs typeface="CMU Serif Roman" charset="0"/>
+              </a:rPr>
+              <a:t>Guestrin</a:t>
+            </a:r>
+            <a:r>
+              <a:rPr lang="en-AU" dirty="0" smtClean="0">
+                <a:latin typeface="CMU Serif Roman" charset="0"/>
+                <a:ea typeface="CMU Serif Roman" charset="0"/>
+                <a:cs typeface="CMU Serif Roman" charset="0"/>
+              </a:rPr>
+              <a:t>, C. (2016) “Why should I trust you?: Explaining the predictions of any classifier.“. </a:t>
+            </a:r>
+            <a:r>
+              <a:rPr lang="en-AU" i="1" dirty="0" smtClean="0">
+                <a:latin typeface="CMU Serif Roman" charset="0"/>
+                <a:ea typeface="CMU Serif Roman" charset="0"/>
+                <a:cs typeface="CMU Serif Roman" charset="0"/>
+              </a:rPr>
+              <a:t>Proceedings of the 22nd ACM SIGKDD international conference on knowledge discovery and data mining,</a:t>
+            </a:r>
+            <a:r>
+              <a:rPr lang="en-AU" dirty="0" smtClean="0">
+                <a:latin typeface="CMU Serif Roman" charset="0"/>
+                <a:ea typeface="CMU Serif Roman" charset="0"/>
+                <a:cs typeface="CMU Serif Roman" charset="0"/>
+              </a:rPr>
+              <a:t> 1135-1144.</a:t>
+            </a:r>
+            <a:endParaRPr lang="en-AU" dirty="0">
               <a:latin typeface="CMU Serif Roman" charset="0"/>
               <a:ea typeface="CMU Serif Roman" charset="0"/>
               <a:cs typeface="CMU Serif Roman" charset="0"/>
@@ -15403,12 +15928,12 @@
           <a:lstStyle/>
           <a:p>
             <a:r>
-              <a:rPr lang="en-AU" dirty="0" smtClean="0">
-                <a:latin typeface="CMU Serif Roman" charset="0"/>
-                <a:ea typeface="CMU Serif Roman" charset="0"/>
-                <a:cs typeface="CMU Serif Roman" charset="0"/>
-              </a:rPr>
-              <a:t>22.05.19</a:t>
+              <a:rPr lang="de-DE" smtClean="0">
+                <a:latin typeface="CMU Serif Roman" charset="0"/>
+                <a:ea typeface="CMU Serif Roman" charset="0"/>
+                <a:cs typeface="CMU Serif Roman" charset="0"/>
+              </a:rPr>
+              <a:t>12.07.2019</a:t>
             </a:r>
             <a:endParaRPr lang="en-AU" dirty="0">
               <a:latin typeface="CMU Serif Roman" charset="0"/>
@@ -15483,7 +16008,7 @@
     </p:spTree>
     <p:extLst>
       <p:ext uri="{BB962C8B-B14F-4D97-AF65-F5344CB8AC3E}">
-        <p14:creationId xmlns:p14="http://schemas.microsoft.com/office/powerpoint/2010/main" val="213996905"/>
+        <p14:creationId xmlns:p14="http://schemas.microsoft.com/office/powerpoint/2010/main" val="1921157417"/>
       </p:ext>
     </p:extLst>
   </p:cSld>
@@ -15519,7 +16044,7 @@
       </p:grpSpPr>
       <p:sp>
         <p:nvSpPr>
-          <p:cNvPr id="2" name="Titel 1"/>
+          <p:cNvPr id="7" name="Titel 6"/>
           <p:cNvSpPr>
             <a:spLocks noGrp="1"/>
           </p:cNvSpPr>
@@ -15538,7 +16063,7 @@
                 <a:ea typeface="CMU Serif Roman" charset="0"/>
                 <a:cs typeface="CMU Serif Roman" charset="0"/>
               </a:rPr>
-              <a:t>LIME for text data applies local sampling.</a:t>
+              <a:t>Backup</a:t>
             </a:r>
             <a:endParaRPr lang="en-AU" dirty="0">
               <a:latin typeface="CMU Serif Roman" charset="0"/>
@@ -15550,12 +16075,12 @@
       </p:sp>
       <p:sp>
         <p:nvSpPr>
-          <p:cNvPr id="3" name="Inhaltsplatzhalter 2"/>
+          <p:cNvPr id="8" name="Textplatzhalter 7"/>
           <p:cNvSpPr>
             <a:spLocks noGrp="1"/>
           </p:cNvSpPr>
           <p:nvPr>
-            <p:ph idx="1"/>
+            <p:ph type="body" idx="1"/>
           </p:nvPr>
         </p:nvSpPr>
         <p:spPr/>
@@ -15563,17 +16088,7 @@
           <a:bodyPr/>
           <a:lstStyle/>
           <a:p>
-            <a:r>
-              <a:rPr lang="en-AU" dirty="0" smtClean="0">
-                <a:latin typeface="CMU Serif Roman" charset="0"/>
-                <a:ea typeface="CMU Serif Roman" charset="0"/>
-                <a:cs typeface="CMU Serif Roman" charset="0"/>
-              </a:rPr>
-              <a:t>Example taken from Molnar (2019):</a:t>
-            </a:r>
-          </a:p>
-          <a:p>
-            <a:endParaRPr lang="en-AU" dirty="0">
+            <a:endParaRPr lang="en-AU">
               <a:latin typeface="CMU Serif Roman" charset="0"/>
               <a:ea typeface="CMU Serif Roman" charset="0"/>
               <a:cs typeface="CMU Serif Roman" charset="0"/>
@@ -15597,14 +16112,14 @@
           <a:lstStyle/>
           <a:p>
             <a:r>
-              <a:rPr lang="en-AU" dirty="0" smtClean="0">
-                <a:latin typeface="CMU Serif Roman" charset="0"/>
-                <a:ea typeface="CMU Serif Roman" charset="0"/>
-                <a:cs typeface="CMU Serif Roman" charset="0"/>
-              </a:rPr>
-              <a:t>22.05.19</a:t>
-            </a:r>
-            <a:endParaRPr lang="en-AU" dirty="0">
+              <a:rPr lang="de-DE" smtClean="0">
+                <a:latin typeface="CMU Serif Roman" charset="0"/>
+                <a:ea typeface="CMU Serif Roman" charset="0"/>
+                <a:cs typeface="CMU Serif Roman" charset="0"/>
+              </a:rPr>
+              <a:t>12.07.2019</a:t>
+            </a:r>
+            <a:endParaRPr lang="de-DE">
               <a:latin typeface="CMU Serif Roman" charset="0"/>
               <a:ea typeface="CMU Serif Roman" charset="0"/>
               <a:cs typeface="CMU Serif Roman" charset="0"/>
@@ -15628,14 +16143,14 @@
           <a:lstStyle/>
           <a:p>
             <a:r>
-              <a:rPr lang="en-AU" dirty="0" smtClean="0">
+              <a:rPr lang="de-DE" smtClean="0">
                 <a:latin typeface="CMU Serif Roman" charset="0"/>
                 <a:ea typeface="CMU Serif Roman" charset="0"/>
                 <a:cs typeface="CMU Serif Roman" charset="0"/>
               </a:rPr>
               <a:t>Interpretable Machine Learning</a:t>
             </a:r>
-            <a:endParaRPr lang="en-AU" dirty="0">
+            <a:endParaRPr lang="de-DE">
               <a:latin typeface="CMU Serif Roman" charset="0"/>
               <a:ea typeface="CMU Serif Roman" charset="0"/>
               <a:cs typeface="CMU Serif Roman" charset="0"/>
@@ -15659,14 +16174,14 @@
           <a:lstStyle/>
           <a:p>
             <a:fld id="{0FD15DEB-6CC9-F641-94EB-91A016C2CB29}" type="slidenum">
-              <a:rPr lang="en-AU" smtClean="0">
+              <a:rPr lang="de-DE" smtClean="0">
                 <a:latin typeface="CMU Serif Roman" charset="0"/>
                 <a:ea typeface="CMU Serif Roman" charset="0"/>
                 <a:cs typeface="CMU Serif Roman" charset="0"/>
               </a:rPr>
               <a:t>26</a:t>
             </a:fld>
-            <a:endParaRPr lang="en-AU" dirty="0">
+            <a:endParaRPr lang="de-DE">
               <a:latin typeface="CMU Serif Roman" charset="0"/>
               <a:ea typeface="CMU Serif Roman" charset="0"/>
               <a:cs typeface="CMU Serif Roman" charset="0"/>
@@ -15674,1514 +16189,10 @@
           </a:p>
         </p:txBody>
       </p:sp>
-      <p:graphicFrame>
-        <p:nvGraphicFramePr>
-          <p:cNvPr id="7" name="Table 6">
-            <a:extLst>
-              <a:ext uri="{FF2B5EF4-FFF2-40B4-BE49-F238E27FC236}">
-                <a16:creationId xmlns="" xmlns:a16="http://schemas.microsoft.com/office/drawing/2014/main" id="{566A038B-D449-49DE-A6B1-6E54B440CB7C}"/>
-              </a:ext>
-            </a:extLst>
-          </p:cNvPr>
-          <p:cNvGraphicFramePr>
-            <a:graphicFrameLocks noGrp="1"/>
-          </p:cNvGraphicFramePr>
-          <p:nvPr>
-            <p:extLst>
-              <p:ext uri="{D42A27DB-BD31-4B8C-83A1-F6EECF244321}">
-                <p14:modId xmlns:p14="http://schemas.microsoft.com/office/powerpoint/2010/main" val="341780822"/>
-              </p:ext>
-            </p:extLst>
-          </p:nvPr>
-        </p:nvGraphicFramePr>
-        <p:xfrm>
-          <a:off x="925501" y="2428557"/>
-          <a:ext cx="4134872" cy="914400"/>
-        </p:xfrm>
-        <a:graphic>
-          <a:graphicData uri="http://schemas.openxmlformats.org/drawingml/2006/table">
-            <a:tbl>
-              <a:tblPr firstRow="1" bandRow="1">
-                <a:tableStyleId>{5C22544A-7EE6-4342-B048-85BDC9FD1C3A}</a:tableStyleId>
-              </a:tblPr>
-              <a:tblGrid>
-                <a:gridCol w="3405748">
-                  <a:extLst>
-                    <a:ext uri="{9D8B030D-6E8A-4147-A177-3AD203B41FA5}">
-                      <a16:colId xmlns="" xmlns:a16="http://schemas.microsoft.com/office/drawing/2014/main" val="486940579"/>
-                    </a:ext>
-                  </a:extLst>
-                </a:gridCol>
-                <a:gridCol w="729124">
-                  <a:extLst>
-                    <a:ext uri="{9D8B030D-6E8A-4147-A177-3AD203B41FA5}">
-                      <a16:colId xmlns="" xmlns:a16="http://schemas.microsoft.com/office/drawing/2014/main" val="3177780932"/>
-                    </a:ext>
-                  </a:extLst>
-                </a:gridCol>
-              </a:tblGrid>
-              <a:tr h="194113">
-                <a:tc>
-                  <a:txBody>
-                    <a:bodyPr/>
-                    <a:lstStyle/>
-                    <a:p>
-                      <a:r>
-                        <a:rPr lang="de-DE" sz="1400" dirty="0">
-                          <a:latin typeface="CMU Serif Roman" charset="0"/>
-                          <a:ea typeface="CMU Serif Roman" charset="0"/>
-                          <a:cs typeface="CMU Serif Roman" charset="0"/>
-                        </a:rPr>
-                        <a:t>Content</a:t>
-                      </a:r>
-                      <a:endParaRPr lang="x-none" sz="1400" dirty="0">
-                        <a:latin typeface="CMU Serif Roman" charset="0"/>
-                        <a:ea typeface="CMU Serif Roman" charset="0"/>
-                        <a:cs typeface="CMU Serif Roman" charset="0"/>
-                      </a:endParaRPr>
-                    </a:p>
-                  </a:txBody>
-                  <a:tcPr/>
-                </a:tc>
-                <a:tc>
-                  <a:txBody>
-                    <a:bodyPr/>
-                    <a:lstStyle/>
-                    <a:p>
-                      <a:r>
-                        <a:rPr lang="de-DE" sz="1400" dirty="0">
-                          <a:latin typeface="CMU Serif Roman" charset="0"/>
-                          <a:ea typeface="CMU Serif Roman" charset="0"/>
-                          <a:cs typeface="CMU Serif Roman" charset="0"/>
-                        </a:rPr>
-                        <a:t>Class</a:t>
-                      </a:r>
-                      <a:endParaRPr lang="x-none" sz="1400" dirty="0">
-                        <a:latin typeface="CMU Serif Roman" charset="0"/>
-                        <a:ea typeface="CMU Serif Roman" charset="0"/>
-                        <a:cs typeface="CMU Serif Roman" charset="0"/>
-                      </a:endParaRPr>
-                    </a:p>
-                  </a:txBody>
-                  <a:tcPr/>
-                </a:tc>
-                <a:extLst>
-                  <a:ext uri="{0D108BD9-81ED-4DB2-BD59-A6C34878D82A}">
-                    <a16:rowId xmlns="" xmlns:a16="http://schemas.microsoft.com/office/drawing/2014/main" val="983854297"/>
-                  </a:ext>
-                </a:extLst>
-              </a:tr>
-              <a:tr h="194113">
-                <a:tc>
-                  <a:txBody>
-                    <a:bodyPr/>
-                    <a:lstStyle/>
-                    <a:p>
-                      <a:r>
-                        <a:rPr lang="en-US" sz="1400" dirty="0">
-                          <a:latin typeface="CMU Serif Roman" charset="0"/>
-                          <a:ea typeface="CMU Serif Roman" charset="0"/>
-                          <a:cs typeface="CMU Serif Roman" charset="0"/>
-                        </a:rPr>
-                        <a:t>PSY is a good guy</a:t>
-                      </a:r>
-                      <a:endParaRPr lang="x-none" sz="1400" dirty="0">
-                        <a:latin typeface="CMU Serif Roman" charset="0"/>
-                        <a:ea typeface="CMU Serif Roman" charset="0"/>
-                        <a:cs typeface="CMU Serif Roman" charset="0"/>
-                      </a:endParaRPr>
-                    </a:p>
-                  </a:txBody>
-                  <a:tcPr/>
-                </a:tc>
-                <a:tc>
-                  <a:txBody>
-                    <a:bodyPr/>
-                    <a:lstStyle/>
-                    <a:p>
-                      <a:r>
-                        <a:rPr lang="de-DE" sz="1400" dirty="0">
-                          <a:latin typeface="CMU Serif Roman" charset="0"/>
-                          <a:ea typeface="CMU Serif Roman" charset="0"/>
-                          <a:cs typeface="CMU Serif Roman" charset="0"/>
-                        </a:rPr>
-                        <a:t>0</a:t>
-                      </a:r>
-                      <a:endParaRPr lang="x-none" sz="1400" dirty="0">
-                        <a:latin typeface="CMU Serif Roman" charset="0"/>
-                        <a:ea typeface="CMU Serif Roman" charset="0"/>
-                        <a:cs typeface="CMU Serif Roman" charset="0"/>
-                      </a:endParaRPr>
-                    </a:p>
-                  </a:txBody>
-                  <a:tcPr/>
-                </a:tc>
-                <a:extLst>
-                  <a:ext uri="{0D108BD9-81ED-4DB2-BD59-A6C34878D82A}">
-                    <a16:rowId xmlns="" xmlns:a16="http://schemas.microsoft.com/office/drawing/2014/main" val="1216490689"/>
-                  </a:ext>
-                </a:extLst>
-              </a:tr>
-              <a:tr h="194113">
-                <a:tc>
-                  <a:txBody>
-                    <a:bodyPr/>
-                    <a:lstStyle/>
-                    <a:p>
-                      <a:r>
-                        <a:rPr lang="en-US" sz="1400" dirty="0">
-                          <a:latin typeface="CMU Serif Roman" charset="0"/>
-                          <a:ea typeface="CMU Serif Roman" charset="0"/>
-                          <a:cs typeface="CMU Serif Roman" charset="0"/>
-                        </a:rPr>
-                        <a:t>For Christmas Song visit my channel! ;)</a:t>
-                      </a:r>
-                      <a:endParaRPr lang="x-none" sz="1400" dirty="0">
-                        <a:latin typeface="CMU Serif Roman" charset="0"/>
-                        <a:ea typeface="CMU Serif Roman" charset="0"/>
-                        <a:cs typeface="CMU Serif Roman" charset="0"/>
-                      </a:endParaRPr>
-                    </a:p>
-                  </a:txBody>
-                  <a:tcPr/>
-                </a:tc>
-                <a:tc>
-                  <a:txBody>
-                    <a:bodyPr/>
-                    <a:lstStyle/>
-                    <a:p>
-                      <a:r>
-                        <a:rPr lang="de-DE" sz="1400" dirty="0">
-                          <a:latin typeface="CMU Serif Roman" charset="0"/>
-                          <a:ea typeface="CMU Serif Roman" charset="0"/>
-                          <a:cs typeface="CMU Serif Roman" charset="0"/>
-                        </a:rPr>
-                        <a:t>1</a:t>
-                      </a:r>
-                      <a:endParaRPr lang="x-none" sz="1400" dirty="0">
-                        <a:latin typeface="CMU Serif Roman" charset="0"/>
-                        <a:ea typeface="CMU Serif Roman" charset="0"/>
-                        <a:cs typeface="CMU Serif Roman" charset="0"/>
-                      </a:endParaRPr>
-                    </a:p>
-                  </a:txBody>
-                  <a:tcPr/>
-                </a:tc>
-                <a:extLst>
-                  <a:ext uri="{0D108BD9-81ED-4DB2-BD59-A6C34878D82A}">
-                    <a16:rowId xmlns="" xmlns:a16="http://schemas.microsoft.com/office/drawing/2014/main" val="702454353"/>
-                  </a:ext>
-                </a:extLst>
-              </a:tr>
-            </a:tbl>
-          </a:graphicData>
-        </a:graphic>
-      </p:graphicFrame>
-      <p:graphicFrame>
-        <p:nvGraphicFramePr>
-          <p:cNvPr id="12" name="Tabelle 11"/>
-          <p:cNvGraphicFramePr>
-            <a:graphicFrameLocks noGrp="1"/>
-          </p:cNvGraphicFramePr>
-          <p:nvPr>
-            <p:extLst>
-              <p:ext uri="{D42A27DB-BD31-4B8C-83A1-F6EECF244321}">
-                <p14:modId xmlns:p14="http://schemas.microsoft.com/office/powerpoint/2010/main" val="1939003276"/>
-              </p:ext>
-            </p:extLst>
-          </p:nvPr>
-        </p:nvGraphicFramePr>
-        <p:xfrm>
-          <a:off x="925503" y="3621453"/>
-          <a:ext cx="7441256" cy="2225040"/>
-        </p:xfrm>
-        <a:graphic>
-          <a:graphicData uri="http://schemas.openxmlformats.org/drawingml/2006/table">
-            <a:tbl>
-              <a:tblPr firstRow="1" bandRow="1">
-                <a:tableStyleId>{5C22544A-7EE6-4342-B048-85BDC9FD1C3A}</a:tableStyleId>
-              </a:tblPr>
-              <a:tblGrid>
-                <a:gridCol w="930157"/>
-                <a:gridCol w="794022"/>
-                <a:gridCol w="1066292"/>
-                <a:gridCol w="930157"/>
-                <a:gridCol w="930157"/>
-                <a:gridCol w="930157"/>
-                <a:gridCol w="930157"/>
-                <a:gridCol w="930157"/>
-              </a:tblGrid>
-              <a:tr h="370840">
-                <a:tc>
-                  <a:txBody>
-                    <a:bodyPr/>
-                    <a:lstStyle/>
-                    <a:p>
-                      <a:pPr marL="0" algn="l" defTabSz="914400" rtl="0" eaLnBrk="1" latinLnBrk="0" hangingPunct="1"/>
-                      <a:endParaRPr lang="de-DE" sz="1400" kern="1200" dirty="0">
-                        <a:solidFill>
-                          <a:schemeClr val="dk1"/>
-                        </a:solidFill>
-                        <a:latin typeface="CMU Serif Roman" charset="0"/>
-                        <a:ea typeface="CMU Serif Roman" charset="0"/>
-                        <a:cs typeface="CMU Serif Roman" charset="0"/>
-                      </a:endParaRPr>
-                    </a:p>
-                  </a:txBody>
-                  <a:tcPr marL="77269" marR="77269" marT="35662" marB="35662" anchor="ctr"/>
-                </a:tc>
-                <a:tc>
-                  <a:txBody>
-                    <a:bodyPr/>
-                    <a:lstStyle/>
-                    <a:p>
-                      <a:pPr marL="0" algn="l" defTabSz="914400" rtl="0" eaLnBrk="1" latinLnBrk="0" hangingPunct="1"/>
-                      <a:r>
-                        <a:rPr lang="de-DE" sz="1400" kern="1200" dirty="0" err="1" smtClean="0">
-                          <a:solidFill>
-                            <a:schemeClr val="lt1"/>
-                          </a:solidFill>
-                          <a:latin typeface="CMU Serif Roman" charset="0"/>
-                          <a:ea typeface="CMU Serif Roman" charset="0"/>
-                          <a:cs typeface="CMU Serif Roman" charset="0"/>
-                        </a:rPr>
-                        <a:t>For</a:t>
-                      </a:r>
-                      <a:endParaRPr lang="de-DE" sz="1400" kern="1200" dirty="0">
-                        <a:solidFill>
-                          <a:schemeClr val="dk1"/>
-                        </a:solidFill>
-                        <a:latin typeface="CMU Serif Roman" charset="0"/>
-                        <a:ea typeface="CMU Serif Roman" charset="0"/>
-                        <a:cs typeface="CMU Serif Roman" charset="0"/>
-                      </a:endParaRPr>
-                    </a:p>
-                  </a:txBody>
-                  <a:tcPr marL="77269" marR="77269" marT="35662" marB="35662" anchor="ctr"/>
-                </a:tc>
-                <a:tc>
-                  <a:txBody>
-                    <a:bodyPr/>
-                    <a:lstStyle/>
-                    <a:p>
-                      <a:pPr marL="0" algn="l" defTabSz="914400" rtl="0" eaLnBrk="1" latinLnBrk="0" hangingPunct="1"/>
-                      <a:r>
-                        <a:rPr lang="de-DE" sz="1400" kern="1200" dirty="0">
-                          <a:latin typeface="CMU Serif Roman" charset="0"/>
-                          <a:ea typeface="CMU Serif Roman" charset="0"/>
-                          <a:cs typeface="CMU Serif Roman" charset="0"/>
-                        </a:rPr>
-                        <a:t>Christmas</a:t>
-                      </a:r>
-                      <a:endParaRPr lang="de-DE" sz="1400" kern="1200" dirty="0">
-                        <a:solidFill>
-                          <a:schemeClr val="dk1"/>
-                        </a:solidFill>
-                        <a:latin typeface="CMU Serif Roman" charset="0"/>
-                        <a:ea typeface="CMU Serif Roman" charset="0"/>
-                        <a:cs typeface="CMU Serif Roman" charset="0"/>
-                      </a:endParaRPr>
-                    </a:p>
-                  </a:txBody>
-                  <a:tcPr marL="77269" marR="77269" marT="35662" marB="35662" anchor="ctr"/>
-                </a:tc>
-                <a:tc>
-                  <a:txBody>
-                    <a:bodyPr/>
-                    <a:lstStyle/>
-                    <a:p>
-                      <a:pPr marL="0" algn="l" defTabSz="914400" rtl="0" eaLnBrk="1" latinLnBrk="0" hangingPunct="1"/>
-                      <a:r>
-                        <a:rPr lang="de-DE" sz="1400" kern="1200">
-                          <a:latin typeface="CMU Serif Roman" charset="0"/>
-                          <a:ea typeface="CMU Serif Roman" charset="0"/>
-                          <a:cs typeface="CMU Serif Roman" charset="0"/>
-                        </a:rPr>
-                        <a:t>Song</a:t>
-                      </a:r>
-                      <a:endParaRPr lang="de-DE" sz="1400" kern="1200">
-                        <a:solidFill>
-                          <a:schemeClr val="dk1"/>
-                        </a:solidFill>
-                        <a:latin typeface="CMU Serif Roman" charset="0"/>
-                        <a:ea typeface="CMU Serif Roman" charset="0"/>
-                        <a:cs typeface="CMU Serif Roman" charset="0"/>
-                      </a:endParaRPr>
-                    </a:p>
-                  </a:txBody>
-                  <a:tcPr marL="77269" marR="77269" marT="35662" marB="35662" anchor="ctr"/>
-                </a:tc>
-                <a:tc>
-                  <a:txBody>
-                    <a:bodyPr/>
-                    <a:lstStyle/>
-                    <a:p>
-                      <a:pPr marL="0" algn="l" defTabSz="914400" rtl="0" eaLnBrk="1" latinLnBrk="0" hangingPunct="1"/>
-                      <a:r>
-                        <a:rPr lang="de-DE" sz="1400" kern="1200">
-                          <a:latin typeface="CMU Serif Roman" charset="0"/>
-                          <a:ea typeface="CMU Serif Roman" charset="0"/>
-                          <a:cs typeface="CMU Serif Roman" charset="0"/>
-                        </a:rPr>
-                        <a:t>visit</a:t>
-                      </a:r>
-                      <a:endParaRPr lang="de-DE" sz="1400" kern="1200">
-                        <a:solidFill>
-                          <a:schemeClr val="dk1"/>
-                        </a:solidFill>
-                        <a:latin typeface="CMU Serif Roman" charset="0"/>
-                        <a:ea typeface="CMU Serif Roman" charset="0"/>
-                        <a:cs typeface="CMU Serif Roman" charset="0"/>
-                      </a:endParaRPr>
-                    </a:p>
-                  </a:txBody>
-                  <a:tcPr marL="77269" marR="77269" marT="35662" marB="35662" anchor="ctr"/>
-                </a:tc>
-                <a:tc>
-                  <a:txBody>
-                    <a:bodyPr/>
-                    <a:lstStyle/>
-                    <a:p>
-                      <a:pPr marL="0" algn="l" defTabSz="914400" rtl="0" eaLnBrk="1" latinLnBrk="0" hangingPunct="1"/>
-                      <a:r>
-                        <a:rPr lang="de-DE" sz="1400" kern="1200" dirty="0" err="1">
-                          <a:latin typeface="CMU Serif Roman" charset="0"/>
-                          <a:ea typeface="CMU Serif Roman" charset="0"/>
-                          <a:cs typeface="CMU Serif Roman" charset="0"/>
-                        </a:rPr>
-                        <a:t>my</a:t>
-                      </a:r>
-                      <a:endParaRPr lang="de-DE" sz="1400" kern="1200" dirty="0">
-                        <a:solidFill>
-                          <a:schemeClr val="dk1"/>
-                        </a:solidFill>
-                        <a:latin typeface="CMU Serif Roman" charset="0"/>
-                        <a:ea typeface="CMU Serif Roman" charset="0"/>
-                        <a:cs typeface="CMU Serif Roman" charset="0"/>
-                      </a:endParaRPr>
-                    </a:p>
-                  </a:txBody>
-                  <a:tcPr marL="77269" marR="77269" marT="35662" marB="35662" anchor="ctr"/>
-                </a:tc>
-                <a:tc>
-                  <a:txBody>
-                    <a:bodyPr/>
-                    <a:lstStyle/>
-                    <a:p>
-                      <a:pPr marL="0" algn="l" defTabSz="914400" rtl="0" eaLnBrk="1" latinLnBrk="0" hangingPunct="1"/>
-                      <a:r>
-                        <a:rPr lang="de-DE" sz="1400" kern="1200" dirty="0" err="1">
-                          <a:latin typeface="CMU Serif Roman" charset="0"/>
-                          <a:ea typeface="CMU Serif Roman" charset="0"/>
-                          <a:cs typeface="CMU Serif Roman" charset="0"/>
-                        </a:rPr>
-                        <a:t>channel</a:t>
-                      </a:r>
-                      <a:r>
-                        <a:rPr lang="de-DE" sz="1400" kern="1200" dirty="0">
-                          <a:latin typeface="CMU Serif Roman" charset="0"/>
-                          <a:ea typeface="CMU Serif Roman" charset="0"/>
-                          <a:cs typeface="CMU Serif Roman" charset="0"/>
-                        </a:rPr>
-                        <a:t>!</a:t>
-                      </a:r>
-                      <a:endParaRPr lang="de-DE" sz="1400" kern="1200" dirty="0">
-                        <a:solidFill>
-                          <a:schemeClr val="dk1"/>
-                        </a:solidFill>
-                        <a:latin typeface="CMU Serif Roman" charset="0"/>
-                        <a:ea typeface="CMU Serif Roman" charset="0"/>
-                        <a:cs typeface="CMU Serif Roman" charset="0"/>
-                      </a:endParaRPr>
-                    </a:p>
-                  </a:txBody>
-                  <a:tcPr marL="77269" marR="77269" marT="35662" marB="35662" anchor="ctr"/>
-                </a:tc>
-                <a:tc>
-                  <a:txBody>
-                    <a:bodyPr/>
-                    <a:lstStyle/>
-                    <a:p>
-                      <a:pPr marL="0" algn="l" defTabSz="914400" rtl="0" eaLnBrk="1" latinLnBrk="0" hangingPunct="1"/>
-                      <a:r>
-                        <a:rPr lang="mr-IN" sz="1400" kern="1200" dirty="0">
-                          <a:latin typeface="CMU Serif Roman" charset="0"/>
-                          <a:ea typeface="CMU Serif Roman" charset="0"/>
-                          <a:cs typeface="CMU Serif Roman" charset="0"/>
-                        </a:rPr>
-                        <a:t>;)</a:t>
-                      </a:r>
-                      <a:endParaRPr lang="mr-IN" sz="1400" kern="1200" dirty="0">
-                        <a:solidFill>
-                          <a:schemeClr val="dk1"/>
-                        </a:solidFill>
-                        <a:latin typeface="CMU Serif Roman" charset="0"/>
-                        <a:ea typeface="CMU Serif Roman" charset="0"/>
-                        <a:cs typeface="CMU Serif Roman" charset="0"/>
-                      </a:endParaRPr>
-                    </a:p>
-                  </a:txBody>
-                  <a:tcPr marL="77269" marR="77269" marT="35662" marB="35662" anchor="ctr"/>
-                </a:tc>
-              </a:tr>
-              <a:tr h="370840">
-                <a:tc>
-                  <a:txBody>
-                    <a:bodyPr/>
-                    <a:lstStyle/>
-                    <a:p>
-                      <a:pPr marL="0" algn="l" defTabSz="914400" rtl="0" eaLnBrk="1" latinLnBrk="0" hangingPunct="1"/>
-                      <a:r>
-                        <a:rPr lang="is-IS" sz="1400" kern="1200">
-                          <a:latin typeface="CMU Serif Roman" charset="0"/>
-                          <a:ea typeface="CMU Serif Roman" charset="0"/>
-                          <a:cs typeface="CMU Serif Roman" charset="0"/>
-                        </a:rPr>
-                        <a:t>2</a:t>
-                      </a:r>
-                      <a:endParaRPr lang="is-IS" sz="1400" kern="1200">
-                        <a:solidFill>
-                          <a:schemeClr val="dk1"/>
-                        </a:solidFill>
-                        <a:latin typeface="CMU Serif Roman" charset="0"/>
-                        <a:ea typeface="CMU Serif Roman" charset="0"/>
-                        <a:cs typeface="CMU Serif Roman" charset="0"/>
-                      </a:endParaRPr>
-                    </a:p>
-                  </a:txBody>
-                  <a:tcPr marL="77269" marR="77269" marT="35662" marB="35662" anchor="ctr"/>
-                </a:tc>
-                <a:tc>
-                  <a:txBody>
-                    <a:bodyPr/>
-                    <a:lstStyle/>
-                    <a:p>
-                      <a:pPr marL="0" algn="l" defTabSz="914400" rtl="0" eaLnBrk="1" latinLnBrk="0" hangingPunct="1"/>
-                      <a:r>
-                        <a:rPr lang="de-DE" sz="1400" kern="1200">
-                          <a:latin typeface="CMU Serif Roman" charset="0"/>
-                          <a:ea typeface="CMU Serif Roman" charset="0"/>
-                          <a:cs typeface="CMU Serif Roman" charset="0"/>
-                        </a:rPr>
-                        <a:t>1</a:t>
-                      </a:r>
-                      <a:endParaRPr lang="de-DE" sz="1400" kern="1200">
-                        <a:solidFill>
-                          <a:schemeClr val="dk1"/>
-                        </a:solidFill>
-                        <a:latin typeface="CMU Serif Roman" charset="0"/>
-                        <a:ea typeface="CMU Serif Roman" charset="0"/>
-                        <a:cs typeface="CMU Serif Roman" charset="0"/>
-                      </a:endParaRPr>
-                    </a:p>
-                  </a:txBody>
-                  <a:tcPr marL="77269" marR="77269" marT="35662" marB="35662" anchor="ctr"/>
-                </a:tc>
-                <a:tc>
-                  <a:txBody>
-                    <a:bodyPr/>
-                    <a:lstStyle/>
-                    <a:p>
-                      <a:pPr marL="0" algn="l" defTabSz="914400" rtl="0" eaLnBrk="1" latinLnBrk="0" hangingPunct="1"/>
-                      <a:r>
-                        <a:rPr lang="de-DE" sz="1400" kern="1200">
-                          <a:latin typeface="CMU Serif Roman" charset="0"/>
-                          <a:ea typeface="CMU Serif Roman" charset="0"/>
-                          <a:cs typeface="CMU Serif Roman" charset="0"/>
-                        </a:rPr>
-                        <a:t>0</a:t>
-                      </a:r>
-                      <a:endParaRPr lang="de-DE" sz="1400" kern="1200">
-                        <a:solidFill>
-                          <a:schemeClr val="dk1"/>
-                        </a:solidFill>
-                        <a:latin typeface="CMU Serif Roman" charset="0"/>
-                        <a:ea typeface="CMU Serif Roman" charset="0"/>
-                        <a:cs typeface="CMU Serif Roman" charset="0"/>
-                      </a:endParaRPr>
-                    </a:p>
-                  </a:txBody>
-                  <a:tcPr marL="77269" marR="77269" marT="35662" marB="35662" anchor="ctr"/>
-                </a:tc>
-                <a:tc>
-                  <a:txBody>
-                    <a:bodyPr/>
-                    <a:lstStyle/>
-                    <a:p>
-                      <a:pPr marL="0" algn="l" defTabSz="914400" rtl="0" eaLnBrk="1" latinLnBrk="0" hangingPunct="1"/>
-                      <a:r>
-                        <a:rPr lang="de-DE" sz="1400" kern="1200">
-                          <a:latin typeface="CMU Serif Roman" charset="0"/>
-                          <a:ea typeface="CMU Serif Roman" charset="0"/>
-                          <a:cs typeface="CMU Serif Roman" charset="0"/>
-                        </a:rPr>
-                        <a:t>1</a:t>
-                      </a:r>
-                      <a:endParaRPr lang="de-DE" sz="1400" kern="1200">
-                        <a:solidFill>
-                          <a:schemeClr val="dk1"/>
-                        </a:solidFill>
-                        <a:latin typeface="CMU Serif Roman" charset="0"/>
-                        <a:ea typeface="CMU Serif Roman" charset="0"/>
-                        <a:cs typeface="CMU Serif Roman" charset="0"/>
-                      </a:endParaRPr>
-                    </a:p>
-                  </a:txBody>
-                  <a:tcPr marL="77269" marR="77269" marT="35662" marB="35662" anchor="ctr"/>
-                </a:tc>
-                <a:tc>
-                  <a:txBody>
-                    <a:bodyPr/>
-                    <a:lstStyle/>
-                    <a:p>
-                      <a:pPr marL="0" algn="l" defTabSz="914400" rtl="0" eaLnBrk="1" latinLnBrk="0" hangingPunct="1"/>
-                      <a:r>
-                        <a:rPr lang="de-DE" sz="1400" kern="1200" dirty="0">
-                          <a:latin typeface="CMU Serif Roman" charset="0"/>
-                          <a:ea typeface="CMU Serif Roman" charset="0"/>
-                          <a:cs typeface="CMU Serif Roman" charset="0"/>
-                        </a:rPr>
-                        <a:t>1</a:t>
-                      </a:r>
-                      <a:endParaRPr lang="de-DE" sz="1400" kern="1200" dirty="0">
-                        <a:solidFill>
-                          <a:schemeClr val="dk1"/>
-                        </a:solidFill>
-                        <a:latin typeface="CMU Serif Roman" charset="0"/>
-                        <a:ea typeface="CMU Serif Roman" charset="0"/>
-                        <a:cs typeface="CMU Serif Roman" charset="0"/>
-                      </a:endParaRPr>
-                    </a:p>
-                  </a:txBody>
-                  <a:tcPr marL="77269" marR="77269" marT="35662" marB="35662" anchor="ctr"/>
-                </a:tc>
-                <a:tc>
-                  <a:txBody>
-                    <a:bodyPr/>
-                    <a:lstStyle/>
-                    <a:p>
-                      <a:pPr marL="0" algn="l" defTabSz="914400" rtl="0" eaLnBrk="1" latinLnBrk="0" hangingPunct="1"/>
-                      <a:r>
-                        <a:rPr lang="de-DE" sz="1400" kern="1200">
-                          <a:latin typeface="CMU Serif Roman" charset="0"/>
-                          <a:ea typeface="CMU Serif Roman" charset="0"/>
-                          <a:cs typeface="CMU Serif Roman" charset="0"/>
-                        </a:rPr>
-                        <a:t>0</a:t>
-                      </a:r>
-                      <a:endParaRPr lang="de-DE" sz="1400" kern="1200">
-                        <a:solidFill>
-                          <a:schemeClr val="dk1"/>
-                        </a:solidFill>
-                        <a:latin typeface="CMU Serif Roman" charset="0"/>
-                        <a:ea typeface="CMU Serif Roman" charset="0"/>
-                        <a:cs typeface="CMU Serif Roman" charset="0"/>
-                      </a:endParaRPr>
-                    </a:p>
-                  </a:txBody>
-                  <a:tcPr marL="77269" marR="77269" marT="35662" marB="35662" anchor="ctr"/>
-                </a:tc>
-                <a:tc>
-                  <a:txBody>
-                    <a:bodyPr/>
-                    <a:lstStyle/>
-                    <a:p>
-                      <a:pPr marL="0" algn="l" defTabSz="914400" rtl="0" eaLnBrk="1" latinLnBrk="0" hangingPunct="1"/>
-                      <a:r>
-                        <a:rPr lang="de-DE" sz="1400" kern="1200">
-                          <a:latin typeface="CMU Serif Roman" charset="0"/>
-                          <a:ea typeface="CMU Serif Roman" charset="0"/>
-                          <a:cs typeface="CMU Serif Roman" charset="0"/>
-                        </a:rPr>
-                        <a:t>0</a:t>
-                      </a:r>
-                      <a:endParaRPr lang="de-DE" sz="1400" kern="1200">
-                        <a:solidFill>
-                          <a:schemeClr val="dk1"/>
-                        </a:solidFill>
-                        <a:latin typeface="CMU Serif Roman" charset="0"/>
-                        <a:ea typeface="CMU Serif Roman" charset="0"/>
-                        <a:cs typeface="CMU Serif Roman" charset="0"/>
-                      </a:endParaRPr>
-                    </a:p>
-                  </a:txBody>
-                  <a:tcPr marL="77269" marR="77269" marT="35662" marB="35662" anchor="ctr"/>
-                </a:tc>
-                <a:tc>
-                  <a:txBody>
-                    <a:bodyPr/>
-                    <a:lstStyle/>
-                    <a:p>
-                      <a:pPr marL="0" algn="l" defTabSz="914400" rtl="0" eaLnBrk="1" latinLnBrk="0" hangingPunct="1"/>
-                      <a:r>
-                        <a:rPr lang="de-DE" sz="1400" kern="1200">
-                          <a:latin typeface="CMU Serif Roman" charset="0"/>
-                          <a:ea typeface="CMU Serif Roman" charset="0"/>
-                          <a:cs typeface="CMU Serif Roman" charset="0"/>
-                        </a:rPr>
-                        <a:t>1</a:t>
-                      </a:r>
-                      <a:endParaRPr lang="de-DE" sz="1400" kern="1200">
-                        <a:solidFill>
-                          <a:schemeClr val="dk1"/>
-                        </a:solidFill>
-                        <a:latin typeface="CMU Serif Roman" charset="0"/>
-                        <a:ea typeface="CMU Serif Roman" charset="0"/>
-                        <a:cs typeface="CMU Serif Roman" charset="0"/>
-                      </a:endParaRPr>
-                    </a:p>
-                  </a:txBody>
-                  <a:tcPr marL="77269" marR="77269" marT="35662" marB="35662" anchor="ctr"/>
-                </a:tc>
-              </a:tr>
-              <a:tr h="370840">
-                <a:tc>
-                  <a:txBody>
-                    <a:bodyPr/>
-                    <a:lstStyle/>
-                    <a:p>
-                      <a:pPr marL="0" algn="l" defTabSz="914400" rtl="0" eaLnBrk="1" latinLnBrk="0" hangingPunct="1"/>
-                      <a:r>
-                        <a:rPr lang="de-DE" sz="1400" kern="1200">
-                          <a:latin typeface="CMU Serif Roman" charset="0"/>
-                          <a:ea typeface="CMU Serif Roman" charset="0"/>
-                          <a:cs typeface="CMU Serif Roman" charset="0"/>
-                        </a:rPr>
-                        <a:t>3</a:t>
-                      </a:r>
-                      <a:endParaRPr lang="de-DE" sz="1400" kern="1200">
-                        <a:solidFill>
-                          <a:schemeClr val="dk1"/>
-                        </a:solidFill>
-                        <a:latin typeface="CMU Serif Roman" charset="0"/>
-                        <a:ea typeface="CMU Serif Roman" charset="0"/>
-                        <a:cs typeface="CMU Serif Roman" charset="0"/>
-                      </a:endParaRPr>
-                    </a:p>
-                  </a:txBody>
-                  <a:tcPr marL="77269" marR="77269" marT="35662" marB="35662" anchor="ctr"/>
-                </a:tc>
-                <a:tc>
-                  <a:txBody>
-                    <a:bodyPr/>
-                    <a:lstStyle/>
-                    <a:p>
-                      <a:pPr marL="0" algn="l" defTabSz="914400" rtl="0" eaLnBrk="1" latinLnBrk="0" hangingPunct="1"/>
-                      <a:r>
-                        <a:rPr lang="de-DE" sz="1400" kern="1200">
-                          <a:latin typeface="CMU Serif Roman" charset="0"/>
-                          <a:ea typeface="CMU Serif Roman" charset="0"/>
-                          <a:cs typeface="CMU Serif Roman" charset="0"/>
-                        </a:rPr>
-                        <a:t>0</a:t>
-                      </a:r>
-                      <a:endParaRPr lang="de-DE" sz="1400" kern="1200">
-                        <a:solidFill>
-                          <a:schemeClr val="dk1"/>
-                        </a:solidFill>
-                        <a:latin typeface="CMU Serif Roman" charset="0"/>
-                        <a:ea typeface="CMU Serif Roman" charset="0"/>
-                        <a:cs typeface="CMU Serif Roman" charset="0"/>
-                      </a:endParaRPr>
-                    </a:p>
-                  </a:txBody>
-                  <a:tcPr marL="77269" marR="77269" marT="35662" marB="35662" anchor="ctr"/>
-                </a:tc>
-                <a:tc>
-                  <a:txBody>
-                    <a:bodyPr/>
-                    <a:lstStyle/>
-                    <a:p>
-                      <a:pPr marL="0" algn="l" defTabSz="914400" rtl="0" eaLnBrk="1" latinLnBrk="0" hangingPunct="1"/>
-                      <a:r>
-                        <a:rPr lang="de-DE" sz="1400" kern="1200">
-                          <a:latin typeface="CMU Serif Roman" charset="0"/>
-                          <a:ea typeface="CMU Serif Roman" charset="0"/>
-                          <a:cs typeface="CMU Serif Roman" charset="0"/>
-                        </a:rPr>
-                        <a:t>1</a:t>
-                      </a:r>
-                      <a:endParaRPr lang="de-DE" sz="1400" kern="1200">
-                        <a:solidFill>
-                          <a:schemeClr val="dk1"/>
-                        </a:solidFill>
-                        <a:latin typeface="CMU Serif Roman" charset="0"/>
-                        <a:ea typeface="CMU Serif Roman" charset="0"/>
-                        <a:cs typeface="CMU Serif Roman" charset="0"/>
-                      </a:endParaRPr>
-                    </a:p>
-                  </a:txBody>
-                  <a:tcPr marL="77269" marR="77269" marT="35662" marB="35662" anchor="ctr"/>
-                </a:tc>
-                <a:tc>
-                  <a:txBody>
-                    <a:bodyPr/>
-                    <a:lstStyle/>
-                    <a:p>
-                      <a:pPr marL="0" algn="l" defTabSz="914400" rtl="0" eaLnBrk="1" latinLnBrk="0" hangingPunct="1"/>
-                      <a:r>
-                        <a:rPr lang="de-DE" sz="1400" kern="1200">
-                          <a:latin typeface="CMU Serif Roman" charset="0"/>
-                          <a:ea typeface="CMU Serif Roman" charset="0"/>
-                          <a:cs typeface="CMU Serif Roman" charset="0"/>
-                        </a:rPr>
-                        <a:t>1</a:t>
-                      </a:r>
-                      <a:endParaRPr lang="de-DE" sz="1400" kern="1200">
-                        <a:solidFill>
-                          <a:schemeClr val="dk1"/>
-                        </a:solidFill>
-                        <a:latin typeface="CMU Serif Roman" charset="0"/>
-                        <a:ea typeface="CMU Serif Roman" charset="0"/>
-                        <a:cs typeface="CMU Serif Roman" charset="0"/>
-                      </a:endParaRPr>
-                    </a:p>
-                  </a:txBody>
-                  <a:tcPr marL="77269" marR="77269" marT="35662" marB="35662" anchor="ctr"/>
-                </a:tc>
-                <a:tc>
-                  <a:txBody>
-                    <a:bodyPr/>
-                    <a:lstStyle/>
-                    <a:p>
-                      <a:pPr marL="0" algn="l" defTabSz="914400" rtl="0" eaLnBrk="1" latinLnBrk="0" hangingPunct="1"/>
-                      <a:r>
-                        <a:rPr lang="de-DE" sz="1400" kern="1200" dirty="0">
-                          <a:latin typeface="CMU Serif Roman" charset="0"/>
-                          <a:ea typeface="CMU Serif Roman" charset="0"/>
-                          <a:cs typeface="CMU Serif Roman" charset="0"/>
-                        </a:rPr>
-                        <a:t>1</a:t>
-                      </a:r>
-                      <a:endParaRPr lang="de-DE" sz="1400" kern="1200" dirty="0">
-                        <a:solidFill>
-                          <a:schemeClr val="dk1"/>
-                        </a:solidFill>
-                        <a:latin typeface="CMU Serif Roman" charset="0"/>
-                        <a:ea typeface="CMU Serif Roman" charset="0"/>
-                        <a:cs typeface="CMU Serif Roman" charset="0"/>
-                      </a:endParaRPr>
-                    </a:p>
-                  </a:txBody>
-                  <a:tcPr marL="77269" marR="77269" marT="35662" marB="35662" anchor="ctr"/>
-                </a:tc>
-                <a:tc>
-                  <a:txBody>
-                    <a:bodyPr/>
-                    <a:lstStyle/>
-                    <a:p>
-                      <a:pPr marL="0" algn="l" defTabSz="914400" rtl="0" eaLnBrk="1" latinLnBrk="0" hangingPunct="1"/>
-                      <a:r>
-                        <a:rPr lang="de-DE" sz="1400" kern="1200" dirty="0">
-                          <a:latin typeface="CMU Serif Roman" charset="0"/>
-                          <a:ea typeface="CMU Serif Roman" charset="0"/>
-                          <a:cs typeface="CMU Serif Roman" charset="0"/>
-                        </a:rPr>
-                        <a:t>1</a:t>
-                      </a:r>
-                      <a:endParaRPr lang="de-DE" sz="1400" kern="1200" dirty="0">
-                        <a:solidFill>
-                          <a:schemeClr val="dk1"/>
-                        </a:solidFill>
-                        <a:latin typeface="CMU Serif Roman" charset="0"/>
-                        <a:ea typeface="CMU Serif Roman" charset="0"/>
-                        <a:cs typeface="CMU Serif Roman" charset="0"/>
-                      </a:endParaRPr>
-                    </a:p>
-                  </a:txBody>
-                  <a:tcPr marL="77269" marR="77269" marT="35662" marB="35662" anchor="ctr"/>
-                </a:tc>
-                <a:tc>
-                  <a:txBody>
-                    <a:bodyPr/>
-                    <a:lstStyle/>
-                    <a:p>
-                      <a:pPr marL="0" algn="l" defTabSz="914400" rtl="0" eaLnBrk="1" latinLnBrk="0" hangingPunct="1"/>
-                      <a:r>
-                        <a:rPr lang="de-DE" sz="1400" kern="1200">
-                          <a:latin typeface="CMU Serif Roman" charset="0"/>
-                          <a:ea typeface="CMU Serif Roman" charset="0"/>
-                          <a:cs typeface="CMU Serif Roman" charset="0"/>
-                        </a:rPr>
-                        <a:t>0</a:t>
-                      </a:r>
-                      <a:endParaRPr lang="de-DE" sz="1400" kern="1200">
-                        <a:solidFill>
-                          <a:schemeClr val="dk1"/>
-                        </a:solidFill>
-                        <a:latin typeface="CMU Serif Roman" charset="0"/>
-                        <a:ea typeface="CMU Serif Roman" charset="0"/>
-                        <a:cs typeface="CMU Serif Roman" charset="0"/>
-                      </a:endParaRPr>
-                    </a:p>
-                  </a:txBody>
-                  <a:tcPr marL="77269" marR="77269" marT="35662" marB="35662" anchor="ctr"/>
-                </a:tc>
-                <a:tc>
-                  <a:txBody>
-                    <a:bodyPr/>
-                    <a:lstStyle/>
-                    <a:p>
-                      <a:pPr marL="0" algn="l" defTabSz="914400" rtl="0" eaLnBrk="1" latinLnBrk="0" hangingPunct="1"/>
-                      <a:r>
-                        <a:rPr lang="de-DE" sz="1400" kern="1200">
-                          <a:latin typeface="CMU Serif Roman" charset="0"/>
-                          <a:ea typeface="CMU Serif Roman" charset="0"/>
-                          <a:cs typeface="CMU Serif Roman" charset="0"/>
-                        </a:rPr>
-                        <a:t>1</a:t>
-                      </a:r>
-                      <a:endParaRPr lang="de-DE" sz="1400" kern="1200">
-                        <a:solidFill>
-                          <a:schemeClr val="dk1"/>
-                        </a:solidFill>
-                        <a:latin typeface="CMU Serif Roman" charset="0"/>
-                        <a:ea typeface="CMU Serif Roman" charset="0"/>
-                        <a:cs typeface="CMU Serif Roman" charset="0"/>
-                      </a:endParaRPr>
-                    </a:p>
-                  </a:txBody>
-                  <a:tcPr marL="77269" marR="77269" marT="35662" marB="35662" anchor="ctr"/>
-                </a:tc>
-              </a:tr>
-              <a:tr h="370840">
-                <a:tc>
-                  <a:txBody>
-                    <a:bodyPr/>
-                    <a:lstStyle/>
-                    <a:p>
-                      <a:pPr marL="0" algn="l" defTabSz="914400" rtl="0" eaLnBrk="1" latinLnBrk="0" hangingPunct="1"/>
-                      <a:r>
-                        <a:rPr lang="de-DE" sz="1400" kern="1200" dirty="0">
-                          <a:latin typeface="CMU Serif Roman" charset="0"/>
-                          <a:ea typeface="CMU Serif Roman" charset="0"/>
-                          <a:cs typeface="CMU Serif Roman" charset="0"/>
-                        </a:rPr>
-                        <a:t>4</a:t>
-                      </a:r>
-                      <a:endParaRPr lang="de-DE" sz="1400" kern="1200" dirty="0">
-                        <a:solidFill>
-                          <a:schemeClr val="dk1"/>
-                        </a:solidFill>
-                        <a:latin typeface="CMU Serif Roman" charset="0"/>
-                        <a:ea typeface="CMU Serif Roman" charset="0"/>
-                        <a:cs typeface="CMU Serif Roman" charset="0"/>
-                      </a:endParaRPr>
-                    </a:p>
-                  </a:txBody>
-                  <a:tcPr marL="77269" marR="77269" marT="35662" marB="35662" anchor="ctr"/>
-                </a:tc>
-                <a:tc>
-                  <a:txBody>
-                    <a:bodyPr/>
-                    <a:lstStyle/>
-                    <a:p>
-                      <a:pPr marL="0" algn="l" defTabSz="914400" rtl="0" eaLnBrk="1" latinLnBrk="0" hangingPunct="1"/>
-                      <a:r>
-                        <a:rPr lang="de-DE" sz="1400" kern="1200">
-                          <a:latin typeface="CMU Serif Roman" charset="0"/>
-                          <a:ea typeface="CMU Serif Roman" charset="0"/>
-                          <a:cs typeface="CMU Serif Roman" charset="0"/>
-                        </a:rPr>
-                        <a:t>1</a:t>
-                      </a:r>
-                      <a:endParaRPr lang="de-DE" sz="1400" kern="1200">
-                        <a:solidFill>
-                          <a:schemeClr val="dk1"/>
-                        </a:solidFill>
-                        <a:latin typeface="CMU Serif Roman" charset="0"/>
-                        <a:ea typeface="CMU Serif Roman" charset="0"/>
-                        <a:cs typeface="CMU Serif Roman" charset="0"/>
-                      </a:endParaRPr>
-                    </a:p>
-                  </a:txBody>
-                  <a:tcPr marL="77269" marR="77269" marT="35662" marB="35662" anchor="ctr"/>
-                </a:tc>
-                <a:tc>
-                  <a:txBody>
-                    <a:bodyPr/>
-                    <a:lstStyle/>
-                    <a:p>
-                      <a:pPr marL="0" algn="l" defTabSz="914400" rtl="0" eaLnBrk="1" latinLnBrk="0" hangingPunct="1"/>
-                      <a:r>
-                        <a:rPr lang="de-DE" sz="1400" kern="1200">
-                          <a:latin typeface="CMU Serif Roman" charset="0"/>
-                          <a:ea typeface="CMU Serif Roman" charset="0"/>
-                          <a:cs typeface="CMU Serif Roman" charset="0"/>
-                        </a:rPr>
-                        <a:t>0</a:t>
-                      </a:r>
-                      <a:endParaRPr lang="de-DE" sz="1400" kern="1200">
-                        <a:solidFill>
-                          <a:schemeClr val="dk1"/>
-                        </a:solidFill>
-                        <a:latin typeface="CMU Serif Roman" charset="0"/>
-                        <a:ea typeface="CMU Serif Roman" charset="0"/>
-                        <a:cs typeface="CMU Serif Roman" charset="0"/>
-                      </a:endParaRPr>
-                    </a:p>
-                  </a:txBody>
-                  <a:tcPr marL="77269" marR="77269" marT="35662" marB="35662" anchor="ctr"/>
-                </a:tc>
-                <a:tc>
-                  <a:txBody>
-                    <a:bodyPr/>
-                    <a:lstStyle/>
-                    <a:p>
-                      <a:pPr marL="0" algn="l" defTabSz="914400" rtl="0" eaLnBrk="1" latinLnBrk="0" hangingPunct="1"/>
-                      <a:r>
-                        <a:rPr lang="de-DE" sz="1400" kern="1200">
-                          <a:latin typeface="CMU Serif Roman" charset="0"/>
-                          <a:ea typeface="CMU Serif Roman" charset="0"/>
-                          <a:cs typeface="CMU Serif Roman" charset="0"/>
-                        </a:rPr>
-                        <a:t>0</a:t>
-                      </a:r>
-                      <a:endParaRPr lang="de-DE" sz="1400" kern="1200">
-                        <a:solidFill>
-                          <a:schemeClr val="dk1"/>
-                        </a:solidFill>
-                        <a:latin typeface="CMU Serif Roman" charset="0"/>
-                        <a:ea typeface="CMU Serif Roman" charset="0"/>
-                        <a:cs typeface="CMU Serif Roman" charset="0"/>
-                      </a:endParaRPr>
-                    </a:p>
-                  </a:txBody>
-                  <a:tcPr marL="77269" marR="77269" marT="35662" marB="35662" anchor="ctr"/>
-                </a:tc>
-                <a:tc>
-                  <a:txBody>
-                    <a:bodyPr/>
-                    <a:lstStyle/>
-                    <a:p>
-                      <a:pPr marL="0" algn="l" defTabSz="914400" rtl="0" eaLnBrk="1" latinLnBrk="0" hangingPunct="1"/>
-                      <a:r>
-                        <a:rPr lang="de-DE" sz="1400" kern="1200">
-                          <a:latin typeface="CMU Serif Roman" charset="0"/>
-                          <a:ea typeface="CMU Serif Roman" charset="0"/>
-                          <a:cs typeface="CMU Serif Roman" charset="0"/>
-                        </a:rPr>
-                        <a:t>1</a:t>
-                      </a:r>
-                      <a:endParaRPr lang="de-DE" sz="1400" kern="1200">
-                        <a:solidFill>
-                          <a:schemeClr val="dk1"/>
-                        </a:solidFill>
-                        <a:latin typeface="CMU Serif Roman" charset="0"/>
-                        <a:ea typeface="CMU Serif Roman" charset="0"/>
-                        <a:cs typeface="CMU Serif Roman" charset="0"/>
-                      </a:endParaRPr>
-                    </a:p>
-                  </a:txBody>
-                  <a:tcPr marL="77269" marR="77269" marT="35662" marB="35662" anchor="ctr"/>
-                </a:tc>
-                <a:tc>
-                  <a:txBody>
-                    <a:bodyPr/>
-                    <a:lstStyle/>
-                    <a:p>
-                      <a:pPr marL="0" algn="l" defTabSz="914400" rtl="0" eaLnBrk="1" latinLnBrk="0" hangingPunct="1"/>
-                      <a:r>
-                        <a:rPr lang="de-DE" sz="1400" kern="1200" dirty="0">
-                          <a:latin typeface="CMU Serif Roman" charset="0"/>
-                          <a:ea typeface="CMU Serif Roman" charset="0"/>
-                          <a:cs typeface="CMU Serif Roman" charset="0"/>
-                        </a:rPr>
-                        <a:t>1</a:t>
-                      </a:r>
-                      <a:endParaRPr lang="de-DE" sz="1400" kern="1200" dirty="0">
-                        <a:solidFill>
-                          <a:schemeClr val="dk1"/>
-                        </a:solidFill>
-                        <a:latin typeface="CMU Serif Roman" charset="0"/>
-                        <a:ea typeface="CMU Serif Roman" charset="0"/>
-                        <a:cs typeface="CMU Serif Roman" charset="0"/>
-                      </a:endParaRPr>
-                    </a:p>
-                  </a:txBody>
-                  <a:tcPr marL="77269" marR="77269" marT="35662" marB="35662" anchor="ctr"/>
-                </a:tc>
-                <a:tc>
-                  <a:txBody>
-                    <a:bodyPr/>
-                    <a:lstStyle/>
-                    <a:p>
-                      <a:pPr marL="0" algn="l" defTabSz="914400" rtl="0" eaLnBrk="1" latinLnBrk="0" hangingPunct="1"/>
-                      <a:r>
-                        <a:rPr lang="de-DE" sz="1400" kern="1200">
-                          <a:latin typeface="CMU Serif Roman" charset="0"/>
-                          <a:ea typeface="CMU Serif Roman" charset="0"/>
-                          <a:cs typeface="CMU Serif Roman" charset="0"/>
-                        </a:rPr>
-                        <a:t>1</a:t>
-                      </a:r>
-                      <a:endParaRPr lang="de-DE" sz="1400" kern="1200">
-                        <a:solidFill>
-                          <a:schemeClr val="dk1"/>
-                        </a:solidFill>
-                        <a:latin typeface="CMU Serif Roman" charset="0"/>
-                        <a:ea typeface="CMU Serif Roman" charset="0"/>
-                        <a:cs typeface="CMU Serif Roman" charset="0"/>
-                      </a:endParaRPr>
-                    </a:p>
-                  </a:txBody>
-                  <a:tcPr marL="77269" marR="77269" marT="35662" marB="35662" anchor="ctr"/>
-                </a:tc>
-                <a:tc>
-                  <a:txBody>
-                    <a:bodyPr/>
-                    <a:lstStyle/>
-                    <a:p>
-                      <a:pPr marL="0" algn="l" defTabSz="914400" rtl="0" eaLnBrk="1" latinLnBrk="0" hangingPunct="1"/>
-                      <a:r>
-                        <a:rPr lang="de-DE" sz="1400" kern="1200">
-                          <a:latin typeface="CMU Serif Roman" charset="0"/>
-                          <a:ea typeface="CMU Serif Roman" charset="0"/>
-                          <a:cs typeface="CMU Serif Roman" charset="0"/>
-                        </a:rPr>
-                        <a:t>1</a:t>
-                      </a:r>
-                      <a:endParaRPr lang="de-DE" sz="1400" kern="1200">
-                        <a:solidFill>
-                          <a:schemeClr val="dk1"/>
-                        </a:solidFill>
-                        <a:latin typeface="CMU Serif Roman" charset="0"/>
-                        <a:ea typeface="CMU Serif Roman" charset="0"/>
-                        <a:cs typeface="CMU Serif Roman" charset="0"/>
-                      </a:endParaRPr>
-                    </a:p>
-                  </a:txBody>
-                  <a:tcPr marL="77269" marR="77269" marT="35662" marB="35662" anchor="ctr"/>
-                </a:tc>
-              </a:tr>
-              <a:tr h="370840">
-                <a:tc>
-                  <a:txBody>
-                    <a:bodyPr/>
-                    <a:lstStyle/>
-                    <a:p>
-                      <a:pPr marL="0" algn="l" defTabSz="914400" rtl="0" eaLnBrk="1" latinLnBrk="0" hangingPunct="1"/>
-                      <a:r>
-                        <a:rPr lang="de-DE" sz="1400" kern="1200">
-                          <a:latin typeface="CMU Serif Roman" charset="0"/>
-                          <a:ea typeface="CMU Serif Roman" charset="0"/>
-                          <a:cs typeface="CMU Serif Roman" charset="0"/>
-                        </a:rPr>
-                        <a:t>5</a:t>
-                      </a:r>
-                      <a:endParaRPr lang="de-DE" sz="1400" kern="1200">
-                        <a:solidFill>
-                          <a:schemeClr val="dk1"/>
-                        </a:solidFill>
-                        <a:latin typeface="CMU Serif Roman" charset="0"/>
-                        <a:ea typeface="CMU Serif Roman" charset="0"/>
-                        <a:cs typeface="CMU Serif Roman" charset="0"/>
-                      </a:endParaRPr>
-                    </a:p>
-                  </a:txBody>
-                  <a:tcPr marL="77269" marR="77269" marT="35662" marB="35662" anchor="ctr"/>
-                </a:tc>
-                <a:tc>
-                  <a:txBody>
-                    <a:bodyPr/>
-                    <a:lstStyle/>
-                    <a:p>
-                      <a:pPr marL="0" algn="l" defTabSz="914400" rtl="0" eaLnBrk="1" latinLnBrk="0" hangingPunct="1"/>
-                      <a:r>
-                        <a:rPr lang="de-DE" sz="1400" kern="1200">
-                          <a:latin typeface="CMU Serif Roman" charset="0"/>
-                          <a:ea typeface="CMU Serif Roman" charset="0"/>
-                          <a:cs typeface="CMU Serif Roman" charset="0"/>
-                        </a:rPr>
-                        <a:t>1</a:t>
-                      </a:r>
-                      <a:endParaRPr lang="de-DE" sz="1400" kern="1200">
-                        <a:solidFill>
-                          <a:schemeClr val="dk1"/>
-                        </a:solidFill>
-                        <a:latin typeface="CMU Serif Roman" charset="0"/>
-                        <a:ea typeface="CMU Serif Roman" charset="0"/>
-                        <a:cs typeface="CMU Serif Roman" charset="0"/>
-                      </a:endParaRPr>
-                    </a:p>
-                  </a:txBody>
-                  <a:tcPr marL="77269" marR="77269" marT="35662" marB="35662" anchor="ctr"/>
-                </a:tc>
-                <a:tc>
-                  <a:txBody>
-                    <a:bodyPr/>
-                    <a:lstStyle/>
-                    <a:p>
-                      <a:pPr marL="0" algn="l" defTabSz="914400" rtl="0" eaLnBrk="1" latinLnBrk="0" hangingPunct="1"/>
-                      <a:r>
-                        <a:rPr lang="de-DE" sz="1400" kern="1200">
-                          <a:latin typeface="CMU Serif Roman" charset="0"/>
-                          <a:ea typeface="CMU Serif Roman" charset="0"/>
-                          <a:cs typeface="CMU Serif Roman" charset="0"/>
-                        </a:rPr>
-                        <a:t>0</a:t>
-                      </a:r>
-                      <a:endParaRPr lang="de-DE" sz="1400" kern="1200">
-                        <a:solidFill>
-                          <a:schemeClr val="dk1"/>
-                        </a:solidFill>
-                        <a:latin typeface="CMU Serif Roman" charset="0"/>
-                        <a:ea typeface="CMU Serif Roman" charset="0"/>
-                        <a:cs typeface="CMU Serif Roman" charset="0"/>
-                      </a:endParaRPr>
-                    </a:p>
-                  </a:txBody>
-                  <a:tcPr marL="77269" marR="77269" marT="35662" marB="35662" anchor="ctr"/>
-                </a:tc>
-                <a:tc>
-                  <a:txBody>
-                    <a:bodyPr/>
-                    <a:lstStyle/>
-                    <a:p>
-                      <a:pPr marL="0" algn="l" defTabSz="914400" rtl="0" eaLnBrk="1" latinLnBrk="0" hangingPunct="1"/>
-                      <a:r>
-                        <a:rPr lang="de-DE" sz="1400" kern="1200">
-                          <a:latin typeface="CMU Serif Roman" charset="0"/>
-                          <a:ea typeface="CMU Serif Roman" charset="0"/>
-                          <a:cs typeface="CMU Serif Roman" charset="0"/>
-                        </a:rPr>
-                        <a:t>1</a:t>
-                      </a:r>
-                      <a:endParaRPr lang="de-DE" sz="1400" kern="1200">
-                        <a:solidFill>
-                          <a:schemeClr val="dk1"/>
-                        </a:solidFill>
-                        <a:latin typeface="CMU Serif Roman" charset="0"/>
-                        <a:ea typeface="CMU Serif Roman" charset="0"/>
-                        <a:cs typeface="CMU Serif Roman" charset="0"/>
-                      </a:endParaRPr>
-                    </a:p>
-                  </a:txBody>
-                  <a:tcPr marL="77269" marR="77269" marT="35662" marB="35662" anchor="ctr"/>
-                </a:tc>
-                <a:tc>
-                  <a:txBody>
-                    <a:bodyPr/>
-                    <a:lstStyle/>
-                    <a:p>
-                      <a:pPr marL="0" algn="l" defTabSz="914400" rtl="0" eaLnBrk="1" latinLnBrk="0" hangingPunct="1"/>
-                      <a:r>
-                        <a:rPr lang="de-DE" sz="1400" kern="1200">
-                          <a:latin typeface="CMU Serif Roman" charset="0"/>
-                          <a:ea typeface="CMU Serif Roman" charset="0"/>
-                          <a:cs typeface="CMU Serif Roman" charset="0"/>
-                        </a:rPr>
-                        <a:t>1</a:t>
-                      </a:r>
-                      <a:endParaRPr lang="de-DE" sz="1400" kern="1200">
-                        <a:solidFill>
-                          <a:schemeClr val="dk1"/>
-                        </a:solidFill>
-                        <a:latin typeface="CMU Serif Roman" charset="0"/>
-                        <a:ea typeface="CMU Serif Roman" charset="0"/>
-                        <a:cs typeface="CMU Serif Roman" charset="0"/>
-                      </a:endParaRPr>
-                    </a:p>
-                  </a:txBody>
-                  <a:tcPr marL="77269" marR="77269" marT="35662" marB="35662" anchor="ctr"/>
-                </a:tc>
-                <a:tc>
-                  <a:txBody>
-                    <a:bodyPr/>
-                    <a:lstStyle/>
-                    <a:p>
-                      <a:pPr marL="0" algn="l" defTabSz="914400" rtl="0" eaLnBrk="1" latinLnBrk="0" hangingPunct="1"/>
-                      <a:r>
-                        <a:rPr lang="de-DE" sz="1400" kern="1200" dirty="0">
-                          <a:latin typeface="CMU Serif Roman" charset="0"/>
-                          <a:ea typeface="CMU Serif Roman" charset="0"/>
-                          <a:cs typeface="CMU Serif Roman" charset="0"/>
-                        </a:rPr>
-                        <a:t>1</a:t>
-                      </a:r>
-                      <a:endParaRPr lang="de-DE" sz="1400" kern="1200" dirty="0">
-                        <a:solidFill>
-                          <a:schemeClr val="dk1"/>
-                        </a:solidFill>
-                        <a:latin typeface="CMU Serif Roman" charset="0"/>
-                        <a:ea typeface="CMU Serif Roman" charset="0"/>
-                        <a:cs typeface="CMU Serif Roman" charset="0"/>
-                      </a:endParaRPr>
-                    </a:p>
-                  </a:txBody>
-                  <a:tcPr marL="77269" marR="77269" marT="35662" marB="35662" anchor="ctr"/>
-                </a:tc>
-                <a:tc>
-                  <a:txBody>
-                    <a:bodyPr/>
-                    <a:lstStyle/>
-                    <a:p>
-                      <a:pPr marL="0" algn="l" defTabSz="914400" rtl="0" eaLnBrk="1" latinLnBrk="0" hangingPunct="1"/>
-                      <a:r>
-                        <a:rPr lang="de-DE" sz="1400" kern="1200" dirty="0">
-                          <a:latin typeface="CMU Serif Roman" charset="0"/>
-                          <a:ea typeface="CMU Serif Roman" charset="0"/>
-                          <a:cs typeface="CMU Serif Roman" charset="0"/>
-                        </a:rPr>
-                        <a:t>1</a:t>
-                      </a:r>
-                      <a:endParaRPr lang="de-DE" sz="1400" kern="1200" dirty="0">
-                        <a:solidFill>
-                          <a:schemeClr val="dk1"/>
-                        </a:solidFill>
-                        <a:latin typeface="CMU Serif Roman" charset="0"/>
-                        <a:ea typeface="CMU Serif Roman" charset="0"/>
-                        <a:cs typeface="CMU Serif Roman" charset="0"/>
-                      </a:endParaRPr>
-                    </a:p>
-                  </a:txBody>
-                  <a:tcPr marL="77269" marR="77269" marT="35662" marB="35662" anchor="ctr"/>
-                </a:tc>
-                <a:tc>
-                  <a:txBody>
-                    <a:bodyPr/>
-                    <a:lstStyle/>
-                    <a:p>
-                      <a:pPr marL="0" algn="l" defTabSz="914400" rtl="0" eaLnBrk="1" latinLnBrk="0" hangingPunct="1"/>
-                      <a:r>
-                        <a:rPr lang="de-DE" sz="1400" kern="1200">
-                          <a:latin typeface="CMU Serif Roman" charset="0"/>
-                          <a:ea typeface="CMU Serif Roman" charset="0"/>
-                          <a:cs typeface="CMU Serif Roman" charset="0"/>
-                        </a:rPr>
-                        <a:t>1</a:t>
-                      </a:r>
-                      <a:endParaRPr lang="de-DE" sz="1400" kern="1200">
-                        <a:solidFill>
-                          <a:schemeClr val="dk1"/>
-                        </a:solidFill>
-                        <a:latin typeface="CMU Serif Roman" charset="0"/>
-                        <a:ea typeface="CMU Serif Roman" charset="0"/>
-                        <a:cs typeface="CMU Serif Roman" charset="0"/>
-                      </a:endParaRPr>
-                    </a:p>
-                  </a:txBody>
-                  <a:tcPr marL="77269" marR="77269" marT="35662" marB="35662" anchor="ctr"/>
-                </a:tc>
-              </a:tr>
-              <a:tr h="370840">
-                <a:tc>
-                  <a:txBody>
-                    <a:bodyPr/>
-                    <a:lstStyle/>
-                    <a:p>
-                      <a:pPr marL="0" algn="l" defTabSz="914400" rtl="0" eaLnBrk="1" latinLnBrk="0" hangingPunct="1"/>
-                      <a:r>
-                        <a:rPr lang="de-DE" sz="1400" kern="1200">
-                          <a:latin typeface="CMU Serif Roman" charset="0"/>
-                          <a:ea typeface="CMU Serif Roman" charset="0"/>
-                          <a:cs typeface="CMU Serif Roman" charset="0"/>
-                        </a:rPr>
-                        <a:t>6</a:t>
-                      </a:r>
-                      <a:endParaRPr lang="de-DE" sz="1400" kern="1200">
-                        <a:solidFill>
-                          <a:schemeClr val="dk1"/>
-                        </a:solidFill>
-                        <a:latin typeface="CMU Serif Roman" charset="0"/>
-                        <a:ea typeface="CMU Serif Roman" charset="0"/>
-                        <a:cs typeface="CMU Serif Roman" charset="0"/>
-                      </a:endParaRPr>
-                    </a:p>
-                  </a:txBody>
-                  <a:tcPr marL="77269" marR="77269" marT="35662" marB="35662" anchor="ctr"/>
-                </a:tc>
-                <a:tc>
-                  <a:txBody>
-                    <a:bodyPr/>
-                    <a:lstStyle/>
-                    <a:p>
-                      <a:pPr marL="0" algn="l" defTabSz="914400" rtl="0" eaLnBrk="1" latinLnBrk="0" hangingPunct="1"/>
-                      <a:r>
-                        <a:rPr lang="de-DE" sz="1400" kern="1200">
-                          <a:latin typeface="CMU Serif Roman" charset="0"/>
-                          <a:ea typeface="CMU Serif Roman" charset="0"/>
-                          <a:cs typeface="CMU Serif Roman" charset="0"/>
-                        </a:rPr>
-                        <a:t>0</a:t>
-                      </a:r>
-                      <a:endParaRPr lang="de-DE" sz="1400" kern="1200">
-                        <a:solidFill>
-                          <a:schemeClr val="dk1"/>
-                        </a:solidFill>
-                        <a:latin typeface="CMU Serif Roman" charset="0"/>
-                        <a:ea typeface="CMU Serif Roman" charset="0"/>
-                        <a:cs typeface="CMU Serif Roman" charset="0"/>
-                      </a:endParaRPr>
-                    </a:p>
-                  </a:txBody>
-                  <a:tcPr marL="77269" marR="77269" marT="35662" marB="35662" anchor="ctr"/>
-                </a:tc>
-                <a:tc>
-                  <a:txBody>
-                    <a:bodyPr/>
-                    <a:lstStyle/>
-                    <a:p>
-                      <a:pPr marL="0" algn="l" defTabSz="914400" rtl="0" eaLnBrk="1" latinLnBrk="0" hangingPunct="1"/>
-                      <a:r>
-                        <a:rPr lang="de-DE" sz="1400" kern="1200">
-                          <a:latin typeface="CMU Serif Roman" charset="0"/>
-                          <a:ea typeface="CMU Serif Roman" charset="0"/>
-                          <a:cs typeface="CMU Serif Roman" charset="0"/>
-                        </a:rPr>
-                        <a:t>1</a:t>
-                      </a:r>
-                      <a:endParaRPr lang="de-DE" sz="1400" kern="1200">
-                        <a:solidFill>
-                          <a:schemeClr val="dk1"/>
-                        </a:solidFill>
-                        <a:latin typeface="CMU Serif Roman" charset="0"/>
-                        <a:ea typeface="CMU Serif Roman" charset="0"/>
-                        <a:cs typeface="CMU Serif Roman" charset="0"/>
-                      </a:endParaRPr>
-                    </a:p>
-                  </a:txBody>
-                  <a:tcPr marL="77269" marR="77269" marT="35662" marB="35662" anchor="ctr"/>
-                </a:tc>
-                <a:tc>
-                  <a:txBody>
-                    <a:bodyPr/>
-                    <a:lstStyle/>
-                    <a:p>
-                      <a:pPr marL="0" algn="l" defTabSz="914400" rtl="0" eaLnBrk="1" latinLnBrk="0" hangingPunct="1"/>
-                      <a:r>
-                        <a:rPr lang="de-DE" sz="1400" kern="1200">
-                          <a:latin typeface="CMU Serif Roman" charset="0"/>
-                          <a:ea typeface="CMU Serif Roman" charset="0"/>
-                          <a:cs typeface="CMU Serif Roman" charset="0"/>
-                        </a:rPr>
-                        <a:t>1</a:t>
-                      </a:r>
-                      <a:endParaRPr lang="de-DE" sz="1400" kern="1200">
-                        <a:solidFill>
-                          <a:schemeClr val="dk1"/>
-                        </a:solidFill>
-                        <a:latin typeface="CMU Serif Roman" charset="0"/>
-                        <a:ea typeface="CMU Serif Roman" charset="0"/>
-                        <a:cs typeface="CMU Serif Roman" charset="0"/>
-                      </a:endParaRPr>
-                    </a:p>
-                  </a:txBody>
-                  <a:tcPr marL="77269" marR="77269" marT="35662" marB="35662" anchor="ctr"/>
-                </a:tc>
-                <a:tc>
-                  <a:txBody>
-                    <a:bodyPr/>
-                    <a:lstStyle/>
-                    <a:p>
-                      <a:pPr marL="0" algn="l" defTabSz="914400" rtl="0" eaLnBrk="1" latinLnBrk="0" hangingPunct="1"/>
-                      <a:r>
-                        <a:rPr lang="de-DE" sz="1400" kern="1200">
-                          <a:latin typeface="CMU Serif Roman" charset="0"/>
-                          <a:ea typeface="CMU Serif Roman" charset="0"/>
-                          <a:cs typeface="CMU Serif Roman" charset="0"/>
-                        </a:rPr>
-                        <a:t>1</a:t>
-                      </a:r>
-                      <a:endParaRPr lang="de-DE" sz="1400" kern="1200">
-                        <a:solidFill>
-                          <a:schemeClr val="dk1"/>
-                        </a:solidFill>
-                        <a:latin typeface="CMU Serif Roman" charset="0"/>
-                        <a:ea typeface="CMU Serif Roman" charset="0"/>
-                        <a:cs typeface="CMU Serif Roman" charset="0"/>
-                      </a:endParaRPr>
-                    </a:p>
-                  </a:txBody>
-                  <a:tcPr marL="77269" marR="77269" marT="35662" marB="35662" anchor="ctr"/>
-                </a:tc>
-                <a:tc>
-                  <a:txBody>
-                    <a:bodyPr/>
-                    <a:lstStyle/>
-                    <a:p>
-                      <a:pPr marL="0" algn="l" defTabSz="914400" rtl="0" eaLnBrk="1" latinLnBrk="0" hangingPunct="1"/>
-                      <a:r>
-                        <a:rPr lang="de-DE" sz="1400" kern="1200">
-                          <a:latin typeface="CMU Serif Roman" charset="0"/>
-                          <a:ea typeface="CMU Serif Roman" charset="0"/>
-                          <a:cs typeface="CMU Serif Roman" charset="0"/>
-                        </a:rPr>
-                        <a:t>0</a:t>
-                      </a:r>
-                      <a:endParaRPr lang="de-DE" sz="1400" kern="1200">
-                        <a:solidFill>
-                          <a:schemeClr val="dk1"/>
-                        </a:solidFill>
-                        <a:latin typeface="CMU Serif Roman" charset="0"/>
-                        <a:ea typeface="CMU Serif Roman" charset="0"/>
-                        <a:cs typeface="CMU Serif Roman" charset="0"/>
-                      </a:endParaRPr>
-                    </a:p>
-                  </a:txBody>
-                  <a:tcPr marL="77269" marR="77269" marT="35662" marB="35662" anchor="ctr"/>
-                </a:tc>
-                <a:tc>
-                  <a:txBody>
-                    <a:bodyPr/>
-                    <a:lstStyle/>
-                    <a:p>
-                      <a:pPr marL="0" algn="l" defTabSz="914400" rtl="0" eaLnBrk="1" latinLnBrk="0" hangingPunct="1"/>
-                      <a:r>
-                        <a:rPr lang="de-DE" sz="1400" kern="1200" dirty="0">
-                          <a:latin typeface="CMU Serif Roman" charset="0"/>
-                          <a:ea typeface="CMU Serif Roman" charset="0"/>
-                          <a:cs typeface="CMU Serif Roman" charset="0"/>
-                        </a:rPr>
-                        <a:t>0</a:t>
-                      </a:r>
-                      <a:endParaRPr lang="de-DE" sz="1400" kern="1200" dirty="0">
-                        <a:solidFill>
-                          <a:schemeClr val="dk1"/>
-                        </a:solidFill>
-                        <a:latin typeface="CMU Serif Roman" charset="0"/>
-                        <a:ea typeface="CMU Serif Roman" charset="0"/>
-                        <a:cs typeface="CMU Serif Roman" charset="0"/>
-                      </a:endParaRPr>
-                    </a:p>
-                  </a:txBody>
-                  <a:tcPr marL="77269" marR="77269" marT="35662" marB="35662" anchor="ctr"/>
-                </a:tc>
-                <a:tc>
-                  <a:txBody>
-                    <a:bodyPr/>
-                    <a:lstStyle/>
-                    <a:p>
-                      <a:pPr marL="0" algn="l" defTabSz="914400" rtl="0" eaLnBrk="1" latinLnBrk="0" hangingPunct="1"/>
-                      <a:r>
-                        <a:rPr lang="de-DE" sz="1400" kern="1200" dirty="0">
-                          <a:latin typeface="CMU Serif Roman" charset="0"/>
-                          <a:ea typeface="CMU Serif Roman" charset="0"/>
-                          <a:cs typeface="CMU Serif Roman" charset="0"/>
-                        </a:rPr>
-                        <a:t>1</a:t>
-                      </a:r>
-                      <a:endParaRPr lang="de-DE" sz="1400" kern="1200" dirty="0">
-                        <a:solidFill>
-                          <a:schemeClr val="dk1"/>
-                        </a:solidFill>
-                        <a:latin typeface="CMU Serif Roman" charset="0"/>
-                        <a:ea typeface="CMU Serif Roman" charset="0"/>
-                        <a:cs typeface="CMU Serif Roman" charset="0"/>
-                      </a:endParaRPr>
-                    </a:p>
-                  </a:txBody>
-                  <a:tcPr marL="77269" marR="77269" marT="35662" marB="35662" anchor="ctr"/>
-                </a:tc>
-              </a:tr>
-            </a:tbl>
-          </a:graphicData>
-        </a:graphic>
-      </p:graphicFrame>
     </p:spTree>
     <p:extLst>
       <p:ext uri="{BB962C8B-B14F-4D97-AF65-F5344CB8AC3E}">
-        <p14:creationId xmlns:p14="http://schemas.microsoft.com/office/powerpoint/2010/main" val="1056457806"/>
+        <p14:creationId xmlns:p14="http://schemas.microsoft.com/office/powerpoint/2010/main" val="1933534688"/>
       </p:ext>
     </p:extLst>
   </p:cSld>
@@ -17217,126 +16228,6 @@
       </p:grpSpPr>
       <p:sp>
         <p:nvSpPr>
-          <p:cNvPr id="2" name="Titel 1"/>
-          <p:cNvSpPr>
-            <a:spLocks noGrp="1"/>
-          </p:cNvSpPr>
-          <p:nvPr>
-            <p:ph type="title"/>
-          </p:nvPr>
-        </p:nvSpPr>
-        <p:spPr/>
-        <p:txBody>
-          <a:bodyPr/>
-          <a:lstStyle/>
-          <a:p>
-            <a:r>
-              <a:rPr lang="en-AU" dirty="0" smtClean="0">
-                <a:latin typeface="CMU Serif Roman" charset="0"/>
-                <a:ea typeface="CMU Serif Roman" charset="0"/>
-                <a:cs typeface="CMU Serif Roman" charset="0"/>
-              </a:rPr>
-              <a:t>The problem lies in the sampling.</a:t>
-            </a:r>
-            <a:endParaRPr lang="en-AU" dirty="0">
-              <a:latin typeface="CMU Serif Roman" charset="0"/>
-              <a:ea typeface="CMU Serif Roman" charset="0"/>
-              <a:cs typeface="CMU Serif Roman" charset="0"/>
-            </a:endParaRPr>
-          </a:p>
-        </p:txBody>
-      </p:sp>
-      <p:sp>
-        <p:nvSpPr>
-          <p:cNvPr id="3" name="Inhaltsplatzhalter 2"/>
-          <p:cNvSpPr>
-            <a:spLocks noGrp="1"/>
-          </p:cNvSpPr>
-          <p:nvPr>
-            <p:ph idx="1"/>
-          </p:nvPr>
-        </p:nvSpPr>
-        <p:spPr/>
-        <p:txBody>
-          <a:bodyPr>
-            <a:normAutofit/>
-          </a:bodyPr>
-          <a:lstStyle/>
-          <a:p>
-            <a:r>
-              <a:rPr lang="en-AU" dirty="0" smtClean="0">
-                <a:latin typeface="CMU Serif Roman" charset="0"/>
-                <a:ea typeface="CMU Serif Roman" charset="0"/>
-                <a:cs typeface="CMU Serif Roman" charset="0"/>
-              </a:rPr>
-              <a:t>For complex decision boundaries / predictive surfaces global sampling is unsatisfactory.</a:t>
-            </a:r>
-          </a:p>
-          <a:p>
-            <a:r>
-              <a:rPr lang="en-AU" dirty="0" smtClean="0">
-                <a:latin typeface="CMU Serif Roman" charset="0"/>
-                <a:ea typeface="CMU Serif Roman" charset="0"/>
-                <a:cs typeface="CMU Serif Roman" charset="0"/>
-              </a:rPr>
-              <a:t>The sampling may result in only few observations that are actually in proximity to the instance to be explained.</a:t>
-            </a:r>
-          </a:p>
-          <a:p>
-            <a:r>
-              <a:rPr lang="en-AU" dirty="0" smtClean="0">
-                <a:latin typeface="CMU Serif Roman" charset="0"/>
-                <a:ea typeface="CMU Serif Roman" charset="0"/>
-                <a:cs typeface="CMU Serif Roman" charset="0"/>
-              </a:rPr>
-              <a:t>Craven and Shavlik (1996) argue (in a very different context) that local fidelity is achieved by increasing the density of observations around the instance of interest.</a:t>
-            </a:r>
-          </a:p>
-          <a:p>
-            <a:r>
-              <a:rPr lang="en-AU" dirty="0" smtClean="0">
-                <a:latin typeface="CMU Serif Roman" charset="0"/>
-                <a:ea typeface="CMU Serif Roman" charset="0"/>
-                <a:cs typeface="CMU Serif Roman" charset="0"/>
-              </a:rPr>
-              <a:t>Local sampling should be preferred over global sampling (</a:t>
-            </a:r>
-            <a:r>
-              <a:rPr lang="en-AU" dirty="0" err="1" smtClean="0">
-                <a:latin typeface="CMU Serif Roman" charset="0"/>
-                <a:ea typeface="CMU Serif Roman" charset="0"/>
-                <a:cs typeface="CMU Serif Roman" charset="0"/>
-              </a:rPr>
-              <a:t>Laugel</a:t>
-            </a:r>
-            <a:r>
-              <a:rPr lang="en-AU" dirty="0" smtClean="0">
-                <a:latin typeface="CMU Serif Roman" charset="0"/>
-                <a:ea typeface="CMU Serif Roman" charset="0"/>
-                <a:cs typeface="CMU Serif Roman" charset="0"/>
-              </a:rPr>
-              <a:t> et al. 2018).</a:t>
-            </a:r>
-          </a:p>
-          <a:p>
-            <a:r>
-              <a:rPr lang="en-AU" dirty="0" smtClean="0">
-                <a:latin typeface="CMU Serif Roman" charset="0"/>
-                <a:ea typeface="CMU Serif Roman" charset="0"/>
-                <a:cs typeface="CMU Serif Roman" charset="0"/>
-              </a:rPr>
-              <a:t>More on this topic in the next talk.</a:t>
-            </a:r>
-            <a:endParaRPr lang="en-AU" dirty="0" smtClean="0">
-              <a:latin typeface="CMU Serif Roman" charset="0"/>
-              <a:ea typeface="CMU Serif Roman" charset="0"/>
-              <a:cs typeface="CMU Serif Roman" charset="0"/>
-            </a:endParaRPr>
-          </a:p>
-        </p:txBody>
-      </p:sp>
-      <p:sp>
-        <p:nvSpPr>
           <p:cNvPr id="4" name="Datumsplatzhalter 3"/>
           <p:cNvSpPr>
             <a:spLocks noGrp="1"/>
@@ -17351,12 +16242,12 @@
           <a:lstStyle/>
           <a:p>
             <a:r>
-              <a:rPr lang="en-AU" dirty="0" smtClean="0">
-                <a:latin typeface="CMU Serif Roman" charset="0"/>
-                <a:ea typeface="CMU Serif Roman" charset="0"/>
-                <a:cs typeface="CMU Serif Roman" charset="0"/>
-              </a:rPr>
-              <a:t>22.05.19</a:t>
+              <a:rPr lang="de-DE" smtClean="0">
+                <a:latin typeface="CMU Serif Roman" charset="0"/>
+                <a:ea typeface="CMU Serif Roman" charset="0"/>
+                <a:cs typeface="CMU Serif Roman" charset="0"/>
+              </a:rPr>
+              <a:t>12.07.2019</a:t>
             </a:r>
             <a:endParaRPr lang="en-AU" dirty="0">
               <a:latin typeface="CMU Serif Roman" charset="0"/>
@@ -17428,10 +16319,99 @@
           </a:p>
         </p:txBody>
       </p:sp>
+      <p:sp>
+        <p:nvSpPr>
+          <p:cNvPr id="8" name="Titel 1"/>
+          <p:cNvSpPr txBox="1">
+            <a:spLocks/>
+          </p:cNvSpPr>
+          <p:nvPr/>
+        </p:nvSpPr>
+        <p:spPr>
+          <a:xfrm>
+            <a:off x="822960" y="285479"/>
+            <a:ext cx="7543800" cy="1450757"/>
+          </a:xfrm>
+          <a:prstGeom prst="rect">
+            <a:avLst/>
+          </a:prstGeom>
+        </p:spPr>
+        <p:txBody>
+          <a:bodyPr vert="horz" lIns="91440" tIns="45720" rIns="91440" bIns="45720" rtlCol="0" anchor="b">
+            <a:normAutofit/>
+          </a:bodyPr>
+          <a:lstStyle>
+            <a:lvl1pPr algn="l" defTabSz="914400" rtl="0" eaLnBrk="1" latinLnBrk="0" hangingPunct="1">
+              <a:lnSpc>
+                <a:spcPct val="85000"/>
+              </a:lnSpc>
+              <a:spcBef>
+                <a:spcPct val="0"/>
+              </a:spcBef>
+              <a:buNone/>
+              <a:defRPr sz="4800" kern="1200" spc="-50" baseline="0">
+                <a:solidFill>
+                  <a:schemeClr val="tx1">
+                    <a:lumMod val="75000"/>
+                    <a:lumOff val="25000"/>
+                  </a:schemeClr>
+                </a:solidFill>
+                <a:latin typeface="+mj-lt"/>
+                <a:ea typeface="+mj-ea"/>
+                <a:cs typeface="+mj-cs"/>
+              </a:defRPr>
+            </a:lvl1pPr>
+          </a:lstStyle>
+          <a:p>
+            <a:r>
+              <a:rPr lang="en-AU" dirty="0" smtClean="0">
+                <a:latin typeface="CMU Serif Roman" charset="0"/>
+                <a:ea typeface="CMU Serif Roman" charset="0"/>
+                <a:cs typeface="CMU Serif Roman" charset="0"/>
+              </a:rPr>
+              <a:t>Algorithm for a single LIME explanation</a:t>
+            </a:r>
+            <a:endParaRPr lang="en-AU" dirty="0">
+              <a:latin typeface="CMU Serif Roman" charset="0"/>
+              <a:ea typeface="CMU Serif Roman" charset="0"/>
+              <a:cs typeface="CMU Serif Roman" charset="0"/>
+            </a:endParaRPr>
+          </a:p>
+        </p:txBody>
+      </p:sp>
+      <p:pic>
+        <p:nvPicPr>
+          <p:cNvPr id="7" name="Inhaltsplatzhalter 6"/>
+          <p:cNvPicPr>
+            <a:picLocks noGrp="1" noChangeAspect="1"/>
+          </p:cNvPicPr>
+          <p:nvPr>
+            <p:ph idx="1"/>
+          </p:nvPr>
+        </p:nvPicPr>
+        <p:blipFill>
+          <a:blip r:embed="rId3">
+            <a:extLst>
+              <a:ext uri="{28A0092B-C50C-407E-A947-70E740481C1C}">
+                <a14:useLocalDpi xmlns:a14="http://schemas.microsoft.com/office/drawing/2010/main" val="0"/>
+              </a:ext>
+            </a:extLst>
+          </a:blip>
+          <a:stretch>
+            <a:fillRect/>
+          </a:stretch>
+        </p:blipFill>
+        <p:spPr>
+          <a:xfrm>
+            <a:off x="2222335" y="1846263"/>
+            <a:ext cx="4743779" cy="4022725"/>
+          </a:xfrm>
+        </p:spPr>
+      </p:pic>
     </p:spTree>
     <p:extLst>
       <p:ext uri="{BB962C8B-B14F-4D97-AF65-F5344CB8AC3E}">
-        <p14:creationId xmlns:p14="http://schemas.microsoft.com/office/powerpoint/2010/main" val="2094685383"/>
+        <p14:creationId xmlns:p14="http://schemas.microsoft.com/office/powerpoint/2010/main" val="1504259969"/>
       </p:ext>
     </p:extLst>
   </p:cSld>
@@ -17465,481 +16445,435 @@
           <a:chExt cx="0" cy="0"/>
         </a:xfrm>
       </p:grpSpPr>
-      <p:sp>
-        <p:nvSpPr>
-          <p:cNvPr id="2" name="Titel 1"/>
-          <p:cNvSpPr>
-            <a:spLocks noGrp="1"/>
-          </p:cNvSpPr>
-          <p:nvPr>
-            <p:ph type="title"/>
-          </p:nvPr>
-        </p:nvSpPr>
-        <p:spPr>
-          <a:xfrm>
-            <a:off x="822960" y="272779"/>
-            <a:ext cx="7543800" cy="1450757"/>
-          </a:xfrm>
-        </p:spPr>
-        <p:txBody>
-          <a:bodyPr/>
-          <a:lstStyle/>
-          <a:p>
-            <a:r>
-              <a:rPr lang="en-AU" dirty="0" smtClean="0">
-                <a:latin typeface="CMU Serif Roman" charset="0"/>
-                <a:ea typeface="CMU Serif Roman" charset="0"/>
-                <a:cs typeface="CMU Serif Roman" charset="0"/>
-              </a:rPr>
-              <a:t>References</a:t>
-            </a:r>
-            <a:endParaRPr lang="en-AU" dirty="0">
-              <a:latin typeface="CMU Serif Roman" charset="0"/>
-              <a:ea typeface="CMU Serif Roman" charset="0"/>
-              <a:cs typeface="CMU Serif Roman" charset="0"/>
-            </a:endParaRPr>
-          </a:p>
-        </p:txBody>
-      </p:sp>
-      <p:sp>
-        <p:nvSpPr>
-          <p:cNvPr id="3" name="Inhaltsplatzhalter 2"/>
-          <p:cNvSpPr>
-            <a:spLocks noGrp="1"/>
-          </p:cNvSpPr>
-          <p:nvPr>
-            <p:ph idx="1"/>
-          </p:nvPr>
-        </p:nvSpPr>
-        <p:spPr/>
-        <p:txBody>
-          <a:bodyPr>
-            <a:normAutofit fontScale="70000" lnSpcReduction="20000"/>
-          </a:bodyPr>
-          <a:lstStyle/>
-          <a:p>
-            <a:pPr>
-              <a:buFont typeface="Arial" charset="0"/>
-              <a:buChar char="•"/>
-            </a:pPr>
-            <a:r>
-              <a:rPr lang="en-AU" dirty="0" smtClean="0">
-                <a:latin typeface="CMU Serif Roman" charset="0"/>
-                <a:ea typeface="CMU Serif Roman" charset="0"/>
-                <a:cs typeface="CMU Serif Roman" charset="0"/>
-              </a:rPr>
-              <a:t> Alvarez-</a:t>
-            </a:r>
-            <a:r>
-              <a:rPr lang="en-AU" dirty="0" err="1" smtClean="0">
-                <a:latin typeface="CMU Serif Roman" charset="0"/>
-                <a:ea typeface="CMU Serif Roman" charset="0"/>
-                <a:cs typeface="CMU Serif Roman" charset="0"/>
-              </a:rPr>
-              <a:t>Melis</a:t>
-            </a:r>
-            <a:r>
-              <a:rPr lang="en-AU" dirty="0" smtClean="0">
-                <a:latin typeface="CMU Serif Roman" charset="0"/>
-                <a:ea typeface="CMU Serif Roman" charset="0"/>
-                <a:cs typeface="CMU Serif Roman" charset="0"/>
-              </a:rPr>
-              <a:t>, David, and </a:t>
-            </a:r>
-            <a:r>
-              <a:rPr lang="en-AU" dirty="0" err="1" smtClean="0">
-                <a:latin typeface="CMU Serif Roman" charset="0"/>
-                <a:ea typeface="CMU Serif Roman" charset="0"/>
-                <a:cs typeface="CMU Serif Roman" charset="0"/>
-              </a:rPr>
-              <a:t>Tommi</a:t>
-            </a:r>
-            <a:r>
-              <a:rPr lang="en-AU" dirty="0" smtClean="0">
-                <a:latin typeface="CMU Serif Roman" charset="0"/>
-                <a:ea typeface="CMU Serif Roman" charset="0"/>
-                <a:cs typeface="CMU Serif Roman" charset="0"/>
-              </a:rPr>
-              <a:t> S </a:t>
-            </a:r>
-            <a:r>
-              <a:rPr lang="en-AU" dirty="0" err="1" smtClean="0">
-                <a:latin typeface="CMU Serif Roman" charset="0"/>
-                <a:ea typeface="CMU Serif Roman" charset="0"/>
-                <a:cs typeface="CMU Serif Roman" charset="0"/>
-              </a:rPr>
-              <a:t>Jaakkola</a:t>
-            </a:r>
-            <a:r>
-              <a:rPr lang="en-AU" dirty="0" smtClean="0">
-                <a:latin typeface="CMU Serif Roman" charset="0"/>
-                <a:ea typeface="CMU Serif Roman" charset="0"/>
-                <a:cs typeface="CMU Serif Roman" charset="0"/>
-              </a:rPr>
-              <a:t>. 2018. “On the Robustness of Interpretability Methods.” </a:t>
-            </a:r>
-            <a:r>
-              <a:rPr lang="en-AU" dirty="0" err="1" smtClean="0">
-                <a:latin typeface="CMU Serif Roman" charset="0"/>
-                <a:ea typeface="CMU Serif Roman" charset="0"/>
-                <a:cs typeface="CMU Serif Roman" charset="0"/>
-              </a:rPr>
-              <a:t>arXiv</a:t>
-            </a:r>
-            <a:r>
-              <a:rPr lang="en-AU" dirty="0" smtClean="0">
-                <a:latin typeface="CMU Serif Roman" charset="0"/>
-                <a:ea typeface="CMU Serif Roman" charset="0"/>
-                <a:cs typeface="CMU Serif Roman" charset="0"/>
-              </a:rPr>
-              <a:t> Preprint arXiv:1806.08049.</a:t>
-            </a:r>
-          </a:p>
-          <a:p>
-            <a:pPr>
-              <a:buFont typeface="Arial" charset="0"/>
-              <a:buChar char="•"/>
-            </a:pPr>
-            <a:r>
-              <a:rPr lang="en-AU" dirty="0" smtClean="0">
-                <a:latin typeface="CMU Serif Roman" charset="0"/>
-                <a:ea typeface="CMU Serif Roman" charset="0"/>
-                <a:cs typeface="CMU Serif Roman" charset="0"/>
-              </a:rPr>
-              <a:t> Craven, Mark, and Jude W Shavlik. 1996. “Extracting Tree-Structured Representations of Trained Networks.” In Advances in Neural Information Processing Systems, 24–30.</a:t>
-            </a:r>
-          </a:p>
-          <a:p>
-            <a:pPr>
-              <a:buFont typeface="Arial" charset="0"/>
-              <a:buChar char="•"/>
-            </a:pPr>
-            <a:r>
-              <a:rPr lang="en-AU" dirty="0" smtClean="0">
-                <a:latin typeface="CMU Serif Roman" charset="0"/>
-                <a:ea typeface="CMU Serif Roman" charset="0"/>
-                <a:cs typeface="CMU Serif Roman" charset="0"/>
-              </a:rPr>
-              <a:t> </a:t>
-            </a:r>
-            <a:r>
-              <a:rPr lang="en-AU" dirty="0" err="1" smtClean="0">
-                <a:latin typeface="CMU Serif Roman" charset="0"/>
-                <a:ea typeface="CMU Serif Roman" charset="0"/>
-                <a:cs typeface="CMU Serif Roman" charset="0"/>
-              </a:rPr>
-              <a:t>Fanaee</a:t>
-            </a:r>
-            <a:r>
-              <a:rPr lang="en-AU" dirty="0" smtClean="0">
-                <a:latin typeface="CMU Serif Roman" charset="0"/>
-                <a:ea typeface="CMU Serif Roman" charset="0"/>
-                <a:cs typeface="CMU Serif Roman" charset="0"/>
-              </a:rPr>
-              <a:t>-T, </a:t>
-            </a:r>
-            <a:r>
-              <a:rPr lang="en-AU" dirty="0" err="1" smtClean="0">
-                <a:latin typeface="CMU Serif Roman" charset="0"/>
-                <a:ea typeface="CMU Serif Roman" charset="0"/>
-                <a:cs typeface="CMU Serif Roman" charset="0"/>
-              </a:rPr>
-              <a:t>Hadi</a:t>
-            </a:r>
-            <a:r>
-              <a:rPr lang="en-AU" dirty="0" smtClean="0">
-                <a:latin typeface="CMU Serif Roman" charset="0"/>
-                <a:ea typeface="CMU Serif Roman" charset="0"/>
-                <a:cs typeface="CMU Serif Roman" charset="0"/>
-              </a:rPr>
-              <a:t>, and Joao Gama. 2014. “Event </a:t>
-            </a:r>
-            <a:r>
-              <a:rPr lang="en-AU" dirty="0" err="1" smtClean="0">
-                <a:latin typeface="CMU Serif Roman" charset="0"/>
-                <a:ea typeface="CMU Serif Roman" charset="0"/>
-                <a:cs typeface="CMU Serif Roman" charset="0"/>
-              </a:rPr>
-              <a:t>Labeling</a:t>
-            </a:r>
-            <a:r>
-              <a:rPr lang="en-AU" dirty="0" smtClean="0">
-                <a:latin typeface="CMU Serif Roman" charset="0"/>
-                <a:ea typeface="CMU Serif Roman" charset="0"/>
-                <a:cs typeface="CMU Serif Roman" charset="0"/>
-              </a:rPr>
-              <a:t> Combining Ensemble Detectors and Background Knowledge.” Progress in Artificial Intelligence 2 (2-3). Springer: 113–27.</a:t>
-            </a:r>
-          </a:p>
-          <a:p>
-            <a:pPr>
-              <a:buFont typeface="Arial" charset="0"/>
-              <a:buChar char="•"/>
-            </a:pPr>
-            <a:r>
-              <a:rPr lang="en-AU" dirty="0" smtClean="0">
-                <a:latin typeface="CMU Serif Roman" charset="0"/>
-                <a:ea typeface="CMU Serif Roman" charset="0"/>
-                <a:cs typeface="CMU Serif Roman" charset="0"/>
-              </a:rPr>
-              <a:t> </a:t>
-            </a:r>
-            <a:r>
-              <a:rPr lang="en-AU" dirty="0" err="1" smtClean="0">
-                <a:latin typeface="CMU Serif Roman" charset="0"/>
-                <a:ea typeface="CMU Serif Roman" charset="0"/>
-                <a:cs typeface="CMU Serif Roman" charset="0"/>
-              </a:rPr>
-              <a:t>Laugel</a:t>
-            </a:r>
-            <a:r>
-              <a:rPr lang="en-AU" dirty="0" smtClean="0">
-                <a:latin typeface="CMU Serif Roman" charset="0"/>
-                <a:ea typeface="CMU Serif Roman" charset="0"/>
-                <a:cs typeface="CMU Serif Roman" charset="0"/>
-              </a:rPr>
-              <a:t>, Thibault, Xavier </a:t>
-            </a:r>
-            <a:r>
-              <a:rPr lang="en-AU" dirty="0" err="1" smtClean="0">
-                <a:latin typeface="CMU Serif Roman" charset="0"/>
-                <a:ea typeface="CMU Serif Roman" charset="0"/>
-                <a:cs typeface="CMU Serif Roman" charset="0"/>
-              </a:rPr>
-              <a:t>Renard</a:t>
-            </a:r>
-            <a:r>
-              <a:rPr lang="en-AU" dirty="0" smtClean="0">
-                <a:latin typeface="CMU Serif Roman" charset="0"/>
-                <a:ea typeface="CMU Serif Roman" charset="0"/>
-                <a:cs typeface="CMU Serif Roman" charset="0"/>
-              </a:rPr>
-              <a:t>, Marie-Jeanne </a:t>
-            </a:r>
-            <a:r>
-              <a:rPr lang="en-AU" dirty="0" err="1" smtClean="0">
-                <a:latin typeface="CMU Serif Roman" charset="0"/>
-                <a:ea typeface="CMU Serif Roman" charset="0"/>
-                <a:cs typeface="CMU Serif Roman" charset="0"/>
-              </a:rPr>
-              <a:t>Lesot</a:t>
-            </a:r>
-            <a:r>
-              <a:rPr lang="en-AU" dirty="0" smtClean="0">
-                <a:latin typeface="CMU Serif Roman" charset="0"/>
-                <a:ea typeface="CMU Serif Roman" charset="0"/>
-                <a:cs typeface="CMU Serif Roman" charset="0"/>
-              </a:rPr>
-              <a:t>, Christophe Marsala, and Marcin </a:t>
-            </a:r>
-            <a:r>
-              <a:rPr lang="en-AU" dirty="0" err="1" smtClean="0">
-                <a:latin typeface="CMU Serif Roman" charset="0"/>
-                <a:ea typeface="CMU Serif Roman" charset="0"/>
-                <a:cs typeface="CMU Serif Roman" charset="0"/>
-              </a:rPr>
-              <a:t>Detyniecki</a:t>
-            </a:r>
-            <a:r>
-              <a:rPr lang="en-AU" dirty="0" smtClean="0">
-                <a:latin typeface="CMU Serif Roman" charset="0"/>
-                <a:ea typeface="CMU Serif Roman" charset="0"/>
-                <a:cs typeface="CMU Serif Roman" charset="0"/>
-              </a:rPr>
-              <a:t>. 2018. “Defining Locality for Surrogates in Post-Hoc </a:t>
-            </a:r>
-            <a:r>
-              <a:rPr lang="en-AU" dirty="0" err="1" smtClean="0">
-                <a:latin typeface="CMU Serif Roman" charset="0"/>
-                <a:ea typeface="CMU Serif Roman" charset="0"/>
-                <a:cs typeface="CMU Serif Roman" charset="0"/>
-              </a:rPr>
-              <a:t>Interpretablity</a:t>
-            </a:r>
-            <a:r>
-              <a:rPr lang="en-AU" dirty="0" smtClean="0">
-                <a:latin typeface="CMU Serif Roman" charset="0"/>
-                <a:ea typeface="CMU Serif Roman" charset="0"/>
-                <a:cs typeface="CMU Serif Roman" charset="0"/>
-              </a:rPr>
-              <a:t>.” </a:t>
-            </a:r>
-            <a:r>
-              <a:rPr lang="en-AU" dirty="0" err="1" smtClean="0">
-                <a:latin typeface="CMU Serif Roman" charset="0"/>
-                <a:ea typeface="CMU Serif Roman" charset="0"/>
-                <a:cs typeface="CMU Serif Roman" charset="0"/>
-              </a:rPr>
-              <a:t>arXiv</a:t>
-            </a:r>
-            <a:r>
-              <a:rPr lang="en-AU" dirty="0" smtClean="0">
-                <a:latin typeface="CMU Serif Roman" charset="0"/>
-                <a:ea typeface="CMU Serif Roman" charset="0"/>
-                <a:cs typeface="CMU Serif Roman" charset="0"/>
-              </a:rPr>
-              <a:t> Preprint arXiv:1806.07498.</a:t>
-            </a:r>
-          </a:p>
-          <a:p>
-            <a:pPr>
-              <a:buFont typeface="Arial" charset="0"/>
-              <a:buChar char="•"/>
-            </a:pPr>
-            <a:r>
-              <a:rPr lang="en-AU" dirty="0" smtClean="0">
-                <a:latin typeface="CMU Serif Roman" charset="0"/>
-                <a:ea typeface="CMU Serif Roman" charset="0"/>
-                <a:cs typeface="CMU Serif Roman" charset="0"/>
-              </a:rPr>
-              <a:t> </a:t>
-            </a:r>
-            <a:r>
-              <a:rPr lang="en-AU" dirty="0" err="1" smtClean="0">
-                <a:latin typeface="CMU Serif Roman" charset="0"/>
-                <a:ea typeface="CMU Serif Roman" charset="0"/>
-                <a:cs typeface="CMU Serif Roman" charset="0"/>
-              </a:rPr>
-              <a:t>Meinshausen</a:t>
-            </a:r>
-            <a:r>
-              <a:rPr lang="en-AU" dirty="0" smtClean="0">
-                <a:latin typeface="CMU Serif Roman" charset="0"/>
-                <a:ea typeface="CMU Serif Roman" charset="0"/>
-                <a:cs typeface="CMU Serif Roman" charset="0"/>
-              </a:rPr>
-              <a:t>, Nicolai, and Peter </a:t>
-            </a:r>
-            <a:r>
-              <a:rPr lang="en-AU" dirty="0" err="1" smtClean="0">
-                <a:latin typeface="CMU Serif Roman" charset="0"/>
-                <a:ea typeface="CMU Serif Roman" charset="0"/>
-                <a:cs typeface="CMU Serif Roman" charset="0"/>
-              </a:rPr>
-              <a:t>Bühlmann</a:t>
-            </a:r>
-            <a:r>
-              <a:rPr lang="en-AU" dirty="0" smtClean="0">
-                <a:latin typeface="CMU Serif Roman" charset="0"/>
-                <a:ea typeface="CMU Serif Roman" charset="0"/>
-                <a:cs typeface="CMU Serif Roman" charset="0"/>
-              </a:rPr>
-              <a:t>. 2010. “Stability Selection.” Journal of the Royal Statistical Society: Series B (Statistical Methodology) 72 (4). Wiley Online Library: 417–73.</a:t>
-            </a:r>
-          </a:p>
-          <a:p>
-            <a:pPr>
-              <a:buFont typeface="Arial" charset="0"/>
-              <a:buChar char="•"/>
-            </a:pPr>
-            <a:r>
-              <a:rPr lang="en-AU" dirty="0" smtClean="0">
-                <a:latin typeface="CMU Serif Roman" charset="0"/>
-                <a:ea typeface="CMU Serif Roman" charset="0"/>
-                <a:cs typeface="CMU Serif Roman" charset="0"/>
-              </a:rPr>
-              <a:t> Molnar, Christoph. 2019. Interpretable Machine Learning: A Guide for Making Black Box Models Explainable.</a:t>
-            </a:r>
-          </a:p>
-          <a:p>
-            <a:pPr>
-              <a:buFont typeface="Arial" charset="0"/>
-              <a:buChar char="•"/>
-            </a:pPr>
-            <a:r>
-              <a:rPr lang="en-AU" dirty="0" smtClean="0">
-                <a:latin typeface="CMU Serif Roman" charset="0"/>
-                <a:ea typeface="CMU Serif Roman" charset="0"/>
-                <a:cs typeface="CMU Serif Roman" charset="0"/>
-              </a:rPr>
-              <a:t> Pedersen, T. &amp; </a:t>
-            </a:r>
-            <a:r>
-              <a:rPr lang="en-AU" dirty="0" err="1" smtClean="0">
-                <a:latin typeface="CMU Serif Roman" charset="0"/>
-                <a:ea typeface="CMU Serif Roman" charset="0"/>
-                <a:cs typeface="CMU Serif Roman" charset="0"/>
-              </a:rPr>
-              <a:t>Benetsy</a:t>
-            </a:r>
-            <a:r>
-              <a:rPr lang="en-AU" dirty="0" smtClean="0">
-                <a:latin typeface="CMU Serif Roman" charset="0"/>
-                <a:ea typeface="CMU Serif Roman" charset="0"/>
-                <a:cs typeface="CMU Serif Roman" charset="0"/>
-              </a:rPr>
-              <a:t>, M. (2018). “Package ‘lime’“. </a:t>
-            </a:r>
-            <a:r>
-              <a:rPr lang="en-AU" dirty="0" err="1" smtClean="0">
-                <a:latin typeface="CMU Serif Roman" charset="0"/>
-                <a:ea typeface="CMU Serif Roman" charset="0"/>
-                <a:cs typeface="CMU Serif Roman" charset="0"/>
-              </a:rPr>
-              <a:t>Cran</a:t>
-            </a:r>
-            <a:r>
-              <a:rPr lang="en-AU" dirty="0" smtClean="0">
-                <a:latin typeface="CMU Serif Roman" charset="0"/>
-                <a:ea typeface="CMU Serif Roman" charset="0"/>
-                <a:cs typeface="CMU Serif Roman" charset="0"/>
-              </a:rPr>
-              <a:t> R.</a:t>
-            </a:r>
-          </a:p>
-          <a:p>
-            <a:pPr>
-              <a:buFont typeface="Arial" charset="0"/>
-              <a:buChar char="•"/>
-            </a:pPr>
-            <a:r>
-              <a:rPr lang="en-AU" dirty="0" smtClean="0">
-                <a:latin typeface="CMU Serif Roman" charset="0"/>
-                <a:ea typeface="CMU Serif Roman" charset="0"/>
-                <a:cs typeface="CMU Serif Roman" charset="0"/>
-              </a:rPr>
-              <a:t> Ribeiro, M. T., Singh, S., &amp; </a:t>
-            </a:r>
-            <a:r>
-              <a:rPr lang="en-AU" dirty="0" err="1" smtClean="0">
-                <a:latin typeface="CMU Serif Roman" charset="0"/>
-                <a:ea typeface="CMU Serif Roman" charset="0"/>
-                <a:cs typeface="CMU Serif Roman" charset="0"/>
-              </a:rPr>
-              <a:t>Guestrin</a:t>
-            </a:r>
-            <a:r>
-              <a:rPr lang="en-AU" dirty="0" smtClean="0">
-                <a:latin typeface="CMU Serif Roman" charset="0"/>
-                <a:ea typeface="CMU Serif Roman" charset="0"/>
-                <a:cs typeface="CMU Serif Roman" charset="0"/>
-              </a:rPr>
-              <a:t>, C. (2016) “Why should I trust you?: Explaining the predictions of any classifier.“. </a:t>
-            </a:r>
-            <a:r>
-              <a:rPr lang="en-AU" i="1" dirty="0" smtClean="0">
-                <a:latin typeface="CMU Serif Roman" charset="0"/>
-                <a:ea typeface="CMU Serif Roman" charset="0"/>
-                <a:cs typeface="CMU Serif Roman" charset="0"/>
-              </a:rPr>
-              <a:t>Proceedings of the 22nd ACM SIGKDD international conference on knowledge discovery and data mining,</a:t>
-            </a:r>
-            <a:r>
-              <a:rPr lang="en-AU" dirty="0" smtClean="0">
-                <a:latin typeface="CMU Serif Roman" charset="0"/>
-                <a:ea typeface="CMU Serif Roman" charset="0"/>
-                <a:cs typeface="CMU Serif Roman" charset="0"/>
-              </a:rPr>
-              <a:t> 1135-1144.</a:t>
-            </a:r>
-            <a:endParaRPr lang="en-AU" dirty="0">
-              <a:latin typeface="CMU Serif Roman" charset="0"/>
-              <a:ea typeface="CMU Serif Roman" charset="0"/>
-              <a:cs typeface="CMU Serif Roman" charset="0"/>
-            </a:endParaRPr>
-          </a:p>
-        </p:txBody>
-      </p:sp>
+      <mc:AlternateContent xmlns:mc="http://schemas.openxmlformats.org/markup-compatibility/2006">
+        <mc:Choice xmlns:a14="http://schemas.microsoft.com/office/drawing/2010/main" Requires="a14">
+          <p:sp>
+            <p:nvSpPr>
+              <p:cNvPr id="3" name="Inhaltsplatzhalter 2"/>
+              <p:cNvSpPr>
+                <a:spLocks noGrp="1"/>
+              </p:cNvSpPr>
+              <p:nvPr>
+                <p:ph idx="1"/>
+              </p:nvPr>
+            </p:nvSpPr>
+            <p:spPr/>
+            <p:txBody>
+              <a:bodyPr>
+                <a:normAutofit/>
+              </a:bodyPr>
+              <a:lstStyle/>
+              <a:p>
+                <a:r>
+                  <a:rPr lang="en-AU" dirty="0" smtClean="0">
+                    <a:latin typeface="CMU Serif Roman" charset="0"/>
+                    <a:ea typeface="CMU Serif Roman" charset="0"/>
+                    <a:cs typeface="CMU Serif Roman" charset="0"/>
+                  </a:rPr>
+                  <a:t>1. Select instance </a:t>
+                </a:r>
+                <a14:m>
+                  <m:oMath xmlns:m="http://schemas.openxmlformats.org/officeDocument/2006/math">
+                    <m:sSub>
+                      <m:sSubPr>
+                        <m:ctrlPr>
+                          <a:rPr lang="en-AU" b="0" i="1" smtClean="0">
+                            <a:latin typeface="Cambria Math" charset="0"/>
+                            <a:ea typeface="CMU Serif Roman" charset="0"/>
+                            <a:cs typeface="CMU Serif Roman" charset="0"/>
+                          </a:rPr>
+                        </m:ctrlPr>
+                      </m:sSubPr>
+                      <m:e>
+                        <m:r>
+                          <a:rPr lang="en-AU" b="0" i="1" smtClean="0">
+                            <a:latin typeface="Cambria Math" panose="02040503050406030204" pitchFamily="18" charset="0"/>
+                            <a:ea typeface="CMU Serif Roman" charset="0"/>
+                            <a:cs typeface="CMU Serif Roman" charset="0"/>
+                          </a:rPr>
+                          <m:t>𝑥</m:t>
+                        </m:r>
+                      </m:e>
+                      <m:sub>
+                        <m:r>
+                          <a:rPr lang="en-AU" b="0" i="1" smtClean="0">
+                            <a:latin typeface="Cambria Math" panose="02040503050406030204" pitchFamily="18" charset="0"/>
+                            <a:ea typeface="CMU Serif Roman" charset="0"/>
+                            <a:cs typeface="CMU Serif Roman" charset="0"/>
+                          </a:rPr>
+                          <m:t>𝑖</m:t>
+                        </m:r>
+                      </m:sub>
+                    </m:sSub>
+                    <m:r>
+                      <a:rPr lang="en-AU" b="0" i="1" smtClean="0">
+                        <a:latin typeface="Cambria Math" panose="02040503050406030204" pitchFamily="18" charset="0"/>
+                        <a:ea typeface="CMU Serif Roman" charset="0"/>
+                        <a:cs typeface="CMU Serif Roman" charset="0"/>
+                      </a:rPr>
+                      <m:t> </m:t>
+                    </m:r>
+                  </m:oMath>
+                </a14:m>
+                <a:r>
+                  <a:rPr lang="en-AU" dirty="0">
+                    <a:latin typeface="CMU Serif Roman" charset="0"/>
+                    <a:ea typeface="CMU Serif Roman" charset="0"/>
+                    <a:cs typeface="CMU Serif Roman" charset="0"/>
+                  </a:rPr>
+                  <a:t>out of the data </a:t>
+                </a:r>
+                <a14:m>
+                  <m:oMath xmlns:m="http://schemas.openxmlformats.org/officeDocument/2006/math">
+                    <m:r>
+                      <a:rPr lang="en-AU" b="0" i="1" smtClean="0">
+                        <a:latin typeface="Cambria Math" panose="02040503050406030204" pitchFamily="18" charset="0"/>
+                        <a:ea typeface="CMU Serif Roman" charset="0"/>
+                        <a:cs typeface="CMU Serif Roman" charset="0"/>
+                      </a:rPr>
+                      <m:t>𝑋</m:t>
+                    </m:r>
+                  </m:oMath>
+                </a14:m>
+                <a:r>
+                  <a:rPr lang="en-AU" dirty="0">
+                    <a:latin typeface="CMU Serif Roman" charset="0"/>
+                    <a:ea typeface="CMU Serif Roman" charset="0"/>
+                    <a:cs typeface="CMU Serif Roman" charset="0"/>
+                  </a:rPr>
+                  <a:t> for which we want an explanation for its prediction.</a:t>
+                </a:r>
+              </a:p>
+              <a:p>
+                <a:r>
+                  <a:rPr lang="en-AU" b="1" dirty="0">
+                    <a:latin typeface="CMU Serif Roman" charset="0"/>
+                    <a:ea typeface="CMU Serif Roman" charset="0"/>
+                    <a:cs typeface="CMU Serif Roman" charset="0"/>
+                  </a:rPr>
+                  <a:t>2. Perturb your dataset </a:t>
+                </a:r>
+                <a14:m>
+                  <m:oMath xmlns:m="http://schemas.openxmlformats.org/officeDocument/2006/math">
+                    <m:r>
+                      <a:rPr lang="en-AU" b="1" i="1">
+                        <a:latin typeface="Cambria Math" panose="02040503050406030204" pitchFamily="18" charset="0"/>
+                        <a:ea typeface="CMU Serif Roman" charset="0"/>
+                        <a:cs typeface="CMU Serif Roman" charset="0"/>
+                      </a:rPr>
+                      <m:t>𝑿</m:t>
+                    </m:r>
+                    <m:r>
+                      <a:rPr lang="en-AU" b="1" i="1">
+                        <a:latin typeface="Cambria Math" panose="02040503050406030204" pitchFamily="18" charset="0"/>
+                        <a:ea typeface="CMU Serif Roman" charset="0"/>
+                        <a:cs typeface="CMU Serif Roman" charset="0"/>
+                      </a:rPr>
+                      <m:t> </m:t>
+                    </m:r>
+                  </m:oMath>
+                </a14:m>
+                <a:r>
+                  <a:rPr lang="en-AU" b="1" dirty="0">
+                    <a:latin typeface="CMU Serif Roman" charset="0"/>
+                    <a:ea typeface="CMU Serif Roman" charset="0"/>
+                    <a:cs typeface="CMU Serif Roman" charset="0"/>
+                  </a:rPr>
+                  <a:t>and achieve a perturbed data set </a:t>
+                </a:r>
+                <a14:m>
+                  <m:oMath xmlns:m="http://schemas.openxmlformats.org/officeDocument/2006/math">
+                    <m:r>
+                      <a:rPr lang="en-AU" b="1" i="1" smtClean="0">
+                        <a:latin typeface="Cambria Math" panose="02040503050406030204" pitchFamily="18" charset="0"/>
+                        <a:ea typeface="CMU Serif Roman" charset="0"/>
+                        <a:cs typeface="CMU Serif Roman" charset="0"/>
+                      </a:rPr>
+                      <m:t>𝒁</m:t>
+                    </m:r>
+                  </m:oMath>
+                </a14:m>
+                <a:r>
+                  <a:rPr lang="en-AU" b="1" dirty="0">
+                    <a:latin typeface="CMU Serif Roman" charset="0"/>
+                    <a:ea typeface="CMU Serif Roman" charset="0"/>
+                    <a:cs typeface="CMU Serif Roman" charset="0"/>
+                  </a:rPr>
+                  <a:t>. </a:t>
+                </a:r>
+              </a:p>
+              <a:p>
+                <a:r>
+                  <a:rPr lang="en-AU" dirty="0">
+                    <a:latin typeface="CMU Serif Roman" charset="0"/>
+                    <a:ea typeface="CMU Serif Roman" charset="0"/>
+                    <a:cs typeface="CMU Serif Roman" charset="0"/>
+                  </a:rPr>
+                  <a:t>3. Retrieve the black box model predictions for </a:t>
+                </a:r>
+                <a14:m>
+                  <m:oMath xmlns:m="http://schemas.openxmlformats.org/officeDocument/2006/math">
+                    <m:r>
+                      <a:rPr lang="en-AU" b="0" i="1" smtClean="0">
+                        <a:latin typeface="Cambria Math" panose="02040503050406030204" pitchFamily="18" charset="0"/>
+                        <a:ea typeface="CMU Serif Roman" charset="0"/>
+                        <a:cs typeface="CMU Serif Roman" charset="0"/>
+                      </a:rPr>
+                      <m:t>𝑍</m:t>
+                    </m:r>
+                  </m:oMath>
+                </a14:m>
+                <a:r>
+                  <a:rPr lang="en-AU" dirty="0">
+                    <a:latin typeface="CMU Serif Roman" charset="0"/>
+                    <a:ea typeface="CMU Serif Roman" charset="0"/>
+                    <a:cs typeface="CMU Serif Roman" charset="0"/>
+                  </a:rPr>
+                  <a:t>.</a:t>
+                </a:r>
+              </a:p>
+              <a:p>
+                <a:r>
+                  <a:rPr lang="en-AU" b="1" dirty="0">
+                    <a:latin typeface="CMU Serif Roman" charset="0"/>
+                    <a:ea typeface="CMU Serif Roman" charset="0"/>
+                    <a:cs typeface="CMU Serif Roman" charset="0"/>
+                  </a:rPr>
+                  <a:t>4. Weight </a:t>
+                </a:r>
+                <a14:m>
+                  <m:oMath xmlns:m="http://schemas.openxmlformats.org/officeDocument/2006/math">
+                    <m:r>
+                      <a:rPr lang="en-AU" b="1" i="1">
+                        <a:latin typeface="Cambria Math" panose="02040503050406030204" pitchFamily="18" charset="0"/>
+                        <a:ea typeface="CMU Serif Roman" charset="0"/>
+                        <a:cs typeface="CMU Serif Roman" charset="0"/>
+                      </a:rPr>
+                      <m:t>𝒁</m:t>
+                    </m:r>
+                  </m:oMath>
+                </a14:m>
+                <a:r>
+                  <a:rPr lang="en-AU" b="1" dirty="0">
+                    <a:latin typeface="CMU Serif Roman" charset="0"/>
+                    <a:ea typeface="CMU Serif Roman" charset="0"/>
+                    <a:cs typeface="CMU Serif Roman" charset="0"/>
+                  </a:rPr>
+                  <a:t> </a:t>
+                </a:r>
+                <a:r>
+                  <a:rPr lang="en-AU" b="1" dirty="0" err="1">
+                    <a:latin typeface="CMU Serif Roman" charset="0"/>
+                    <a:ea typeface="CMU Serif Roman" charset="0"/>
+                    <a:cs typeface="CMU Serif Roman" charset="0"/>
+                  </a:rPr>
+                  <a:t>w.r.t</a:t>
+                </a:r>
+                <a:r>
+                  <a:rPr lang="en-AU" b="1" dirty="0">
+                    <a:latin typeface="CMU Serif Roman" charset="0"/>
+                    <a:ea typeface="CMU Serif Roman" charset="0"/>
+                    <a:cs typeface="CMU Serif Roman" charset="0"/>
+                  </a:rPr>
+                  <a:t>. the proximity/neighbourhood to </a:t>
+                </a:r>
+                <a14:m>
+                  <m:oMath xmlns:m="http://schemas.openxmlformats.org/officeDocument/2006/math">
+                    <m:sSub>
+                      <m:sSubPr>
+                        <m:ctrlPr>
+                          <a:rPr lang="en-AU" b="1" i="1">
+                            <a:latin typeface="Cambria Math" charset="0"/>
+                            <a:ea typeface="CMU Serif Roman" charset="0"/>
+                            <a:cs typeface="CMU Serif Roman" charset="0"/>
+                          </a:rPr>
+                        </m:ctrlPr>
+                      </m:sSubPr>
+                      <m:e>
+                        <m:r>
+                          <a:rPr lang="en-AU" b="1" i="1">
+                            <a:latin typeface="Cambria Math" panose="02040503050406030204" pitchFamily="18" charset="0"/>
+                            <a:ea typeface="CMU Serif Roman" charset="0"/>
+                            <a:cs typeface="CMU Serif Roman" charset="0"/>
+                          </a:rPr>
+                          <m:t>𝒙</m:t>
+                        </m:r>
+                      </m:e>
+                      <m:sub>
+                        <m:r>
+                          <a:rPr lang="en-AU" b="1" i="1">
+                            <a:latin typeface="Cambria Math" panose="02040503050406030204" pitchFamily="18" charset="0"/>
+                            <a:ea typeface="CMU Serif Roman" charset="0"/>
+                            <a:cs typeface="CMU Serif Roman" charset="0"/>
+                          </a:rPr>
+                          <m:t>𝒊</m:t>
+                        </m:r>
+                      </m:sub>
+                    </m:sSub>
+                  </m:oMath>
+                </a14:m>
+                <a:r>
+                  <a:rPr lang="en-AU" b="1" dirty="0">
+                    <a:latin typeface="CMU Serif Roman" charset="0"/>
+                    <a:ea typeface="CMU Serif Roman" charset="0"/>
+                    <a:cs typeface="CMU Serif Roman" charset="0"/>
+                  </a:rPr>
+                  <a:t>.</a:t>
+                </a:r>
+              </a:p>
+              <a:p>
+                <a:r>
+                  <a:rPr lang="en-AU" dirty="0">
+                    <a:latin typeface="CMU Serif Roman" charset="0"/>
+                    <a:ea typeface="CMU Serif Roman" charset="0"/>
+                    <a:cs typeface="CMU Serif Roman" charset="0"/>
+                  </a:rPr>
+                  <a:t>5. Train an explainable weighted model </a:t>
+                </a:r>
+                <a14:m>
+                  <m:oMath xmlns:m="http://schemas.openxmlformats.org/officeDocument/2006/math">
+                    <m:r>
+                      <a:rPr lang="en-AU" b="0" i="1" smtClean="0">
+                        <a:latin typeface="Cambria Math" panose="02040503050406030204" pitchFamily="18" charset="0"/>
+                        <a:ea typeface="CMU Serif Roman" charset="0"/>
+                        <a:cs typeface="CMU Serif Roman" charset="0"/>
+                      </a:rPr>
+                      <m:t>𝑔</m:t>
+                    </m:r>
+                  </m:oMath>
+                </a14:m>
+                <a:r>
+                  <a:rPr lang="en-AU" dirty="0">
+                    <a:latin typeface="CMU Serif Roman" charset="0"/>
+                    <a:ea typeface="CMU Serif Roman" charset="0"/>
+                    <a:cs typeface="CMU Serif Roman" charset="0"/>
+                  </a:rPr>
+                  <a:t> on </a:t>
+                </a:r>
+                <a14:m>
+                  <m:oMath xmlns:m="http://schemas.openxmlformats.org/officeDocument/2006/math">
+                    <m:r>
+                      <a:rPr lang="en-AU" b="0" i="1" smtClean="0">
+                        <a:latin typeface="Cambria Math" panose="02040503050406030204" pitchFamily="18" charset="0"/>
+                        <a:ea typeface="CMU Serif Roman" charset="0"/>
+                        <a:cs typeface="CMU Serif Roman" charset="0"/>
+                      </a:rPr>
+                      <m:t>𝑍</m:t>
+                    </m:r>
+                  </m:oMath>
+                </a14:m>
+                <a:r>
+                  <a:rPr lang="en-AU" dirty="0">
+                    <a:latin typeface="CMU Serif Roman" charset="0"/>
+                    <a:ea typeface="CMU Serif Roman" charset="0"/>
+                    <a:cs typeface="CMU Serif Roman" charset="0"/>
+                  </a:rPr>
+                  <a:t> and the associated predictions.</a:t>
+                </a:r>
+              </a:p>
+              <a:p>
+                <a:r>
+                  <a:rPr lang="en-AU" dirty="0">
+                    <a:latin typeface="CMU Serif Roman" charset="0"/>
+                    <a:ea typeface="CMU Serif Roman" charset="0"/>
+                    <a:cs typeface="CMU Serif Roman" charset="0"/>
+                  </a:rPr>
+                  <a:t>Return: An explanation </a:t>
+                </a:r>
+                <a:r>
+                  <a:rPr lang="en-AU" dirty="0" smtClean="0">
+                    <a:latin typeface="CMU Serif Roman" charset="0"/>
+                    <a:ea typeface="CMU Serif Roman" charset="0"/>
+                    <a:cs typeface="CMU Serif Roman" charset="0"/>
+                  </a:rPr>
+                  <a:t>for </a:t>
+                </a:r>
+                <a14:m>
+                  <m:oMath xmlns:m="http://schemas.openxmlformats.org/officeDocument/2006/math">
+                    <m:sSub>
+                      <m:sSubPr>
+                        <m:ctrlPr>
+                          <a:rPr lang="en-AU" i="1">
+                            <a:latin typeface="Cambria Math" charset="0"/>
+                            <a:ea typeface="CMU Serif Roman" charset="0"/>
+                            <a:cs typeface="CMU Serif Roman" charset="0"/>
+                          </a:rPr>
+                        </m:ctrlPr>
+                      </m:sSubPr>
+                      <m:e>
+                        <m:r>
+                          <a:rPr lang="en-AU" i="1">
+                            <a:latin typeface="Cambria Math" panose="02040503050406030204" pitchFamily="18" charset="0"/>
+                            <a:ea typeface="CMU Serif Roman" charset="0"/>
+                            <a:cs typeface="CMU Serif Roman" charset="0"/>
+                          </a:rPr>
+                          <m:t>𝑥</m:t>
+                        </m:r>
+                      </m:e>
+                      <m:sub>
+                        <m:r>
+                          <a:rPr lang="en-AU" i="1">
+                            <a:latin typeface="Cambria Math" panose="02040503050406030204" pitchFamily="18" charset="0"/>
+                            <a:ea typeface="CMU Serif Roman" charset="0"/>
+                            <a:cs typeface="CMU Serif Roman" charset="0"/>
+                          </a:rPr>
+                          <m:t>𝑖</m:t>
+                        </m:r>
+                      </m:sub>
+                    </m:sSub>
+                  </m:oMath>
+                </a14:m>
+                <a:r>
+                  <a:rPr lang="en-AU" dirty="0" smtClean="0">
+                    <a:latin typeface="CMU Serif Roman" charset="0"/>
+                    <a:ea typeface="CMU Serif Roman" charset="0"/>
+                    <a:cs typeface="CMU Serif Roman" charset="0"/>
+                  </a:rPr>
+                  <a:t>.</a:t>
+                </a:r>
+                <a:endParaRPr lang="en-AU" dirty="0">
+                  <a:latin typeface="CMU Serif Roman" charset="0"/>
+                  <a:ea typeface="CMU Serif Roman" charset="0"/>
+                  <a:cs typeface="CMU Serif Roman" charset="0"/>
+                </a:endParaRPr>
+              </a:p>
+            </p:txBody>
+          </p:sp>
+        </mc:Choice>
+        <mc:Fallback>
+          <p:sp>
+            <p:nvSpPr>
+              <p:cNvPr id="3" name="Inhaltsplatzhalter 2"/>
+              <p:cNvSpPr>
+                <a:spLocks noGrp="1" noRot="1" noChangeAspect="1" noMove="1" noResize="1" noEditPoints="1" noAdjustHandles="1" noChangeArrowheads="1" noChangeShapeType="1" noTextEdit="1"/>
+              </p:cNvSpPr>
+              <p:nvPr>
+                <p:ph idx="1"/>
+              </p:nvPr>
+            </p:nvSpPr>
+            <p:spPr>
+              <a:blipFill rotWithShape="0">
+                <a:blip r:embed="rId3"/>
+                <a:stretch>
+                  <a:fillRect l="-808" t="-10909" r="-2019"/>
+                </a:stretch>
+              </a:blipFill>
+            </p:spPr>
+            <p:txBody>
+              <a:bodyPr/>
+              <a:lstStyle/>
+              <a:p>
+                <a:r>
+                  <a:rPr lang="de-DE">
+                    <a:noFill/>
+                  </a:rPr>
+                  <a:t> </a:t>
+                </a:r>
+              </a:p>
+            </p:txBody>
+          </p:sp>
+        </mc:Fallback>
+      </mc:AlternateContent>
       <p:sp>
         <p:nvSpPr>
           <p:cNvPr id="4" name="Datumsplatzhalter 3"/>
@@ -17956,12 +16890,12 @@
           <a:lstStyle/>
           <a:p>
             <a:r>
-              <a:rPr lang="en-AU" dirty="0" smtClean="0">
-                <a:latin typeface="CMU Serif Roman" charset="0"/>
-                <a:ea typeface="CMU Serif Roman" charset="0"/>
-                <a:cs typeface="CMU Serif Roman" charset="0"/>
-              </a:rPr>
-              <a:t>22.05.19</a:t>
+              <a:rPr lang="de-DE" smtClean="0">
+                <a:latin typeface="CMU Serif Roman" charset="0"/>
+                <a:ea typeface="CMU Serif Roman" charset="0"/>
+                <a:cs typeface="CMU Serif Roman" charset="0"/>
+              </a:rPr>
+              <a:t>12.07.2019</a:t>
             </a:r>
             <a:endParaRPr lang="en-AU" dirty="0">
               <a:latin typeface="CMU Serif Roman" charset="0"/>
@@ -18033,10 +16967,70 @@
           </a:p>
         </p:txBody>
       </p:sp>
+      <p:sp>
+        <p:nvSpPr>
+          <p:cNvPr id="8" name="Titel 1"/>
+          <p:cNvSpPr txBox="1">
+            <a:spLocks/>
+          </p:cNvSpPr>
+          <p:nvPr/>
+        </p:nvSpPr>
+        <p:spPr>
+          <a:xfrm>
+            <a:off x="822960" y="285479"/>
+            <a:ext cx="7543800" cy="1450757"/>
+          </a:xfrm>
+          <a:prstGeom prst="rect">
+            <a:avLst/>
+          </a:prstGeom>
+        </p:spPr>
+        <p:txBody>
+          <a:bodyPr vert="horz" lIns="91440" tIns="45720" rIns="91440" bIns="45720" rtlCol="0" anchor="b">
+            <a:normAutofit/>
+          </a:bodyPr>
+          <a:lstStyle>
+            <a:lvl1pPr algn="l" defTabSz="914400" rtl="0" eaLnBrk="1" latinLnBrk="0" hangingPunct="1">
+              <a:lnSpc>
+                <a:spcPct val="85000"/>
+              </a:lnSpc>
+              <a:spcBef>
+                <a:spcPct val="0"/>
+              </a:spcBef>
+              <a:buNone/>
+              <a:defRPr sz="4800" kern="1200" spc="-50" baseline="0">
+                <a:solidFill>
+                  <a:schemeClr val="tx1">
+                    <a:lumMod val="75000"/>
+                    <a:lumOff val="25000"/>
+                  </a:schemeClr>
+                </a:solidFill>
+                <a:latin typeface="+mj-lt"/>
+                <a:ea typeface="+mj-ea"/>
+                <a:cs typeface="+mj-cs"/>
+              </a:defRPr>
+            </a:lvl1pPr>
+          </a:lstStyle>
+          <a:p>
+            <a:r>
+              <a:rPr lang="en-AU" dirty="0" smtClean="0">
+                <a:latin typeface="CMU Serif Roman" charset="0"/>
+                <a:ea typeface="CMU Serif Roman" charset="0"/>
+                <a:cs typeface="CMU Serif Roman" charset="0"/>
+              </a:rPr>
+              <a:t>Algorithm for a single LIME explanation</a:t>
+            </a:r>
+            <a:endParaRPr lang="en-AU" dirty="0">
+              <a:latin typeface="CMU Serif Roman" charset="0"/>
+              <a:ea typeface="CMU Serif Roman" charset="0"/>
+              <a:cs typeface="CMU Serif Roman" charset="0"/>
+            </a:endParaRPr>
+          </a:p>
+        </p:txBody>
+      </p:sp>
     </p:spTree>
     <p:extLst>
       <p:ext uri="{BB962C8B-B14F-4D97-AF65-F5344CB8AC3E}">
-        <p14:creationId xmlns:p14="http://schemas.microsoft.com/office/powerpoint/2010/main" val="1921157417"/>
+        <p14:creationId xmlns:p14="http://schemas.microsoft.com/office/powerpoint/2010/main" val="246032518"/>
       </p:ext>
     </p:extLst>
   </p:cSld>
@@ -18623,12 +17617,12 @@
           <a:lstStyle/>
           <a:p>
             <a:r>
-              <a:rPr lang="en-AU" dirty="0" smtClean="0">
-                <a:latin typeface="CMU Serif Roman" charset="0"/>
-                <a:ea typeface="CMU Serif Roman" charset="0"/>
-                <a:cs typeface="CMU Serif Roman" charset="0"/>
-              </a:rPr>
-              <a:t>22.05.19</a:t>
+              <a:rPr lang="de-DE" smtClean="0">
+                <a:latin typeface="CMU Serif Roman" charset="0"/>
+                <a:ea typeface="CMU Serif Roman" charset="0"/>
+                <a:cs typeface="CMU Serif Roman" charset="0"/>
+              </a:rPr>
+              <a:t>12.07.2019</a:t>
             </a:r>
             <a:endParaRPr lang="en-AU" dirty="0">
               <a:latin typeface="CMU Serif Roman" charset="0"/>
@@ -18739,7 +17733,7 @@
       </p:grpSpPr>
       <p:sp>
         <p:nvSpPr>
-          <p:cNvPr id="7" name="Titel 6"/>
+          <p:cNvPr id="2" name="Titel 1"/>
           <p:cNvSpPr>
             <a:spLocks noGrp="1"/>
           </p:cNvSpPr>
@@ -18749,7 +17743,9 @@
         </p:nvSpPr>
         <p:spPr/>
         <p:txBody>
-          <a:bodyPr/>
+          <a:bodyPr>
+            <a:normAutofit fontScale="90000"/>
+          </a:bodyPr>
           <a:lstStyle/>
           <a:p>
             <a:r>
@@ -18758,7 +17754,23 @@
                 <a:ea typeface="CMU Serif Roman" charset="0"/>
                 <a:cs typeface="CMU Serif Roman" charset="0"/>
               </a:rPr>
-              <a:t>Backup</a:t>
+              <a:t>Simulation: LIME manages to recover </a:t>
+            </a:r>
+            <a:r>
+              <a:rPr lang="en-AU" i="1" dirty="0" smtClean="0">
+                <a:latin typeface="CMU Serif Roman" charset="0"/>
+                <a:ea typeface="CMU Serif Roman" charset="0"/>
+                <a:cs typeface="CMU Serif Roman" charset="0"/>
+              </a:rPr>
+              <a:t>local </a:t>
+            </a:r>
+            <a:r>
+              <a:rPr lang="en-AU" dirty="0" smtClean="0">
+                <a:latin typeface="CMU Serif Roman" charset="0"/>
+                <a:ea typeface="CMU Serif Roman" charset="0"/>
+                <a:cs typeface="CMU Serif Roman" charset="0"/>
+              </a:rPr>
+              <a:t>linear model.</a:t>
             </a:r>
             <a:endParaRPr lang="en-AU" dirty="0">
               <a:latin typeface="CMU Serif Roman" charset="0"/>
@@ -18770,29 +17782,6 @@
       </p:sp>
       <p:sp>
         <p:nvSpPr>
-          <p:cNvPr id="8" name="Textplatzhalter 7"/>
-          <p:cNvSpPr>
-            <a:spLocks noGrp="1"/>
-          </p:cNvSpPr>
-          <p:nvPr>
-            <p:ph type="body" idx="1"/>
-          </p:nvPr>
-        </p:nvSpPr>
-        <p:spPr/>
-        <p:txBody>
-          <a:bodyPr/>
-          <a:lstStyle/>
-          <a:p>
-            <a:endParaRPr lang="en-AU">
-              <a:latin typeface="CMU Serif Roman" charset="0"/>
-              <a:ea typeface="CMU Serif Roman" charset="0"/>
-              <a:cs typeface="CMU Serif Roman" charset="0"/>
-            </a:endParaRPr>
-          </a:p>
-        </p:txBody>
-      </p:sp>
-      <p:sp>
-        <p:nvSpPr>
           <p:cNvPr id="4" name="Datumsplatzhalter 3"/>
           <p:cNvSpPr>
             <a:spLocks noGrp="1"/>
@@ -18812,137 +17801,7 @@
                 <a:ea typeface="CMU Serif Roman" charset="0"/>
                 <a:cs typeface="CMU Serif Roman" charset="0"/>
               </a:rPr>
-              <a:t>22.05.19</a:t>
-            </a:r>
-            <a:endParaRPr lang="de-DE">
-              <a:latin typeface="CMU Serif Roman" charset="0"/>
-              <a:ea typeface="CMU Serif Roman" charset="0"/>
-              <a:cs typeface="CMU Serif Roman" charset="0"/>
-            </a:endParaRPr>
-          </a:p>
-        </p:txBody>
-      </p:sp>
-      <p:sp>
-        <p:nvSpPr>
-          <p:cNvPr id="5" name="Fußzeilenplatzhalter 4"/>
-          <p:cNvSpPr>
-            <a:spLocks noGrp="1"/>
-          </p:cNvSpPr>
-          <p:nvPr>
-            <p:ph type="ftr" sz="quarter" idx="11"/>
-          </p:nvPr>
-        </p:nvSpPr>
-        <p:spPr/>
-        <p:txBody>
-          <a:bodyPr/>
-          <a:lstStyle/>
-          <a:p>
-            <a:r>
-              <a:rPr lang="de-DE" smtClean="0">
-                <a:latin typeface="CMU Serif Roman" charset="0"/>
-                <a:ea typeface="CMU Serif Roman" charset="0"/>
-                <a:cs typeface="CMU Serif Roman" charset="0"/>
-              </a:rPr>
-              <a:t>Interpretable Machine Learning</a:t>
-            </a:r>
-            <a:endParaRPr lang="de-DE">
-              <a:latin typeface="CMU Serif Roman" charset="0"/>
-              <a:ea typeface="CMU Serif Roman" charset="0"/>
-              <a:cs typeface="CMU Serif Roman" charset="0"/>
-            </a:endParaRPr>
-          </a:p>
-        </p:txBody>
-      </p:sp>
-      <p:sp>
-        <p:nvSpPr>
-          <p:cNvPr id="6" name="Foliennummernplatzhalter 5"/>
-          <p:cNvSpPr>
-            <a:spLocks noGrp="1"/>
-          </p:cNvSpPr>
-          <p:nvPr>
-            <p:ph type="sldNum" sz="quarter" idx="12"/>
-          </p:nvPr>
-        </p:nvSpPr>
-        <p:spPr/>
-        <p:txBody>
-          <a:bodyPr/>
-          <a:lstStyle/>
-          <a:p>
-            <a:fld id="{0FD15DEB-6CC9-F641-94EB-91A016C2CB29}" type="slidenum">
-              <a:rPr lang="de-DE" smtClean="0">
-                <a:latin typeface="CMU Serif Roman" charset="0"/>
-                <a:ea typeface="CMU Serif Roman" charset="0"/>
-                <a:cs typeface="CMU Serif Roman" charset="0"/>
-              </a:rPr>
-              <a:t>29</a:t>
-            </a:fld>
-            <a:endParaRPr lang="de-DE">
-              <a:latin typeface="CMU Serif Roman" charset="0"/>
-              <a:ea typeface="CMU Serif Roman" charset="0"/>
-              <a:cs typeface="CMU Serif Roman" charset="0"/>
-            </a:endParaRPr>
-          </a:p>
-        </p:txBody>
-      </p:sp>
-    </p:spTree>
-    <p:extLst>
-      <p:ext uri="{BB962C8B-B14F-4D97-AF65-F5344CB8AC3E}">
-        <p14:creationId xmlns:p14="http://schemas.microsoft.com/office/powerpoint/2010/main" val="1933534688"/>
-      </p:ext>
-    </p:extLst>
-  </p:cSld>
-  <p:clrMapOvr>
-    <a:masterClrMapping/>
-  </p:clrMapOvr>
-  <p:timing>
-    <p:tnLst>
-      <p:par>
-        <p:cTn id="1" dur="indefinite" restart="never" nodeType="tmRoot"/>
-      </p:par>
-    </p:tnLst>
-  </p:timing>
-</p:sld>
-</file>
-
-<file path=ppt/slides/slide31.xml><?xml version="1.0" encoding="utf-8"?>
-<p:sld xmlns:a="http://schemas.openxmlformats.org/drawingml/2006/main" xmlns:r="http://schemas.openxmlformats.org/officeDocument/2006/relationships" xmlns:p="http://schemas.openxmlformats.org/presentationml/2006/main">
-  <p:cSld>
-    <p:spTree>
-      <p:nvGrpSpPr>
-        <p:cNvPr id="1" name=""/>
-        <p:cNvGrpSpPr/>
-        <p:nvPr/>
-      </p:nvGrpSpPr>
-      <p:grpSpPr>
-        <a:xfrm>
-          <a:off x="0" y="0"/>
-          <a:ext cx="0" cy="0"/>
-          <a:chOff x="0" y="0"/>
-          <a:chExt cx="0" cy="0"/>
-        </a:xfrm>
-      </p:grpSpPr>
-      <p:sp>
-        <p:nvSpPr>
-          <p:cNvPr id="4" name="Datumsplatzhalter 3"/>
-          <p:cNvSpPr>
-            <a:spLocks noGrp="1"/>
-          </p:cNvSpPr>
-          <p:nvPr>
-            <p:ph type="dt" sz="half" idx="10"/>
-          </p:nvPr>
-        </p:nvSpPr>
-        <p:spPr/>
-        <p:txBody>
-          <a:bodyPr/>
-          <a:lstStyle/>
-          <a:p>
-            <a:r>
-              <a:rPr lang="en-AU" dirty="0" smtClean="0">
-                <a:latin typeface="CMU Serif Roman" charset="0"/>
-                <a:ea typeface="CMU Serif Roman" charset="0"/>
-                <a:cs typeface="CMU Serif Roman" charset="0"/>
-              </a:rPr>
-              <a:t>22.05.19</a:t>
+              <a:t>12.07.2019</a:t>
             </a:r>
             <a:endParaRPr lang="en-AU" dirty="0">
               <a:latin typeface="CMU Serif Roman" charset="0"/>
@@ -19004,894 +17863,7 @@
                 <a:ea typeface="CMU Serif Roman" charset="0"/>
                 <a:cs typeface="CMU Serif Roman" charset="0"/>
               </a:rPr>
-              <a:t>30</a:t>
-            </a:fld>
-            <a:endParaRPr lang="en-AU" dirty="0">
-              <a:latin typeface="CMU Serif Roman" charset="0"/>
-              <a:ea typeface="CMU Serif Roman" charset="0"/>
-              <a:cs typeface="CMU Serif Roman" charset="0"/>
-            </a:endParaRPr>
-          </a:p>
-        </p:txBody>
-      </p:sp>
-      <p:sp>
-        <p:nvSpPr>
-          <p:cNvPr id="8" name="Titel 1"/>
-          <p:cNvSpPr txBox="1">
-            <a:spLocks/>
-          </p:cNvSpPr>
-          <p:nvPr/>
-        </p:nvSpPr>
-        <p:spPr>
-          <a:xfrm>
-            <a:off x="822960" y="285479"/>
-            <a:ext cx="7543800" cy="1450757"/>
-          </a:xfrm>
-          <a:prstGeom prst="rect">
-            <a:avLst/>
-          </a:prstGeom>
-        </p:spPr>
-        <p:txBody>
-          <a:bodyPr vert="horz" lIns="91440" tIns="45720" rIns="91440" bIns="45720" rtlCol="0" anchor="b">
-            <a:normAutofit/>
-          </a:bodyPr>
-          <a:lstStyle>
-            <a:lvl1pPr algn="l" defTabSz="914400" rtl="0" eaLnBrk="1" latinLnBrk="0" hangingPunct="1">
-              <a:lnSpc>
-                <a:spcPct val="85000"/>
-              </a:lnSpc>
-              <a:spcBef>
-                <a:spcPct val="0"/>
-              </a:spcBef>
-              <a:buNone/>
-              <a:defRPr sz="4800" kern="1200" spc="-50" baseline="0">
-                <a:solidFill>
-                  <a:schemeClr val="tx1">
-                    <a:lumMod val="75000"/>
-                    <a:lumOff val="25000"/>
-                  </a:schemeClr>
-                </a:solidFill>
-                <a:latin typeface="+mj-lt"/>
-                <a:ea typeface="+mj-ea"/>
-                <a:cs typeface="+mj-cs"/>
-              </a:defRPr>
-            </a:lvl1pPr>
-          </a:lstStyle>
-          <a:p>
-            <a:r>
-              <a:rPr lang="en-AU" dirty="0" smtClean="0">
-                <a:latin typeface="CMU Serif Roman" charset="0"/>
-                <a:ea typeface="CMU Serif Roman" charset="0"/>
-                <a:cs typeface="CMU Serif Roman" charset="0"/>
-              </a:rPr>
-              <a:t>Algorithm for a single LIME explanation</a:t>
-            </a:r>
-            <a:endParaRPr lang="en-AU" dirty="0">
-              <a:latin typeface="CMU Serif Roman" charset="0"/>
-              <a:ea typeface="CMU Serif Roman" charset="0"/>
-              <a:cs typeface="CMU Serif Roman" charset="0"/>
-            </a:endParaRPr>
-          </a:p>
-        </p:txBody>
-      </p:sp>
-      <p:pic>
-        <p:nvPicPr>
-          <p:cNvPr id="7" name="Inhaltsplatzhalter 6"/>
-          <p:cNvPicPr>
-            <a:picLocks noGrp="1" noChangeAspect="1"/>
-          </p:cNvPicPr>
-          <p:nvPr>
-            <p:ph idx="1"/>
-          </p:nvPr>
-        </p:nvPicPr>
-        <p:blipFill>
-          <a:blip r:embed="rId3">
-            <a:extLst>
-              <a:ext uri="{28A0092B-C50C-407E-A947-70E740481C1C}">
-                <a14:useLocalDpi xmlns:a14="http://schemas.microsoft.com/office/drawing/2010/main" val="0"/>
-              </a:ext>
-            </a:extLst>
-          </a:blip>
-          <a:stretch>
-            <a:fillRect/>
-          </a:stretch>
-        </p:blipFill>
-        <p:spPr>
-          <a:xfrm>
-            <a:off x="2222335" y="1846263"/>
-            <a:ext cx="4743779" cy="4022725"/>
-          </a:xfrm>
-        </p:spPr>
-      </p:pic>
-    </p:spTree>
-    <p:extLst>
-      <p:ext uri="{BB962C8B-B14F-4D97-AF65-F5344CB8AC3E}">
-        <p14:creationId xmlns:p14="http://schemas.microsoft.com/office/powerpoint/2010/main" val="1504259969"/>
-      </p:ext>
-    </p:extLst>
-  </p:cSld>
-  <p:clrMapOvr>
-    <a:masterClrMapping/>
-  </p:clrMapOvr>
-  <p:timing>
-    <p:tnLst>
-      <p:par>
-        <p:cTn id="1" dur="indefinite" restart="never" nodeType="tmRoot"/>
-      </p:par>
-    </p:tnLst>
-  </p:timing>
-</p:sld>
-</file>
-
-<file path=ppt/slides/slide32.xml><?xml version="1.0" encoding="utf-8"?>
-<p:sld xmlns:a="http://schemas.openxmlformats.org/drawingml/2006/main" xmlns:r="http://schemas.openxmlformats.org/officeDocument/2006/relationships" xmlns:p="http://schemas.openxmlformats.org/presentationml/2006/main">
-  <p:cSld>
-    <p:spTree>
-      <p:nvGrpSpPr>
-        <p:cNvPr id="1" name=""/>
-        <p:cNvGrpSpPr/>
-        <p:nvPr/>
-      </p:nvGrpSpPr>
-      <p:grpSpPr>
-        <a:xfrm>
-          <a:off x="0" y="0"/>
-          <a:ext cx="0" cy="0"/>
-          <a:chOff x="0" y="0"/>
-          <a:chExt cx="0" cy="0"/>
-        </a:xfrm>
-      </p:grpSpPr>
-      <mc:AlternateContent xmlns:mc="http://schemas.openxmlformats.org/markup-compatibility/2006">
-        <mc:Choice xmlns:a14="http://schemas.microsoft.com/office/drawing/2010/main" Requires="a14">
-          <p:sp>
-            <p:nvSpPr>
-              <p:cNvPr id="3" name="Inhaltsplatzhalter 2"/>
-              <p:cNvSpPr>
-                <a:spLocks noGrp="1"/>
-              </p:cNvSpPr>
-              <p:nvPr>
-                <p:ph idx="1"/>
-              </p:nvPr>
-            </p:nvSpPr>
-            <p:spPr/>
-            <p:txBody>
-              <a:bodyPr>
-                <a:normAutofit/>
-              </a:bodyPr>
-              <a:lstStyle/>
-              <a:p>
-                <a:r>
-                  <a:rPr lang="en-AU" dirty="0" smtClean="0">
-                    <a:latin typeface="CMU Serif Roman" charset="0"/>
-                    <a:ea typeface="CMU Serif Roman" charset="0"/>
-                    <a:cs typeface="CMU Serif Roman" charset="0"/>
-                  </a:rPr>
-                  <a:t>1. Select instance </a:t>
-                </a:r>
-                <a14:m>
-                  <m:oMath xmlns:m="http://schemas.openxmlformats.org/officeDocument/2006/math">
-                    <m:sSub>
-                      <m:sSubPr>
-                        <m:ctrlPr>
-                          <a:rPr lang="en-AU" b="0" i="1" smtClean="0">
-                            <a:latin typeface="Cambria Math" charset="0"/>
-                            <a:ea typeface="CMU Serif Roman" charset="0"/>
-                            <a:cs typeface="CMU Serif Roman" charset="0"/>
-                          </a:rPr>
-                        </m:ctrlPr>
-                      </m:sSubPr>
-                      <m:e>
-                        <m:r>
-                          <a:rPr lang="en-AU" b="0" i="1" smtClean="0">
-                            <a:latin typeface="Cambria Math" panose="02040503050406030204" pitchFamily="18" charset="0"/>
-                            <a:ea typeface="CMU Serif Roman" charset="0"/>
-                            <a:cs typeface="CMU Serif Roman" charset="0"/>
-                          </a:rPr>
-                          <m:t>𝑥</m:t>
-                        </m:r>
-                      </m:e>
-                      <m:sub>
-                        <m:r>
-                          <a:rPr lang="en-AU" b="0" i="1" smtClean="0">
-                            <a:latin typeface="Cambria Math" panose="02040503050406030204" pitchFamily="18" charset="0"/>
-                            <a:ea typeface="CMU Serif Roman" charset="0"/>
-                            <a:cs typeface="CMU Serif Roman" charset="0"/>
-                          </a:rPr>
-                          <m:t>𝑖</m:t>
-                        </m:r>
-                      </m:sub>
-                    </m:sSub>
-                    <m:r>
-                      <a:rPr lang="en-AU" b="0" i="1" smtClean="0">
-                        <a:latin typeface="Cambria Math" panose="02040503050406030204" pitchFamily="18" charset="0"/>
-                        <a:ea typeface="CMU Serif Roman" charset="0"/>
-                        <a:cs typeface="CMU Serif Roman" charset="0"/>
-                      </a:rPr>
-                      <m:t> </m:t>
-                    </m:r>
-                  </m:oMath>
-                </a14:m>
-                <a:r>
-                  <a:rPr lang="en-AU" dirty="0">
-                    <a:latin typeface="CMU Serif Roman" charset="0"/>
-                    <a:ea typeface="CMU Serif Roman" charset="0"/>
-                    <a:cs typeface="CMU Serif Roman" charset="0"/>
-                  </a:rPr>
-                  <a:t>out of the data </a:t>
-                </a:r>
-                <a14:m>
-                  <m:oMath xmlns:m="http://schemas.openxmlformats.org/officeDocument/2006/math">
-                    <m:r>
-                      <a:rPr lang="en-AU" b="0" i="1" smtClean="0">
-                        <a:latin typeface="Cambria Math" panose="02040503050406030204" pitchFamily="18" charset="0"/>
-                        <a:ea typeface="CMU Serif Roman" charset="0"/>
-                        <a:cs typeface="CMU Serif Roman" charset="0"/>
-                      </a:rPr>
-                      <m:t>𝑋</m:t>
-                    </m:r>
-                  </m:oMath>
-                </a14:m>
-                <a:r>
-                  <a:rPr lang="en-AU" dirty="0">
-                    <a:latin typeface="CMU Serif Roman" charset="0"/>
-                    <a:ea typeface="CMU Serif Roman" charset="0"/>
-                    <a:cs typeface="CMU Serif Roman" charset="0"/>
-                  </a:rPr>
-                  <a:t> for which we want an explanation for its prediction.</a:t>
-                </a:r>
-              </a:p>
-              <a:p>
-                <a:r>
-                  <a:rPr lang="en-AU" b="1" dirty="0">
-                    <a:latin typeface="CMU Serif Roman" charset="0"/>
-                    <a:ea typeface="CMU Serif Roman" charset="0"/>
-                    <a:cs typeface="CMU Serif Roman" charset="0"/>
-                  </a:rPr>
-                  <a:t>2. Perturb your dataset </a:t>
-                </a:r>
-                <a14:m>
-                  <m:oMath xmlns:m="http://schemas.openxmlformats.org/officeDocument/2006/math">
-                    <m:r>
-                      <a:rPr lang="en-AU" b="1" i="1">
-                        <a:latin typeface="Cambria Math" panose="02040503050406030204" pitchFamily="18" charset="0"/>
-                        <a:ea typeface="CMU Serif Roman" charset="0"/>
-                        <a:cs typeface="CMU Serif Roman" charset="0"/>
-                      </a:rPr>
-                      <m:t>𝑿</m:t>
-                    </m:r>
-                    <m:r>
-                      <a:rPr lang="en-AU" b="1" i="1">
-                        <a:latin typeface="Cambria Math" panose="02040503050406030204" pitchFamily="18" charset="0"/>
-                        <a:ea typeface="CMU Serif Roman" charset="0"/>
-                        <a:cs typeface="CMU Serif Roman" charset="0"/>
-                      </a:rPr>
-                      <m:t> </m:t>
-                    </m:r>
-                  </m:oMath>
-                </a14:m>
-                <a:r>
-                  <a:rPr lang="en-AU" b="1" dirty="0">
-                    <a:latin typeface="CMU Serif Roman" charset="0"/>
-                    <a:ea typeface="CMU Serif Roman" charset="0"/>
-                    <a:cs typeface="CMU Serif Roman" charset="0"/>
-                  </a:rPr>
-                  <a:t>and achieve a perturbed data set </a:t>
-                </a:r>
-                <a14:m>
-                  <m:oMath xmlns:m="http://schemas.openxmlformats.org/officeDocument/2006/math">
-                    <m:r>
-                      <a:rPr lang="en-AU" b="1" i="1" smtClean="0">
-                        <a:latin typeface="Cambria Math" panose="02040503050406030204" pitchFamily="18" charset="0"/>
-                        <a:ea typeface="CMU Serif Roman" charset="0"/>
-                        <a:cs typeface="CMU Serif Roman" charset="0"/>
-                      </a:rPr>
-                      <m:t>𝒁</m:t>
-                    </m:r>
-                  </m:oMath>
-                </a14:m>
-                <a:r>
-                  <a:rPr lang="en-AU" b="1" dirty="0">
-                    <a:latin typeface="CMU Serif Roman" charset="0"/>
-                    <a:ea typeface="CMU Serif Roman" charset="0"/>
-                    <a:cs typeface="CMU Serif Roman" charset="0"/>
-                  </a:rPr>
-                  <a:t>. </a:t>
-                </a:r>
-              </a:p>
-              <a:p>
-                <a:r>
-                  <a:rPr lang="en-AU" dirty="0">
-                    <a:latin typeface="CMU Serif Roman" charset="0"/>
-                    <a:ea typeface="CMU Serif Roman" charset="0"/>
-                    <a:cs typeface="CMU Serif Roman" charset="0"/>
-                  </a:rPr>
-                  <a:t>3. Retrieve the black box model predictions for </a:t>
-                </a:r>
-                <a14:m>
-                  <m:oMath xmlns:m="http://schemas.openxmlformats.org/officeDocument/2006/math">
-                    <m:r>
-                      <a:rPr lang="en-AU" b="0" i="1" smtClean="0">
-                        <a:latin typeface="Cambria Math" panose="02040503050406030204" pitchFamily="18" charset="0"/>
-                        <a:ea typeface="CMU Serif Roman" charset="0"/>
-                        <a:cs typeface="CMU Serif Roman" charset="0"/>
-                      </a:rPr>
-                      <m:t>𝑍</m:t>
-                    </m:r>
-                  </m:oMath>
-                </a14:m>
-                <a:r>
-                  <a:rPr lang="en-AU" dirty="0">
-                    <a:latin typeface="CMU Serif Roman" charset="0"/>
-                    <a:ea typeface="CMU Serif Roman" charset="0"/>
-                    <a:cs typeface="CMU Serif Roman" charset="0"/>
-                  </a:rPr>
-                  <a:t>.</a:t>
-                </a:r>
-              </a:p>
-              <a:p>
-                <a:r>
-                  <a:rPr lang="en-AU" b="1" dirty="0">
-                    <a:latin typeface="CMU Serif Roman" charset="0"/>
-                    <a:ea typeface="CMU Serif Roman" charset="0"/>
-                    <a:cs typeface="CMU Serif Roman" charset="0"/>
-                  </a:rPr>
-                  <a:t>4. Weight </a:t>
-                </a:r>
-                <a14:m>
-                  <m:oMath xmlns:m="http://schemas.openxmlformats.org/officeDocument/2006/math">
-                    <m:r>
-                      <a:rPr lang="en-AU" b="1" i="1">
-                        <a:latin typeface="Cambria Math" panose="02040503050406030204" pitchFamily="18" charset="0"/>
-                        <a:ea typeface="CMU Serif Roman" charset="0"/>
-                        <a:cs typeface="CMU Serif Roman" charset="0"/>
-                      </a:rPr>
-                      <m:t>𝒁</m:t>
-                    </m:r>
-                  </m:oMath>
-                </a14:m>
-                <a:r>
-                  <a:rPr lang="en-AU" b="1" dirty="0">
-                    <a:latin typeface="CMU Serif Roman" charset="0"/>
-                    <a:ea typeface="CMU Serif Roman" charset="0"/>
-                    <a:cs typeface="CMU Serif Roman" charset="0"/>
-                  </a:rPr>
-                  <a:t> </a:t>
-                </a:r>
-                <a:r>
-                  <a:rPr lang="en-AU" b="1" dirty="0" err="1">
-                    <a:latin typeface="CMU Serif Roman" charset="0"/>
-                    <a:ea typeface="CMU Serif Roman" charset="0"/>
-                    <a:cs typeface="CMU Serif Roman" charset="0"/>
-                  </a:rPr>
-                  <a:t>w.r.t</a:t>
-                </a:r>
-                <a:r>
-                  <a:rPr lang="en-AU" b="1" dirty="0">
-                    <a:latin typeface="CMU Serif Roman" charset="0"/>
-                    <a:ea typeface="CMU Serif Roman" charset="0"/>
-                    <a:cs typeface="CMU Serif Roman" charset="0"/>
-                  </a:rPr>
-                  <a:t>. the proximity/neighbourhood to </a:t>
-                </a:r>
-                <a14:m>
-                  <m:oMath xmlns:m="http://schemas.openxmlformats.org/officeDocument/2006/math">
-                    <m:sSub>
-                      <m:sSubPr>
-                        <m:ctrlPr>
-                          <a:rPr lang="en-AU" b="1" i="1">
-                            <a:latin typeface="Cambria Math" charset="0"/>
-                            <a:ea typeface="CMU Serif Roman" charset="0"/>
-                            <a:cs typeface="CMU Serif Roman" charset="0"/>
-                          </a:rPr>
-                        </m:ctrlPr>
-                      </m:sSubPr>
-                      <m:e>
-                        <m:r>
-                          <a:rPr lang="en-AU" b="1" i="1">
-                            <a:latin typeface="Cambria Math" panose="02040503050406030204" pitchFamily="18" charset="0"/>
-                            <a:ea typeface="CMU Serif Roman" charset="0"/>
-                            <a:cs typeface="CMU Serif Roman" charset="0"/>
-                          </a:rPr>
-                          <m:t>𝒙</m:t>
-                        </m:r>
-                      </m:e>
-                      <m:sub>
-                        <m:r>
-                          <a:rPr lang="en-AU" b="1" i="1">
-                            <a:latin typeface="Cambria Math" panose="02040503050406030204" pitchFamily="18" charset="0"/>
-                            <a:ea typeface="CMU Serif Roman" charset="0"/>
-                            <a:cs typeface="CMU Serif Roman" charset="0"/>
-                          </a:rPr>
-                          <m:t>𝒊</m:t>
-                        </m:r>
-                      </m:sub>
-                    </m:sSub>
-                  </m:oMath>
-                </a14:m>
-                <a:r>
-                  <a:rPr lang="en-AU" b="1" dirty="0">
-                    <a:latin typeface="CMU Serif Roman" charset="0"/>
-                    <a:ea typeface="CMU Serif Roman" charset="0"/>
-                    <a:cs typeface="CMU Serif Roman" charset="0"/>
-                  </a:rPr>
-                  <a:t>.</a:t>
-                </a:r>
-              </a:p>
-              <a:p>
-                <a:r>
-                  <a:rPr lang="en-AU" dirty="0">
-                    <a:latin typeface="CMU Serif Roman" charset="0"/>
-                    <a:ea typeface="CMU Serif Roman" charset="0"/>
-                    <a:cs typeface="CMU Serif Roman" charset="0"/>
-                  </a:rPr>
-                  <a:t>5. Train an explainable weighted model </a:t>
-                </a:r>
-                <a14:m>
-                  <m:oMath xmlns:m="http://schemas.openxmlformats.org/officeDocument/2006/math">
-                    <m:r>
-                      <a:rPr lang="en-AU" b="0" i="1" smtClean="0">
-                        <a:latin typeface="Cambria Math" panose="02040503050406030204" pitchFamily="18" charset="0"/>
-                        <a:ea typeface="CMU Serif Roman" charset="0"/>
-                        <a:cs typeface="CMU Serif Roman" charset="0"/>
-                      </a:rPr>
-                      <m:t>𝑔</m:t>
-                    </m:r>
-                  </m:oMath>
-                </a14:m>
-                <a:r>
-                  <a:rPr lang="en-AU" dirty="0">
-                    <a:latin typeface="CMU Serif Roman" charset="0"/>
-                    <a:ea typeface="CMU Serif Roman" charset="0"/>
-                    <a:cs typeface="CMU Serif Roman" charset="0"/>
-                  </a:rPr>
-                  <a:t> on </a:t>
-                </a:r>
-                <a14:m>
-                  <m:oMath xmlns:m="http://schemas.openxmlformats.org/officeDocument/2006/math">
-                    <m:r>
-                      <a:rPr lang="en-AU" b="0" i="1" smtClean="0">
-                        <a:latin typeface="Cambria Math" panose="02040503050406030204" pitchFamily="18" charset="0"/>
-                        <a:ea typeface="CMU Serif Roman" charset="0"/>
-                        <a:cs typeface="CMU Serif Roman" charset="0"/>
-                      </a:rPr>
-                      <m:t>𝑍</m:t>
-                    </m:r>
-                  </m:oMath>
-                </a14:m>
-                <a:r>
-                  <a:rPr lang="en-AU" dirty="0">
-                    <a:latin typeface="CMU Serif Roman" charset="0"/>
-                    <a:ea typeface="CMU Serif Roman" charset="0"/>
-                    <a:cs typeface="CMU Serif Roman" charset="0"/>
-                  </a:rPr>
-                  <a:t> and the associated predictions.</a:t>
-                </a:r>
-              </a:p>
-              <a:p>
-                <a:r>
-                  <a:rPr lang="en-AU" dirty="0">
-                    <a:latin typeface="CMU Serif Roman" charset="0"/>
-                    <a:ea typeface="CMU Serif Roman" charset="0"/>
-                    <a:cs typeface="CMU Serif Roman" charset="0"/>
-                  </a:rPr>
-                  <a:t>Return: An explanation </a:t>
-                </a:r>
-                <a:r>
-                  <a:rPr lang="en-AU" dirty="0" smtClean="0">
-                    <a:latin typeface="CMU Serif Roman" charset="0"/>
-                    <a:ea typeface="CMU Serif Roman" charset="0"/>
-                    <a:cs typeface="CMU Serif Roman" charset="0"/>
-                  </a:rPr>
-                  <a:t>for </a:t>
-                </a:r>
-                <a14:m>
-                  <m:oMath xmlns:m="http://schemas.openxmlformats.org/officeDocument/2006/math">
-                    <m:sSub>
-                      <m:sSubPr>
-                        <m:ctrlPr>
-                          <a:rPr lang="en-AU" i="1">
-                            <a:latin typeface="Cambria Math" charset="0"/>
-                            <a:ea typeface="CMU Serif Roman" charset="0"/>
-                            <a:cs typeface="CMU Serif Roman" charset="0"/>
-                          </a:rPr>
-                        </m:ctrlPr>
-                      </m:sSubPr>
-                      <m:e>
-                        <m:r>
-                          <a:rPr lang="en-AU" i="1">
-                            <a:latin typeface="Cambria Math" panose="02040503050406030204" pitchFamily="18" charset="0"/>
-                            <a:ea typeface="CMU Serif Roman" charset="0"/>
-                            <a:cs typeface="CMU Serif Roman" charset="0"/>
-                          </a:rPr>
-                          <m:t>𝑥</m:t>
-                        </m:r>
-                      </m:e>
-                      <m:sub>
-                        <m:r>
-                          <a:rPr lang="en-AU" i="1">
-                            <a:latin typeface="Cambria Math" panose="02040503050406030204" pitchFamily="18" charset="0"/>
-                            <a:ea typeface="CMU Serif Roman" charset="0"/>
-                            <a:cs typeface="CMU Serif Roman" charset="0"/>
-                          </a:rPr>
-                          <m:t>𝑖</m:t>
-                        </m:r>
-                      </m:sub>
-                    </m:sSub>
-                  </m:oMath>
-                </a14:m>
-                <a:r>
-                  <a:rPr lang="en-AU" dirty="0" smtClean="0">
-                    <a:latin typeface="CMU Serif Roman" charset="0"/>
-                    <a:ea typeface="CMU Serif Roman" charset="0"/>
-                    <a:cs typeface="CMU Serif Roman" charset="0"/>
-                  </a:rPr>
-                  <a:t>.</a:t>
-                </a:r>
-                <a:endParaRPr lang="en-AU" dirty="0">
-                  <a:latin typeface="CMU Serif Roman" charset="0"/>
-                  <a:ea typeface="CMU Serif Roman" charset="0"/>
-                  <a:cs typeface="CMU Serif Roman" charset="0"/>
-                </a:endParaRPr>
-              </a:p>
-            </p:txBody>
-          </p:sp>
-        </mc:Choice>
-        <mc:Fallback>
-          <p:sp>
-            <p:nvSpPr>
-              <p:cNvPr id="3" name="Inhaltsplatzhalter 2"/>
-              <p:cNvSpPr>
-                <a:spLocks noGrp="1" noRot="1" noChangeAspect="1" noMove="1" noResize="1" noEditPoints="1" noAdjustHandles="1" noChangeArrowheads="1" noChangeShapeType="1" noTextEdit="1"/>
-              </p:cNvSpPr>
-              <p:nvPr>
-                <p:ph idx="1"/>
-              </p:nvPr>
-            </p:nvSpPr>
-            <p:spPr>
-              <a:blipFill rotWithShape="0">
-                <a:blip r:embed="rId3"/>
-                <a:stretch>
-                  <a:fillRect l="-808" t="-10909" r="-2019"/>
-                </a:stretch>
-              </a:blipFill>
-            </p:spPr>
-            <p:txBody>
-              <a:bodyPr/>
-              <a:lstStyle/>
-              <a:p>
-                <a:r>
-                  <a:rPr lang="de-DE">
-                    <a:noFill/>
-                  </a:rPr>
-                  <a:t> </a:t>
-                </a:r>
-              </a:p>
-            </p:txBody>
-          </p:sp>
-        </mc:Fallback>
-      </mc:AlternateContent>
-      <p:sp>
-        <p:nvSpPr>
-          <p:cNvPr id="4" name="Datumsplatzhalter 3"/>
-          <p:cNvSpPr>
-            <a:spLocks noGrp="1"/>
-          </p:cNvSpPr>
-          <p:nvPr>
-            <p:ph type="dt" sz="half" idx="10"/>
-          </p:nvPr>
-        </p:nvSpPr>
-        <p:spPr/>
-        <p:txBody>
-          <a:bodyPr/>
-          <a:lstStyle/>
-          <a:p>
-            <a:r>
-              <a:rPr lang="en-AU" dirty="0" smtClean="0">
-                <a:latin typeface="CMU Serif Roman" charset="0"/>
-                <a:ea typeface="CMU Serif Roman" charset="0"/>
-                <a:cs typeface="CMU Serif Roman" charset="0"/>
-              </a:rPr>
-              <a:t>22.05.19</a:t>
-            </a:r>
-            <a:endParaRPr lang="en-AU" dirty="0">
-              <a:latin typeface="CMU Serif Roman" charset="0"/>
-              <a:ea typeface="CMU Serif Roman" charset="0"/>
-              <a:cs typeface="CMU Serif Roman" charset="0"/>
-            </a:endParaRPr>
-          </a:p>
-        </p:txBody>
-      </p:sp>
-      <p:sp>
-        <p:nvSpPr>
-          <p:cNvPr id="5" name="Fußzeilenplatzhalter 4"/>
-          <p:cNvSpPr>
-            <a:spLocks noGrp="1"/>
-          </p:cNvSpPr>
-          <p:nvPr>
-            <p:ph type="ftr" sz="quarter" idx="11"/>
-          </p:nvPr>
-        </p:nvSpPr>
-        <p:spPr/>
-        <p:txBody>
-          <a:bodyPr/>
-          <a:lstStyle/>
-          <a:p>
-            <a:r>
-              <a:rPr lang="en-AU" dirty="0" smtClean="0">
-                <a:latin typeface="CMU Serif Roman" charset="0"/>
-                <a:ea typeface="CMU Serif Roman" charset="0"/>
-                <a:cs typeface="CMU Serif Roman" charset="0"/>
-              </a:rPr>
-              <a:t>Interpretable Machine Learning</a:t>
-            </a:r>
-            <a:endParaRPr lang="en-AU" dirty="0">
-              <a:latin typeface="CMU Serif Roman" charset="0"/>
-              <a:ea typeface="CMU Serif Roman" charset="0"/>
-              <a:cs typeface="CMU Serif Roman" charset="0"/>
-            </a:endParaRPr>
-          </a:p>
-        </p:txBody>
-      </p:sp>
-      <p:sp>
-        <p:nvSpPr>
-          <p:cNvPr id="6" name="Foliennummernplatzhalter 5"/>
-          <p:cNvSpPr>
-            <a:spLocks noGrp="1"/>
-          </p:cNvSpPr>
-          <p:nvPr>
-            <p:ph type="sldNum" sz="quarter" idx="12"/>
-          </p:nvPr>
-        </p:nvSpPr>
-        <p:spPr/>
-        <p:txBody>
-          <a:bodyPr/>
-          <a:lstStyle/>
-          <a:p>
-            <a:fld id="{0FD15DEB-6CC9-F641-94EB-91A016C2CB29}" type="slidenum">
-              <a:rPr lang="en-AU" smtClean="0">
-                <a:latin typeface="CMU Serif Roman" charset="0"/>
-                <a:ea typeface="CMU Serif Roman" charset="0"/>
-                <a:cs typeface="CMU Serif Roman" charset="0"/>
-              </a:rPr>
-              <a:t>31</a:t>
-            </a:fld>
-            <a:endParaRPr lang="en-AU" dirty="0">
-              <a:latin typeface="CMU Serif Roman" charset="0"/>
-              <a:ea typeface="CMU Serif Roman" charset="0"/>
-              <a:cs typeface="CMU Serif Roman" charset="0"/>
-            </a:endParaRPr>
-          </a:p>
-        </p:txBody>
-      </p:sp>
-      <p:sp>
-        <p:nvSpPr>
-          <p:cNvPr id="8" name="Titel 1"/>
-          <p:cNvSpPr txBox="1">
-            <a:spLocks/>
-          </p:cNvSpPr>
-          <p:nvPr/>
-        </p:nvSpPr>
-        <p:spPr>
-          <a:xfrm>
-            <a:off x="822960" y="285479"/>
-            <a:ext cx="7543800" cy="1450757"/>
-          </a:xfrm>
-          <a:prstGeom prst="rect">
-            <a:avLst/>
-          </a:prstGeom>
-        </p:spPr>
-        <p:txBody>
-          <a:bodyPr vert="horz" lIns="91440" tIns="45720" rIns="91440" bIns="45720" rtlCol="0" anchor="b">
-            <a:normAutofit/>
-          </a:bodyPr>
-          <a:lstStyle>
-            <a:lvl1pPr algn="l" defTabSz="914400" rtl="0" eaLnBrk="1" latinLnBrk="0" hangingPunct="1">
-              <a:lnSpc>
-                <a:spcPct val="85000"/>
-              </a:lnSpc>
-              <a:spcBef>
-                <a:spcPct val="0"/>
-              </a:spcBef>
-              <a:buNone/>
-              <a:defRPr sz="4800" kern="1200" spc="-50" baseline="0">
-                <a:solidFill>
-                  <a:schemeClr val="tx1">
-                    <a:lumMod val="75000"/>
-                    <a:lumOff val="25000"/>
-                  </a:schemeClr>
-                </a:solidFill>
-                <a:latin typeface="+mj-lt"/>
-                <a:ea typeface="+mj-ea"/>
-                <a:cs typeface="+mj-cs"/>
-              </a:defRPr>
-            </a:lvl1pPr>
-          </a:lstStyle>
-          <a:p>
-            <a:r>
-              <a:rPr lang="en-AU" dirty="0" smtClean="0">
-                <a:latin typeface="CMU Serif Roman" charset="0"/>
-                <a:ea typeface="CMU Serif Roman" charset="0"/>
-                <a:cs typeface="CMU Serif Roman" charset="0"/>
-              </a:rPr>
-              <a:t>Algorithm for a single LIME explanation</a:t>
-            </a:r>
-            <a:endParaRPr lang="en-AU" dirty="0">
-              <a:latin typeface="CMU Serif Roman" charset="0"/>
-              <a:ea typeface="CMU Serif Roman" charset="0"/>
-              <a:cs typeface="CMU Serif Roman" charset="0"/>
-            </a:endParaRPr>
-          </a:p>
-        </p:txBody>
-      </p:sp>
-    </p:spTree>
-    <p:extLst>
-      <p:ext uri="{BB962C8B-B14F-4D97-AF65-F5344CB8AC3E}">
-        <p14:creationId xmlns:p14="http://schemas.microsoft.com/office/powerpoint/2010/main" val="246032518"/>
-      </p:ext>
-    </p:extLst>
-  </p:cSld>
-  <p:clrMapOvr>
-    <a:masterClrMapping/>
-  </p:clrMapOvr>
-  <p:timing>
-    <p:tnLst>
-      <p:par>
-        <p:cTn id="1" dur="indefinite" restart="never" nodeType="tmRoot"/>
-      </p:par>
-    </p:tnLst>
-  </p:timing>
-</p:sld>
-</file>
-
-<file path=ppt/slides/slide33.xml><?xml version="1.0" encoding="utf-8"?>
-<p:sld xmlns:a="http://schemas.openxmlformats.org/drawingml/2006/main" xmlns:r="http://schemas.openxmlformats.org/officeDocument/2006/relationships" xmlns:p="http://schemas.openxmlformats.org/presentationml/2006/main">
-  <p:cSld>
-    <p:spTree>
-      <p:nvGrpSpPr>
-        <p:cNvPr id="1" name=""/>
-        <p:cNvGrpSpPr/>
-        <p:nvPr/>
-      </p:nvGrpSpPr>
-      <p:grpSpPr>
-        <a:xfrm>
-          <a:off x="0" y="0"/>
-          <a:ext cx="0" cy="0"/>
-          <a:chOff x="0" y="0"/>
-          <a:chExt cx="0" cy="0"/>
-        </a:xfrm>
-      </p:grpSpPr>
-      <p:sp>
-        <p:nvSpPr>
-          <p:cNvPr id="2" name="Titel 1"/>
-          <p:cNvSpPr>
-            <a:spLocks noGrp="1"/>
-          </p:cNvSpPr>
-          <p:nvPr>
-            <p:ph type="title"/>
-          </p:nvPr>
-        </p:nvSpPr>
-        <p:spPr/>
-        <p:txBody>
-          <a:bodyPr>
-            <a:normAutofit fontScale="90000"/>
-          </a:bodyPr>
-          <a:lstStyle/>
-          <a:p>
-            <a:r>
-              <a:rPr lang="en-AU" dirty="0" smtClean="0">
-                <a:latin typeface="CMU Serif Roman" charset="0"/>
-                <a:ea typeface="CMU Serif Roman" charset="0"/>
-                <a:cs typeface="CMU Serif Roman" charset="0"/>
-              </a:rPr>
-              <a:t>Simulation: LIME manages to recover </a:t>
-            </a:r>
-            <a:r>
-              <a:rPr lang="en-AU" i="1" dirty="0" smtClean="0">
-                <a:latin typeface="CMU Serif Roman" charset="0"/>
-                <a:ea typeface="CMU Serif Roman" charset="0"/>
-                <a:cs typeface="CMU Serif Roman" charset="0"/>
-              </a:rPr>
-              <a:t>local </a:t>
-            </a:r>
-            <a:r>
-              <a:rPr lang="en-AU" dirty="0" smtClean="0">
-                <a:latin typeface="CMU Serif Roman" charset="0"/>
-                <a:ea typeface="CMU Serif Roman" charset="0"/>
-                <a:cs typeface="CMU Serif Roman" charset="0"/>
-              </a:rPr>
-              <a:t>linear model.</a:t>
-            </a:r>
-            <a:endParaRPr lang="en-AU" dirty="0">
-              <a:latin typeface="CMU Serif Roman" charset="0"/>
-              <a:ea typeface="CMU Serif Roman" charset="0"/>
-              <a:cs typeface="CMU Serif Roman" charset="0"/>
-            </a:endParaRPr>
-          </a:p>
-        </p:txBody>
-      </p:sp>
-      <p:sp>
-        <p:nvSpPr>
-          <p:cNvPr id="4" name="Datumsplatzhalter 3"/>
-          <p:cNvSpPr>
-            <a:spLocks noGrp="1"/>
-          </p:cNvSpPr>
-          <p:nvPr>
-            <p:ph type="dt" sz="half" idx="10"/>
-          </p:nvPr>
-        </p:nvSpPr>
-        <p:spPr/>
-        <p:txBody>
-          <a:bodyPr/>
-          <a:lstStyle/>
-          <a:p>
-            <a:r>
-              <a:rPr lang="en-AU" dirty="0" smtClean="0">
-                <a:latin typeface="CMU Serif Roman" charset="0"/>
-                <a:ea typeface="CMU Serif Roman" charset="0"/>
-                <a:cs typeface="CMU Serif Roman" charset="0"/>
-              </a:rPr>
-              <a:t>22.05.19</a:t>
-            </a:r>
-            <a:endParaRPr lang="en-AU" dirty="0">
-              <a:latin typeface="CMU Serif Roman" charset="0"/>
-              <a:ea typeface="CMU Serif Roman" charset="0"/>
-              <a:cs typeface="CMU Serif Roman" charset="0"/>
-            </a:endParaRPr>
-          </a:p>
-        </p:txBody>
-      </p:sp>
-      <p:sp>
-        <p:nvSpPr>
-          <p:cNvPr id="5" name="Fußzeilenplatzhalter 4"/>
-          <p:cNvSpPr>
-            <a:spLocks noGrp="1"/>
-          </p:cNvSpPr>
-          <p:nvPr>
-            <p:ph type="ftr" sz="quarter" idx="11"/>
-          </p:nvPr>
-        </p:nvSpPr>
-        <p:spPr/>
-        <p:txBody>
-          <a:bodyPr/>
-          <a:lstStyle/>
-          <a:p>
-            <a:r>
-              <a:rPr lang="en-AU" dirty="0" smtClean="0">
-                <a:latin typeface="CMU Serif Roman" charset="0"/>
-                <a:ea typeface="CMU Serif Roman" charset="0"/>
-                <a:cs typeface="CMU Serif Roman" charset="0"/>
-              </a:rPr>
-              <a:t>Interpretable Machine Learning</a:t>
-            </a:r>
-            <a:endParaRPr lang="en-AU" dirty="0">
-              <a:latin typeface="CMU Serif Roman" charset="0"/>
-              <a:ea typeface="CMU Serif Roman" charset="0"/>
-              <a:cs typeface="CMU Serif Roman" charset="0"/>
-            </a:endParaRPr>
-          </a:p>
-        </p:txBody>
-      </p:sp>
-      <p:sp>
-        <p:nvSpPr>
-          <p:cNvPr id="6" name="Foliennummernplatzhalter 5"/>
-          <p:cNvSpPr>
-            <a:spLocks noGrp="1"/>
-          </p:cNvSpPr>
-          <p:nvPr>
-            <p:ph type="sldNum" sz="quarter" idx="12"/>
-          </p:nvPr>
-        </p:nvSpPr>
-        <p:spPr/>
-        <p:txBody>
-          <a:bodyPr/>
-          <a:lstStyle/>
-          <a:p>
-            <a:fld id="{0FD15DEB-6CC9-F641-94EB-91A016C2CB29}" type="slidenum">
-              <a:rPr lang="en-AU" smtClean="0">
-                <a:latin typeface="CMU Serif Roman" charset="0"/>
-                <a:ea typeface="CMU Serif Roman" charset="0"/>
-                <a:cs typeface="CMU Serif Roman" charset="0"/>
-              </a:rPr>
-              <a:t>32</a:t>
+              <a:t>29</a:t>
             </a:fld>
             <a:endParaRPr lang="en-AU" dirty="0">
               <a:latin typeface="CMU Serif Roman" charset="0"/>
@@ -20281,10 +18253,17 @@
   <p:clrMapOvr>
     <a:masterClrMapping/>
   </p:clrMapOvr>
+  <p:timing>
+    <p:tnLst>
+      <p:par>
+        <p:cTn id="1" dur="indefinite" restart="never" nodeType="tmRoot"/>
+      </p:par>
+    </p:tnLst>
+  </p:timing>
 </p:sld>
 </file>
 
-<file path=ppt/slides/slide34.xml><?xml version="1.0" encoding="utf-8"?>
+<file path=ppt/slides/slide31.xml><?xml version="1.0" encoding="utf-8"?>
 <p:sld xmlns:a="http://schemas.openxmlformats.org/drawingml/2006/main" xmlns:r="http://schemas.openxmlformats.org/officeDocument/2006/relationships" xmlns:p="http://schemas.openxmlformats.org/presentationml/2006/main">
   <p:cSld>
     <p:spTree>
@@ -20348,12 +18327,12 @@
           <a:lstStyle/>
           <a:p>
             <a:r>
-              <a:rPr lang="en-AU" dirty="0" smtClean="0">
-                <a:latin typeface="CMU Serif Roman" charset="0"/>
-                <a:ea typeface="CMU Serif Roman" charset="0"/>
-                <a:cs typeface="CMU Serif Roman" charset="0"/>
-              </a:rPr>
-              <a:t>22.05.19</a:t>
+              <a:rPr lang="de-DE" smtClean="0">
+                <a:latin typeface="CMU Serif Roman" charset="0"/>
+                <a:ea typeface="CMU Serif Roman" charset="0"/>
+                <a:cs typeface="CMU Serif Roman" charset="0"/>
+              </a:rPr>
+              <a:t>12.07.2019</a:t>
             </a:r>
             <a:endParaRPr lang="en-AU" dirty="0">
               <a:latin typeface="CMU Serif Roman" charset="0"/>
@@ -20415,7 +18394,7 @@
                 <a:ea typeface="CMU Serif Roman" charset="0"/>
                 <a:cs typeface="CMU Serif Roman" charset="0"/>
               </a:rPr>
-              <a:t>33</a:t>
+              <a:t>30</a:t>
             </a:fld>
             <a:endParaRPr lang="en-AU" dirty="0">
               <a:latin typeface="CMU Serif Roman" charset="0"/>
@@ -20582,10 +18561,17 @@
   <p:clrMapOvr>
     <a:masterClrMapping/>
   </p:clrMapOvr>
+  <p:timing>
+    <p:tnLst>
+      <p:par>
+        <p:cTn id="1" dur="indefinite" restart="never" nodeType="tmRoot"/>
+      </p:par>
+    </p:tnLst>
+  </p:timing>
 </p:sld>
 </file>
 
-<file path=ppt/slides/slide35.xml><?xml version="1.0" encoding="utf-8"?>
+<file path=ppt/slides/slide32.xml><?xml version="1.0" encoding="utf-8"?>
 <p:sld xmlns:a="http://schemas.openxmlformats.org/drawingml/2006/main" xmlns:r="http://schemas.openxmlformats.org/officeDocument/2006/relationships" xmlns:p="http://schemas.openxmlformats.org/presentationml/2006/main">
   <p:cSld>
     <p:spTree>
@@ -20667,12 +18653,12 @@
           <a:lstStyle/>
           <a:p>
             <a:r>
-              <a:rPr lang="en-AU" dirty="0" smtClean="0">
-                <a:latin typeface="CMU Serif Roman" charset="0"/>
-                <a:ea typeface="CMU Serif Roman" charset="0"/>
-                <a:cs typeface="CMU Serif Roman" charset="0"/>
-              </a:rPr>
-              <a:t>22.05.19</a:t>
+              <a:rPr lang="de-DE" smtClean="0">
+                <a:latin typeface="CMU Serif Roman" charset="0"/>
+                <a:ea typeface="CMU Serif Roman" charset="0"/>
+                <a:cs typeface="CMU Serif Roman" charset="0"/>
+              </a:rPr>
+              <a:t>12.07.2019</a:t>
             </a:r>
             <a:endParaRPr lang="en-AU" dirty="0">
               <a:latin typeface="CMU Serif Roman" charset="0"/>
@@ -20734,7 +18720,7 @@
                 <a:ea typeface="CMU Serif Roman" charset="0"/>
                 <a:cs typeface="CMU Serif Roman" charset="0"/>
               </a:rPr>
-              <a:t>34</a:t>
+              <a:t>31</a:t>
             </a:fld>
             <a:endParaRPr lang="en-AU" dirty="0">
               <a:latin typeface="CMU Serif Roman" charset="0"/>
@@ -20812,10 +18798,17 @@
   <p:clrMapOvr>
     <a:masterClrMapping/>
   </p:clrMapOvr>
+  <p:timing>
+    <p:tnLst>
+      <p:par>
+        <p:cTn id="1" dur="indefinite" restart="never" nodeType="tmRoot"/>
+      </p:par>
+    </p:tnLst>
+  </p:timing>
 </p:sld>
 </file>
 
-<file path=ppt/slides/slide36.xml><?xml version="1.0" encoding="utf-8"?>
+<file path=ppt/slides/slide33.xml><?xml version="1.0" encoding="utf-8"?>
 <p:sld xmlns:a="http://schemas.openxmlformats.org/drawingml/2006/main" xmlns:r="http://schemas.openxmlformats.org/officeDocument/2006/relationships" xmlns:p="http://schemas.openxmlformats.org/presentationml/2006/main">
   <p:cSld>
     <p:spTree>
@@ -20902,12 +18895,12 @@
           <a:lstStyle/>
           <a:p>
             <a:r>
-              <a:rPr lang="en-AU" dirty="0" smtClean="0">
-                <a:latin typeface="CMU Serif Roman" charset="0"/>
-                <a:ea typeface="CMU Serif Roman" charset="0"/>
-                <a:cs typeface="CMU Serif Roman" charset="0"/>
-              </a:rPr>
-              <a:t>22.05.19</a:t>
+              <a:rPr lang="de-DE" smtClean="0">
+                <a:latin typeface="CMU Serif Roman" charset="0"/>
+                <a:ea typeface="CMU Serif Roman" charset="0"/>
+                <a:cs typeface="CMU Serif Roman" charset="0"/>
+              </a:rPr>
+              <a:t>12.07.2019</a:t>
             </a:r>
             <a:endParaRPr lang="en-AU" dirty="0">
               <a:latin typeface="CMU Serif Roman" charset="0"/>
@@ -20969,7 +18962,7 @@
                 <a:ea typeface="CMU Serif Roman" charset="0"/>
                 <a:cs typeface="CMU Serif Roman" charset="0"/>
               </a:rPr>
-              <a:t>35</a:t>
+              <a:t>32</a:t>
             </a:fld>
             <a:endParaRPr lang="en-AU" dirty="0">
               <a:latin typeface="CMU Serif Roman" charset="0"/>
@@ -21144,6 +19137,2209 @@
   <p:clrMapOvr>
     <a:masterClrMapping/>
   </p:clrMapOvr>
+  <p:timing>
+    <p:tnLst>
+      <p:par>
+        <p:cTn id="1" dur="indefinite" restart="never" nodeType="tmRoot"/>
+      </p:par>
+    </p:tnLst>
+  </p:timing>
+</p:sld>
+</file>
+
+<file path=ppt/slides/slide34.xml><?xml version="1.0" encoding="utf-8"?>
+<p:sld xmlns:a="http://schemas.openxmlformats.org/drawingml/2006/main" xmlns:r="http://schemas.openxmlformats.org/officeDocument/2006/relationships" xmlns:p="http://schemas.openxmlformats.org/presentationml/2006/main">
+  <p:cSld>
+    <p:spTree>
+      <p:nvGrpSpPr>
+        <p:cNvPr id="1" name=""/>
+        <p:cNvGrpSpPr/>
+        <p:nvPr/>
+      </p:nvGrpSpPr>
+      <p:grpSpPr>
+        <a:xfrm>
+          <a:off x="0" y="0"/>
+          <a:ext cx="0" cy="0"/>
+          <a:chOff x="0" y="0"/>
+          <a:chExt cx="0" cy="0"/>
+        </a:xfrm>
+      </p:grpSpPr>
+      <p:sp>
+        <p:nvSpPr>
+          <p:cNvPr id="2" name="Titel 1"/>
+          <p:cNvSpPr>
+            <a:spLocks noGrp="1"/>
+          </p:cNvSpPr>
+          <p:nvPr>
+            <p:ph type="title"/>
+          </p:nvPr>
+        </p:nvSpPr>
+        <p:spPr/>
+        <p:txBody>
+          <a:bodyPr/>
+          <a:lstStyle/>
+          <a:p>
+            <a:r>
+              <a:rPr lang="en-AU" dirty="0" smtClean="0">
+                <a:latin typeface="CMU Serif Roman" charset="0"/>
+                <a:ea typeface="CMU Serif Roman" charset="0"/>
+                <a:cs typeface="CMU Serif Roman" charset="0"/>
+              </a:rPr>
+              <a:t>Things not mentioned / open to discussion</a:t>
+            </a:r>
+            <a:endParaRPr lang="en-AU" dirty="0">
+              <a:latin typeface="CMU Serif Roman" charset="0"/>
+              <a:ea typeface="CMU Serif Roman" charset="0"/>
+              <a:cs typeface="CMU Serif Roman" charset="0"/>
+            </a:endParaRPr>
+          </a:p>
+        </p:txBody>
+      </p:sp>
+      <p:sp>
+        <p:nvSpPr>
+          <p:cNvPr id="3" name="Inhaltsplatzhalter 2"/>
+          <p:cNvSpPr>
+            <a:spLocks noGrp="1"/>
+          </p:cNvSpPr>
+          <p:nvPr>
+            <p:ph idx="1"/>
+          </p:nvPr>
+        </p:nvSpPr>
+        <p:spPr/>
+        <p:txBody>
+          <a:bodyPr/>
+          <a:lstStyle/>
+          <a:p>
+            <a:r>
+              <a:rPr lang="en-AU" dirty="0" smtClean="0">
+                <a:latin typeface="CMU Serif Roman" charset="0"/>
+                <a:ea typeface="CMU Serif Roman" charset="0"/>
+                <a:cs typeface="CMU Serif Roman" charset="0"/>
+              </a:rPr>
+              <a:t>What about other parameters: e.g. distance measure and kernel type?</a:t>
+            </a:r>
+          </a:p>
+          <a:p>
+            <a:r>
+              <a:rPr lang="en-AU" dirty="0" smtClean="0">
+                <a:latin typeface="CMU Serif Roman" charset="0"/>
+                <a:ea typeface="CMU Serif Roman" charset="0"/>
+                <a:cs typeface="CMU Serif Roman" charset="0"/>
+              </a:rPr>
+              <a:t>What about interaction effects?</a:t>
+            </a:r>
+          </a:p>
+          <a:p>
+            <a:r>
+              <a:rPr lang="en-AU" dirty="0" smtClean="0">
+                <a:latin typeface="CMU Serif Roman" charset="0"/>
+                <a:ea typeface="CMU Serif Roman" charset="0"/>
+                <a:cs typeface="CMU Serif Roman" charset="0"/>
+              </a:rPr>
+              <a:t>What about increasing number of permutations massively (instead of local sampling)?</a:t>
+            </a:r>
+          </a:p>
+          <a:p>
+            <a:r>
+              <a:rPr lang="en-AU" dirty="0" smtClean="0">
+                <a:latin typeface="CMU Serif Roman" charset="0"/>
+                <a:ea typeface="CMU Serif Roman" charset="0"/>
+                <a:cs typeface="CMU Serif Roman" charset="0"/>
+              </a:rPr>
+              <a:t>What about binning?</a:t>
+            </a:r>
+          </a:p>
+          <a:p>
+            <a:r>
+              <a:rPr lang="en-AU" dirty="0" smtClean="0">
+                <a:latin typeface="CMU Serif Roman" charset="0"/>
+                <a:ea typeface="CMU Serif Roman" charset="0"/>
+                <a:cs typeface="CMU Serif Roman" charset="0"/>
+              </a:rPr>
+              <a:t>Use other methods of interpretable machine learning for evaluation of local model?</a:t>
+            </a:r>
+            <a:endParaRPr lang="en-AU" dirty="0">
+              <a:latin typeface="CMU Serif Roman" charset="0"/>
+              <a:ea typeface="CMU Serif Roman" charset="0"/>
+              <a:cs typeface="CMU Serif Roman" charset="0"/>
+            </a:endParaRPr>
+          </a:p>
+        </p:txBody>
+      </p:sp>
+      <p:sp>
+        <p:nvSpPr>
+          <p:cNvPr id="4" name="Datumsplatzhalter 3"/>
+          <p:cNvSpPr>
+            <a:spLocks noGrp="1"/>
+          </p:cNvSpPr>
+          <p:nvPr>
+            <p:ph type="dt" sz="half" idx="10"/>
+          </p:nvPr>
+        </p:nvSpPr>
+        <p:spPr/>
+        <p:txBody>
+          <a:bodyPr/>
+          <a:lstStyle/>
+          <a:p>
+            <a:r>
+              <a:rPr lang="de-DE" smtClean="0">
+                <a:latin typeface="CMU Serif Roman" charset="0"/>
+                <a:ea typeface="CMU Serif Roman" charset="0"/>
+                <a:cs typeface="CMU Serif Roman" charset="0"/>
+              </a:rPr>
+              <a:t>12.07.2019</a:t>
+            </a:r>
+            <a:endParaRPr lang="en-AU" dirty="0">
+              <a:latin typeface="CMU Serif Roman" charset="0"/>
+              <a:ea typeface="CMU Serif Roman" charset="0"/>
+              <a:cs typeface="CMU Serif Roman" charset="0"/>
+            </a:endParaRPr>
+          </a:p>
+        </p:txBody>
+      </p:sp>
+      <p:sp>
+        <p:nvSpPr>
+          <p:cNvPr id="5" name="Fußzeilenplatzhalter 4"/>
+          <p:cNvSpPr>
+            <a:spLocks noGrp="1"/>
+          </p:cNvSpPr>
+          <p:nvPr>
+            <p:ph type="ftr" sz="quarter" idx="11"/>
+          </p:nvPr>
+        </p:nvSpPr>
+        <p:spPr/>
+        <p:txBody>
+          <a:bodyPr/>
+          <a:lstStyle/>
+          <a:p>
+            <a:r>
+              <a:rPr lang="en-AU" dirty="0" smtClean="0">
+                <a:latin typeface="CMU Serif Roman" charset="0"/>
+                <a:ea typeface="CMU Serif Roman" charset="0"/>
+                <a:cs typeface="CMU Serif Roman" charset="0"/>
+              </a:rPr>
+              <a:t>Interpretable Machine Learning</a:t>
+            </a:r>
+            <a:endParaRPr lang="en-AU" dirty="0">
+              <a:latin typeface="CMU Serif Roman" charset="0"/>
+              <a:ea typeface="CMU Serif Roman" charset="0"/>
+              <a:cs typeface="CMU Serif Roman" charset="0"/>
+            </a:endParaRPr>
+          </a:p>
+        </p:txBody>
+      </p:sp>
+      <p:sp>
+        <p:nvSpPr>
+          <p:cNvPr id="6" name="Foliennummernplatzhalter 5"/>
+          <p:cNvSpPr>
+            <a:spLocks noGrp="1"/>
+          </p:cNvSpPr>
+          <p:nvPr>
+            <p:ph type="sldNum" sz="quarter" idx="12"/>
+          </p:nvPr>
+        </p:nvSpPr>
+        <p:spPr/>
+        <p:txBody>
+          <a:bodyPr/>
+          <a:lstStyle/>
+          <a:p>
+            <a:fld id="{0FD15DEB-6CC9-F641-94EB-91A016C2CB29}" type="slidenum">
+              <a:rPr lang="en-AU" smtClean="0">
+                <a:latin typeface="CMU Serif Roman" charset="0"/>
+                <a:ea typeface="CMU Serif Roman" charset="0"/>
+                <a:cs typeface="CMU Serif Roman" charset="0"/>
+              </a:rPr>
+              <a:t>33</a:t>
+            </a:fld>
+            <a:endParaRPr lang="en-AU" dirty="0">
+              <a:latin typeface="CMU Serif Roman" charset="0"/>
+              <a:ea typeface="CMU Serif Roman" charset="0"/>
+              <a:cs typeface="CMU Serif Roman" charset="0"/>
+            </a:endParaRPr>
+          </a:p>
+        </p:txBody>
+      </p:sp>
+    </p:spTree>
+    <p:extLst>
+      <p:ext uri="{BB962C8B-B14F-4D97-AF65-F5344CB8AC3E}">
+        <p14:creationId xmlns:p14="http://schemas.microsoft.com/office/powerpoint/2010/main" val="1410236281"/>
+      </p:ext>
+    </p:extLst>
+  </p:cSld>
+  <p:clrMapOvr>
+    <a:masterClrMapping/>
+  </p:clrMapOvr>
+  <p:timing>
+    <p:tnLst>
+      <p:par>
+        <p:cTn id="1" dur="indefinite" restart="never" nodeType="tmRoot"/>
+      </p:par>
+    </p:tnLst>
+  </p:timing>
+</p:sld>
+</file>
+
+<file path=ppt/slides/slide35.xml><?xml version="1.0" encoding="utf-8"?>
+<p:sld xmlns:a="http://schemas.openxmlformats.org/drawingml/2006/main" xmlns:r="http://schemas.openxmlformats.org/officeDocument/2006/relationships" xmlns:p="http://schemas.openxmlformats.org/presentationml/2006/main">
+  <p:cSld>
+    <p:spTree>
+      <p:nvGrpSpPr>
+        <p:cNvPr id="1" name=""/>
+        <p:cNvGrpSpPr/>
+        <p:nvPr/>
+      </p:nvGrpSpPr>
+      <p:grpSpPr>
+        <a:xfrm>
+          <a:off x="0" y="0"/>
+          <a:ext cx="0" cy="0"/>
+          <a:chOff x="0" y="0"/>
+          <a:chExt cx="0" cy="0"/>
+        </a:xfrm>
+      </p:grpSpPr>
+      <p:sp>
+        <p:nvSpPr>
+          <p:cNvPr id="2" name="Titel 1"/>
+          <p:cNvSpPr>
+            <a:spLocks noGrp="1"/>
+          </p:cNvSpPr>
+          <p:nvPr>
+            <p:ph type="title"/>
+          </p:nvPr>
+        </p:nvSpPr>
+        <p:spPr/>
+        <p:txBody>
+          <a:bodyPr/>
+          <a:lstStyle/>
+          <a:p>
+            <a:r>
+              <a:rPr lang="en-AU" dirty="0" smtClean="0">
+                <a:latin typeface="CMU Serif Roman" charset="0"/>
+                <a:ea typeface="CMU Serif Roman" charset="0"/>
+                <a:cs typeface="CMU Serif Roman" charset="0"/>
+              </a:rPr>
+              <a:t>The problem </a:t>
+            </a:r>
+            <a:r>
+              <a:rPr lang="en-AU" dirty="0" smtClean="0">
+                <a:latin typeface="CMU Serif Roman" charset="0"/>
+                <a:ea typeface="CMU Serif Roman" charset="0"/>
+                <a:cs typeface="CMU Serif Roman" charset="0"/>
+              </a:rPr>
+              <a:t>may lie</a:t>
+            </a:r>
+            <a:r>
+              <a:rPr lang="en-AU" dirty="0" smtClean="0">
+                <a:latin typeface="CMU Serif Roman" charset="0"/>
+                <a:ea typeface="CMU Serif Roman" charset="0"/>
+                <a:cs typeface="CMU Serif Roman" charset="0"/>
+              </a:rPr>
+              <a:t> in the sampling.</a:t>
+            </a:r>
+            <a:endParaRPr lang="en-AU" dirty="0">
+              <a:latin typeface="CMU Serif Roman" charset="0"/>
+              <a:ea typeface="CMU Serif Roman" charset="0"/>
+              <a:cs typeface="CMU Serif Roman" charset="0"/>
+            </a:endParaRPr>
+          </a:p>
+        </p:txBody>
+      </p:sp>
+      <p:sp>
+        <p:nvSpPr>
+          <p:cNvPr id="3" name="Inhaltsplatzhalter 2"/>
+          <p:cNvSpPr>
+            <a:spLocks noGrp="1"/>
+          </p:cNvSpPr>
+          <p:nvPr>
+            <p:ph idx="1"/>
+          </p:nvPr>
+        </p:nvSpPr>
+        <p:spPr/>
+        <p:txBody>
+          <a:bodyPr>
+            <a:normAutofit/>
+          </a:bodyPr>
+          <a:lstStyle/>
+          <a:p>
+            <a:r>
+              <a:rPr lang="en-AU" dirty="0" smtClean="0">
+                <a:latin typeface="CMU Serif Roman" charset="0"/>
+                <a:ea typeface="CMU Serif Roman" charset="0"/>
+                <a:cs typeface="CMU Serif Roman" charset="0"/>
+              </a:rPr>
+              <a:t>For complex decision boundaries / predictive surfaces global sampling is unsatisfactory.</a:t>
+            </a:r>
+          </a:p>
+          <a:p>
+            <a:r>
+              <a:rPr lang="en-AU" dirty="0" smtClean="0">
+                <a:latin typeface="CMU Serif Roman" charset="0"/>
+                <a:ea typeface="CMU Serif Roman" charset="0"/>
+                <a:cs typeface="CMU Serif Roman" charset="0"/>
+              </a:rPr>
+              <a:t>The sampling may result in only few observations that are actually in proximity to the instance to be explained.</a:t>
+            </a:r>
+          </a:p>
+          <a:p>
+            <a:r>
+              <a:rPr lang="en-AU" dirty="0" smtClean="0">
+                <a:latin typeface="CMU Serif Roman" charset="0"/>
+                <a:ea typeface="CMU Serif Roman" charset="0"/>
+                <a:cs typeface="CMU Serif Roman" charset="0"/>
+              </a:rPr>
+              <a:t>Craven and Shavlik (1996) argue (in a very different context) that local fidelity is achieved by increasing the density of observations around the instance of interest.</a:t>
+            </a:r>
+          </a:p>
+          <a:p>
+            <a:r>
+              <a:rPr lang="en-AU" dirty="0" smtClean="0">
+                <a:latin typeface="CMU Serif Roman" charset="0"/>
+                <a:ea typeface="CMU Serif Roman" charset="0"/>
+                <a:cs typeface="CMU Serif Roman" charset="0"/>
+              </a:rPr>
+              <a:t>Local sampling should be preferred over global sampling (</a:t>
+            </a:r>
+            <a:r>
+              <a:rPr lang="en-AU" dirty="0" err="1" smtClean="0">
+                <a:latin typeface="CMU Serif Roman" charset="0"/>
+                <a:ea typeface="CMU Serif Roman" charset="0"/>
+                <a:cs typeface="CMU Serif Roman" charset="0"/>
+              </a:rPr>
+              <a:t>Laugel</a:t>
+            </a:r>
+            <a:r>
+              <a:rPr lang="en-AU" dirty="0" smtClean="0">
+                <a:latin typeface="CMU Serif Roman" charset="0"/>
+                <a:ea typeface="CMU Serif Roman" charset="0"/>
+                <a:cs typeface="CMU Serif Roman" charset="0"/>
+              </a:rPr>
+              <a:t> et al. 2018).</a:t>
+            </a:r>
+          </a:p>
+          <a:p>
+            <a:r>
+              <a:rPr lang="en-AU" dirty="0" smtClean="0">
+                <a:latin typeface="CMU Serif Roman" charset="0"/>
+                <a:ea typeface="CMU Serif Roman" charset="0"/>
+                <a:cs typeface="CMU Serif Roman" charset="0"/>
+              </a:rPr>
+              <a:t>Local sampling is actually also performed for LIME for non-tabular data (next slide).</a:t>
+            </a:r>
+            <a:endParaRPr lang="en-AU" dirty="0" smtClean="0">
+              <a:latin typeface="CMU Serif Roman" charset="0"/>
+              <a:ea typeface="CMU Serif Roman" charset="0"/>
+              <a:cs typeface="CMU Serif Roman" charset="0"/>
+            </a:endParaRPr>
+          </a:p>
+        </p:txBody>
+      </p:sp>
+      <p:sp>
+        <p:nvSpPr>
+          <p:cNvPr id="4" name="Datumsplatzhalter 3"/>
+          <p:cNvSpPr>
+            <a:spLocks noGrp="1"/>
+          </p:cNvSpPr>
+          <p:nvPr>
+            <p:ph type="dt" sz="half" idx="10"/>
+          </p:nvPr>
+        </p:nvSpPr>
+        <p:spPr/>
+        <p:txBody>
+          <a:bodyPr/>
+          <a:lstStyle/>
+          <a:p>
+            <a:r>
+              <a:rPr lang="de-DE" smtClean="0">
+                <a:latin typeface="CMU Serif Roman" charset="0"/>
+                <a:ea typeface="CMU Serif Roman" charset="0"/>
+                <a:cs typeface="CMU Serif Roman" charset="0"/>
+              </a:rPr>
+              <a:t>12.07.2019</a:t>
+            </a:r>
+            <a:endParaRPr lang="en-AU" dirty="0">
+              <a:latin typeface="CMU Serif Roman" charset="0"/>
+              <a:ea typeface="CMU Serif Roman" charset="0"/>
+              <a:cs typeface="CMU Serif Roman" charset="0"/>
+            </a:endParaRPr>
+          </a:p>
+        </p:txBody>
+      </p:sp>
+      <p:sp>
+        <p:nvSpPr>
+          <p:cNvPr id="5" name="Fußzeilenplatzhalter 4"/>
+          <p:cNvSpPr>
+            <a:spLocks noGrp="1"/>
+          </p:cNvSpPr>
+          <p:nvPr>
+            <p:ph type="ftr" sz="quarter" idx="11"/>
+          </p:nvPr>
+        </p:nvSpPr>
+        <p:spPr/>
+        <p:txBody>
+          <a:bodyPr/>
+          <a:lstStyle/>
+          <a:p>
+            <a:r>
+              <a:rPr lang="en-AU" dirty="0" smtClean="0">
+                <a:latin typeface="CMU Serif Roman" charset="0"/>
+                <a:ea typeface="CMU Serif Roman" charset="0"/>
+                <a:cs typeface="CMU Serif Roman" charset="0"/>
+              </a:rPr>
+              <a:t>Interpretable Machine Learning</a:t>
+            </a:r>
+            <a:endParaRPr lang="en-AU" dirty="0">
+              <a:latin typeface="CMU Serif Roman" charset="0"/>
+              <a:ea typeface="CMU Serif Roman" charset="0"/>
+              <a:cs typeface="CMU Serif Roman" charset="0"/>
+            </a:endParaRPr>
+          </a:p>
+        </p:txBody>
+      </p:sp>
+      <p:sp>
+        <p:nvSpPr>
+          <p:cNvPr id="6" name="Foliennummernplatzhalter 5"/>
+          <p:cNvSpPr>
+            <a:spLocks noGrp="1"/>
+          </p:cNvSpPr>
+          <p:nvPr>
+            <p:ph type="sldNum" sz="quarter" idx="12"/>
+          </p:nvPr>
+        </p:nvSpPr>
+        <p:spPr/>
+        <p:txBody>
+          <a:bodyPr/>
+          <a:lstStyle/>
+          <a:p>
+            <a:fld id="{0FD15DEB-6CC9-F641-94EB-91A016C2CB29}" type="slidenum">
+              <a:rPr lang="en-AU" smtClean="0">
+                <a:latin typeface="CMU Serif Roman" charset="0"/>
+                <a:ea typeface="CMU Serif Roman" charset="0"/>
+                <a:cs typeface="CMU Serif Roman" charset="0"/>
+              </a:rPr>
+              <a:t>34</a:t>
+            </a:fld>
+            <a:endParaRPr lang="en-AU" dirty="0">
+              <a:latin typeface="CMU Serif Roman" charset="0"/>
+              <a:ea typeface="CMU Serif Roman" charset="0"/>
+              <a:cs typeface="CMU Serif Roman" charset="0"/>
+            </a:endParaRPr>
+          </a:p>
+        </p:txBody>
+      </p:sp>
+    </p:spTree>
+    <p:extLst>
+      <p:ext uri="{BB962C8B-B14F-4D97-AF65-F5344CB8AC3E}">
+        <p14:creationId xmlns:p14="http://schemas.microsoft.com/office/powerpoint/2010/main" val="213996905"/>
+      </p:ext>
+    </p:extLst>
+  </p:cSld>
+  <p:clrMapOvr>
+    <a:masterClrMapping/>
+  </p:clrMapOvr>
+  <p:timing>
+    <p:tnLst>
+      <p:par>
+        <p:cTn id="1" dur="indefinite" restart="never" nodeType="tmRoot"/>
+      </p:par>
+    </p:tnLst>
+  </p:timing>
+</p:sld>
+</file>
+
+<file path=ppt/slides/slide36.xml><?xml version="1.0" encoding="utf-8"?>
+<p:sld xmlns:a="http://schemas.openxmlformats.org/drawingml/2006/main" xmlns:r="http://schemas.openxmlformats.org/officeDocument/2006/relationships" xmlns:p="http://schemas.openxmlformats.org/presentationml/2006/main">
+  <p:cSld>
+    <p:spTree>
+      <p:nvGrpSpPr>
+        <p:cNvPr id="1" name=""/>
+        <p:cNvGrpSpPr/>
+        <p:nvPr/>
+      </p:nvGrpSpPr>
+      <p:grpSpPr>
+        <a:xfrm>
+          <a:off x="0" y="0"/>
+          <a:ext cx="0" cy="0"/>
+          <a:chOff x="0" y="0"/>
+          <a:chExt cx="0" cy="0"/>
+        </a:xfrm>
+      </p:grpSpPr>
+      <p:sp>
+        <p:nvSpPr>
+          <p:cNvPr id="2" name="Titel 1"/>
+          <p:cNvSpPr>
+            <a:spLocks noGrp="1"/>
+          </p:cNvSpPr>
+          <p:nvPr>
+            <p:ph type="title"/>
+          </p:nvPr>
+        </p:nvSpPr>
+        <p:spPr/>
+        <p:txBody>
+          <a:bodyPr/>
+          <a:lstStyle/>
+          <a:p>
+            <a:r>
+              <a:rPr lang="en-AU" dirty="0" smtClean="0">
+                <a:latin typeface="CMU Serif Roman" charset="0"/>
+                <a:ea typeface="CMU Serif Roman" charset="0"/>
+                <a:cs typeface="CMU Serif Roman" charset="0"/>
+              </a:rPr>
+              <a:t>LIME for text data applies local sampling.</a:t>
+            </a:r>
+            <a:endParaRPr lang="en-AU" dirty="0">
+              <a:latin typeface="CMU Serif Roman" charset="0"/>
+              <a:ea typeface="CMU Serif Roman" charset="0"/>
+              <a:cs typeface="CMU Serif Roman" charset="0"/>
+            </a:endParaRPr>
+          </a:p>
+        </p:txBody>
+      </p:sp>
+      <p:sp>
+        <p:nvSpPr>
+          <p:cNvPr id="3" name="Inhaltsplatzhalter 2"/>
+          <p:cNvSpPr>
+            <a:spLocks noGrp="1"/>
+          </p:cNvSpPr>
+          <p:nvPr>
+            <p:ph idx="1"/>
+          </p:nvPr>
+        </p:nvSpPr>
+        <p:spPr/>
+        <p:txBody>
+          <a:bodyPr/>
+          <a:lstStyle/>
+          <a:p>
+            <a:r>
+              <a:rPr lang="en-AU" dirty="0" smtClean="0">
+                <a:latin typeface="CMU Serif Roman" charset="0"/>
+                <a:ea typeface="CMU Serif Roman" charset="0"/>
+                <a:cs typeface="CMU Serif Roman" charset="0"/>
+              </a:rPr>
+              <a:t>Example taken from Molnar (2019):</a:t>
+            </a:r>
+          </a:p>
+          <a:p>
+            <a:endParaRPr lang="en-AU" dirty="0">
+              <a:latin typeface="CMU Serif Roman" charset="0"/>
+              <a:ea typeface="CMU Serif Roman" charset="0"/>
+              <a:cs typeface="CMU Serif Roman" charset="0"/>
+            </a:endParaRPr>
+          </a:p>
+        </p:txBody>
+      </p:sp>
+      <p:sp>
+        <p:nvSpPr>
+          <p:cNvPr id="4" name="Datumsplatzhalter 3"/>
+          <p:cNvSpPr>
+            <a:spLocks noGrp="1"/>
+          </p:cNvSpPr>
+          <p:nvPr>
+            <p:ph type="dt" sz="half" idx="10"/>
+          </p:nvPr>
+        </p:nvSpPr>
+        <p:spPr/>
+        <p:txBody>
+          <a:bodyPr/>
+          <a:lstStyle/>
+          <a:p>
+            <a:r>
+              <a:rPr lang="de-DE" smtClean="0">
+                <a:latin typeface="CMU Serif Roman" charset="0"/>
+                <a:ea typeface="CMU Serif Roman" charset="0"/>
+                <a:cs typeface="CMU Serif Roman" charset="0"/>
+              </a:rPr>
+              <a:t>12.07.2019</a:t>
+            </a:r>
+            <a:endParaRPr lang="en-AU" dirty="0">
+              <a:latin typeface="CMU Serif Roman" charset="0"/>
+              <a:ea typeface="CMU Serif Roman" charset="0"/>
+              <a:cs typeface="CMU Serif Roman" charset="0"/>
+            </a:endParaRPr>
+          </a:p>
+        </p:txBody>
+      </p:sp>
+      <p:sp>
+        <p:nvSpPr>
+          <p:cNvPr id="5" name="Fußzeilenplatzhalter 4"/>
+          <p:cNvSpPr>
+            <a:spLocks noGrp="1"/>
+          </p:cNvSpPr>
+          <p:nvPr>
+            <p:ph type="ftr" sz="quarter" idx="11"/>
+          </p:nvPr>
+        </p:nvSpPr>
+        <p:spPr/>
+        <p:txBody>
+          <a:bodyPr/>
+          <a:lstStyle/>
+          <a:p>
+            <a:r>
+              <a:rPr lang="en-AU" dirty="0" smtClean="0">
+                <a:latin typeface="CMU Serif Roman" charset="0"/>
+                <a:ea typeface="CMU Serif Roman" charset="0"/>
+                <a:cs typeface="CMU Serif Roman" charset="0"/>
+              </a:rPr>
+              <a:t>Interpretable Machine Learning</a:t>
+            </a:r>
+            <a:endParaRPr lang="en-AU" dirty="0">
+              <a:latin typeface="CMU Serif Roman" charset="0"/>
+              <a:ea typeface="CMU Serif Roman" charset="0"/>
+              <a:cs typeface="CMU Serif Roman" charset="0"/>
+            </a:endParaRPr>
+          </a:p>
+        </p:txBody>
+      </p:sp>
+      <p:sp>
+        <p:nvSpPr>
+          <p:cNvPr id="6" name="Foliennummernplatzhalter 5"/>
+          <p:cNvSpPr>
+            <a:spLocks noGrp="1"/>
+          </p:cNvSpPr>
+          <p:nvPr>
+            <p:ph type="sldNum" sz="quarter" idx="12"/>
+          </p:nvPr>
+        </p:nvSpPr>
+        <p:spPr/>
+        <p:txBody>
+          <a:bodyPr/>
+          <a:lstStyle/>
+          <a:p>
+            <a:fld id="{0FD15DEB-6CC9-F641-94EB-91A016C2CB29}" type="slidenum">
+              <a:rPr lang="en-AU" smtClean="0">
+                <a:latin typeface="CMU Serif Roman" charset="0"/>
+                <a:ea typeface="CMU Serif Roman" charset="0"/>
+                <a:cs typeface="CMU Serif Roman" charset="0"/>
+              </a:rPr>
+              <a:t>35</a:t>
+            </a:fld>
+            <a:endParaRPr lang="en-AU" dirty="0">
+              <a:latin typeface="CMU Serif Roman" charset="0"/>
+              <a:ea typeface="CMU Serif Roman" charset="0"/>
+              <a:cs typeface="CMU Serif Roman" charset="0"/>
+            </a:endParaRPr>
+          </a:p>
+        </p:txBody>
+      </p:sp>
+      <p:graphicFrame>
+        <p:nvGraphicFramePr>
+          <p:cNvPr id="7" name="Table 6">
+            <a:extLst>
+              <a:ext uri="{FF2B5EF4-FFF2-40B4-BE49-F238E27FC236}">
+                <a16:creationId xmlns="" xmlns:a16="http://schemas.microsoft.com/office/drawing/2014/main" id="{566A038B-D449-49DE-A6B1-6E54B440CB7C}"/>
+              </a:ext>
+            </a:extLst>
+          </p:cNvPr>
+          <p:cNvGraphicFramePr>
+            <a:graphicFrameLocks noGrp="1"/>
+          </p:cNvGraphicFramePr>
+          <p:nvPr>
+            <p:extLst>
+              <p:ext uri="{D42A27DB-BD31-4B8C-83A1-F6EECF244321}">
+                <p14:modId xmlns:p14="http://schemas.microsoft.com/office/powerpoint/2010/main" val="341780822"/>
+              </p:ext>
+            </p:extLst>
+          </p:nvPr>
+        </p:nvGraphicFramePr>
+        <p:xfrm>
+          <a:off x="925501" y="2428557"/>
+          <a:ext cx="4134872" cy="914400"/>
+        </p:xfrm>
+        <a:graphic>
+          <a:graphicData uri="http://schemas.openxmlformats.org/drawingml/2006/table">
+            <a:tbl>
+              <a:tblPr firstRow="1" bandRow="1">
+                <a:tableStyleId>{5C22544A-7EE6-4342-B048-85BDC9FD1C3A}</a:tableStyleId>
+              </a:tblPr>
+              <a:tblGrid>
+                <a:gridCol w="3405748">
+                  <a:extLst>
+                    <a:ext uri="{9D8B030D-6E8A-4147-A177-3AD203B41FA5}">
+                      <a16:colId xmlns="" xmlns:a16="http://schemas.microsoft.com/office/drawing/2014/main" val="486940579"/>
+                    </a:ext>
+                  </a:extLst>
+                </a:gridCol>
+                <a:gridCol w="729124">
+                  <a:extLst>
+                    <a:ext uri="{9D8B030D-6E8A-4147-A177-3AD203B41FA5}">
+                      <a16:colId xmlns="" xmlns:a16="http://schemas.microsoft.com/office/drawing/2014/main" val="3177780932"/>
+                    </a:ext>
+                  </a:extLst>
+                </a:gridCol>
+              </a:tblGrid>
+              <a:tr h="194113">
+                <a:tc>
+                  <a:txBody>
+                    <a:bodyPr/>
+                    <a:lstStyle/>
+                    <a:p>
+                      <a:r>
+                        <a:rPr lang="de-DE" sz="1400" dirty="0">
+                          <a:latin typeface="CMU Serif Roman" charset="0"/>
+                          <a:ea typeface="CMU Serif Roman" charset="0"/>
+                          <a:cs typeface="CMU Serif Roman" charset="0"/>
+                        </a:rPr>
+                        <a:t>Content</a:t>
+                      </a:r>
+                      <a:endParaRPr lang="x-none" sz="1400" dirty="0">
+                        <a:latin typeface="CMU Serif Roman" charset="0"/>
+                        <a:ea typeface="CMU Serif Roman" charset="0"/>
+                        <a:cs typeface="CMU Serif Roman" charset="0"/>
+                      </a:endParaRPr>
+                    </a:p>
+                  </a:txBody>
+                  <a:tcPr/>
+                </a:tc>
+                <a:tc>
+                  <a:txBody>
+                    <a:bodyPr/>
+                    <a:lstStyle/>
+                    <a:p>
+                      <a:r>
+                        <a:rPr lang="de-DE" sz="1400" dirty="0">
+                          <a:latin typeface="CMU Serif Roman" charset="0"/>
+                          <a:ea typeface="CMU Serif Roman" charset="0"/>
+                          <a:cs typeface="CMU Serif Roman" charset="0"/>
+                        </a:rPr>
+                        <a:t>Class</a:t>
+                      </a:r>
+                      <a:endParaRPr lang="x-none" sz="1400" dirty="0">
+                        <a:latin typeface="CMU Serif Roman" charset="0"/>
+                        <a:ea typeface="CMU Serif Roman" charset="0"/>
+                        <a:cs typeface="CMU Serif Roman" charset="0"/>
+                      </a:endParaRPr>
+                    </a:p>
+                  </a:txBody>
+                  <a:tcPr/>
+                </a:tc>
+                <a:extLst>
+                  <a:ext uri="{0D108BD9-81ED-4DB2-BD59-A6C34878D82A}">
+                    <a16:rowId xmlns="" xmlns:a16="http://schemas.microsoft.com/office/drawing/2014/main" val="983854297"/>
+                  </a:ext>
+                </a:extLst>
+              </a:tr>
+              <a:tr h="194113">
+                <a:tc>
+                  <a:txBody>
+                    <a:bodyPr/>
+                    <a:lstStyle/>
+                    <a:p>
+                      <a:r>
+                        <a:rPr lang="en-US" sz="1400" dirty="0">
+                          <a:latin typeface="CMU Serif Roman" charset="0"/>
+                          <a:ea typeface="CMU Serif Roman" charset="0"/>
+                          <a:cs typeface="CMU Serif Roman" charset="0"/>
+                        </a:rPr>
+                        <a:t>PSY is a good guy</a:t>
+                      </a:r>
+                      <a:endParaRPr lang="x-none" sz="1400" dirty="0">
+                        <a:latin typeface="CMU Serif Roman" charset="0"/>
+                        <a:ea typeface="CMU Serif Roman" charset="0"/>
+                        <a:cs typeface="CMU Serif Roman" charset="0"/>
+                      </a:endParaRPr>
+                    </a:p>
+                  </a:txBody>
+                  <a:tcPr/>
+                </a:tc>
+                <a:tc>
+                  <a:txBody>
+                    <a:bodyPr/>
+                    <a:lstStyle/>
+                    <a:p>
+                      <a:r>
+                        <a:rPr lang="de-DE" sz="1400" dirty="0">
+                          <a:latin typeface="CMU Serif Roman" charset="0"/>
+                          <a:ea typeface="CMU Serif Roman" charset="0"/>
+                          <a:cs typeface="CMU Serif Roman" charset="0"/>
+                        </a:rPr>
+                        <a:t>0</a:t>
+                      </a:r>
+                      <a:endParaRPr lang="x-none" sz="1400" dirty="0">
+                        <a:latin typeface="CMU Serif Roman" charset="0"/>
+                        <a:ea typeface="CMU Serif Roman" charset="0"/>
+                        <a:cs typeface="CMU Serif Roman" charset="0"/>
+                      </a:endParaRPr>
+                    </a:p>
+                  </a:txBody>
+                  <a:tcPr/>
+                </a:tc>
+                <a:extLst>
+                  <a:ext uri="{0D108BD9-81ED-4DB2-BD59-A6C34878D82A}">
+                    <a16:rowId xmlns="" xmlns:a16="http://schemas.microsoft.com/office/drawing/2014/main" val="1216490689"/>
+                  </a:ext>
+                </a:extLst>
+              </a:tr>
+              <a:tr h="194113">
+                <a:tc>
+                  <a:txBody>
+                    <a:bodyPr/>
+                    <a:lstStyle/>
+                    <a:p>
+                      <a:r>
+                        <a:rPr lang="en-US" sz="1400" dirty="0">
+                          <a:latin typeface="CMU Serif Roman" charset="0"/>
+                          <a:ea typeface="CMU Serif Roman" charset="0"/>
+                          <a:cs typeface="CMU Serif Roman" charset="0"/>
+                        </a:rPr>
+                        <a:t>For Christmas Song visit my channel! ;)</a:t>
+                      </a:r>
+                      <a:endParaRPr lang="x-none" sz="1400" dirty="0">
+                        <a:latin typeface="CMU Serif Roman" charset="0"/>
+                        <a:ea typeface="CMU Serif Roman" charset="0"/>
+                        <a:cs typeface="CMU Serif Roman" charset="0"/>
+                      </a:endParaRPr>
+                    </a:p>
+                  </a:txBody>
+                  <a:tcPr/>
+                </a:tc>
+                <a:tc>
+                  <a:txBody>
+                    <a:bodyPr/>
+                    <a:lstStyle/>
+                    <a:p>
+                      <a:r>
+                        <a:rPr lang="de-DE" sz="1400" dirty="0">
+                          <a:latin typeface="CMU Serif Roman" charset="0"/>
+                          <a:ea typeface="CMU Serif Roman" charset="0"/>
+                          <a:cs typeface="CMU Serif Roman" charset="0"/>
+                        </a:rPr>
+                        <a:t>1</a:t>
+                      </a:r>
+                      <a:endParaRPr lang="x-none" sz="1400" dirty="0">
+                        <a:latin typeface="CMU Serif Roman" charset="0"/>
+                        <a:ea typeface="CMU Serif Roman" charset="0"/>
+                        <a:cs typeface="CMU Serif Roman" charset="0"/>
+                      </a:endParaRPr>
+                    </a:p>
+                  </a:txBody>
+                  <a:tcPr/>
+                </a:tc>
+                <a:extLst>
+                  <a:ext uri="{0D108BD9-81ED-4DB2-BD59-A6C34878D82A}">
+                    <a16:rowId xmlns="" xmlns:a16="http://schemas.microsoft.com/office/drawing/2014/main" val="702454353"/>
+                  </a:ext>
+                </a:extLst>
+              </a:tr>
+            </a:tbl>
+          </a:graphicData>
+        </a:graphic>
+      </p:graphicFrame>
+      <p:graphicFrame>
+        <p:nvGraphicFramePr>
+          <p:cNvPr id="12" name="Tabelle 11"/>
+          <p:cNvGraphicFramePr>
+            <a:graphicFrameLocks noGrp="1"/>
+          </p:cNvGraphicFramePr>
+          <p:nvPr>
+            <p:extLst>
+              <p:ext uri="{D42A27DB-BD31-4B8C-83A1-F6EECF244321}">
+                <p14:modId xmlns:p14="http://schemas.microsoft.com/office/powerpoint/2010/main" val="1939003276"/>
+              </p:ext>
+            </p:extLst>
+          </p:nvPr>
+        </p:nvGraphicFramePr>
+        <p:xfrm>
+          <a:off x="925503" y="3621453"/>
+          <a:ext cx="7441256" cy="2225040"/>
+        </p:xfrm>
+        <a:graphic>
+          <a:graphicData uri="http://schemas.openxmlformats.org/drawingml/2006/table">
+            <a:tbl>
+              <a:tblPr firstRow="1" bandRow="1">
+                <a:tableStyleId>{5C22544A-7EE6-4342-B048-85BDC9FD1C3A}</a:tableStyleId>
+              </a:tblPr>
+              <a:tblGrid>
+                <a:gridCol w="930157"/>
+                <a:gridCol w="794022"/>
+                <a:gridCol w="1066292"/>
+                <a:gridCol w="930157"/>
+                <a:gridCol w="930157"/>
+                <a:gridCol w="930157"/>
+                <a:gridCol w="930157"/>
+                <a:gridCol w="930157"/>
+              </a:tblGrid>
+              <a:tr h="370840">
+                <a:tc>
+                  <a:txBody>
+                    <a:bodyPr/>
+                    <a:lstStyle/>
+                    <a:p>
+                      <a:pPr marL="0" algn="l" defTabSz="914400" rtl="0" eaLnBrk="1" latinLnBrk="0" hangingPunct="1"/>
+                      <a:endParaRPr lang="de-DE" sz="1400" kern="1200" dirty="0">
+                        <a:solidFill>
+                          <a:schemeClr val="dk1"/>
+                        </a:solidFill>
+                        <a:latin typeface="CMU Serif Roman" charset="0"/>
+                        <a:ea typeface="CMU Serif Roman" charset="0"/>
+                        <a:cs typeface="CMU Serif Roman" charset="0"/>
+                      </a:endParaRPr>
+                    </a:p>
+                  </a:txBody>
+                  <a:tcPr marL="77269" marR="77269" marT="35662" marB="35662" anchor="ctr"/>
+                </a:tc>
+                <a:tc>
+                  <a:txBody>
+                    <a:bodyPr/>
+                    <a:lstStyle/>
+                    <a:p>
+                      <a:pPr marL="0" algn="l" defTabSz="914400" rtl="0" eaLnBrk="1" latinLnBrk="0" hangingPunct="1"/>
+                      <a:r>
+                        <a:rPr lang="de-DE" sz="1400" kern="1200" dirty="0" err="1" smtClean="0">
+                          <a:solidFill>
+                            <a:schemeClr val="lt1"/>
+                          </a:solidFill>
+                          <a:latin typeface="CMU Serif Roman" charset="0"/>
+                          <a:ea typeface="CMU Serif Roman" charset="0"/>
+                          <a:cs typeface="CMU Serif Roman" charset="0"/>
+                        </a:rPr>
+                        <a:t>For</a:t>
+                      </a:r>
+                      <a:endParaRPr lang="de-DE" sz="1400" kern="1200" dirty="0">
+                        <a:solidFill>
+                          <a:schemeClr val="dk1"/>
+                        </a:solidFill>
+                        <a:latin typeface="CMU Serif Roman" charset="0"/>
+                        <a:ea typeface="CMU Serif Roman" charset="0"/>
+                        <a:cs typeface="CMU Serif Roman" charset="0"/>
+                      </a:endParaRPr>
+                    </a:p>
+                  </a:txBody>
+                  <a:tcPr marL="77269" marR="77269" marT="35662" marB="35662" anchor="ctr"/>
+                </a:tc>
+                <a:tc>
+                  <a:txBody>
+                    <a:bodyPr/>
+                    <a:lstStyle/>
+                    <a:p>
+                      <a:pPr marL="0" algn="l" defTabSz="914400" rtl="0" eaLnBrk="1" latinLnBrk="0" hangingPunct="1"/>
+                      <a:r>
+                        <a:rPr lang="de-DE" sz="1400" kern="1200" dirty="0">
+                          <a:latin typeface="CMU Serif Roman" charset="0"/>
+                          <a:ea typeface="CMU Serif Roman" charset="0"/>
+                          <a:cs typeface="CMU Serif Roman" charset="0"/>
+                        </a:rPr>
+                        <a:t>Christmas</a:t>
+                      </a:r>
+                      <a:endParaRPr lang="de-DE" sz="1400" kern="1200" dirty="0">
+                        <a:solidFill>
+                          <a:schemeClr val="dk1"/>
+                        </a:solidFill>
+                        <a:latin typeface="CMU Serif Roman" charset="0"/>
+                        <a:ea typeface="CMU Serif Roman" charset="0"/>
+                        <a:cs typeface="CMU Serif Roman" charset="0"/>
+                      </a:endParaRPr>
+                    </a:p>
+                  </a:txBody>
+                  <a:tcPr marL="77269" marR="77269" marT="35662" marB="35662" anchor="ctr"/>
+                </a:tc>
+                <a:tc>
+                  <a:txBody>
+                    <a:bodyPr/>
+                    <a:lstStyle/>
+                    <a:p>
+                      <a:pPr marL="0" algn="l" defTabSz="914400" rtl="0" eaLnBrk="1" latinLnBrk="0" hangingPunct="1"/>
+                      <a:r>
+                        <a:rPr lang="de-DE" sz="1400" kern="1200">
+                          <a:latin typeface="CMU Serif Roman" charset="0"/>
+                          <a:ea typeface="CMU Serif Roman" charset="0"/>
+                          <a:cs typeface="CMU Serif Roman" charset="0"/>
+                        </a:rPr>
+                        <a:t>Song</a:t>
+                      </a:r>
+                      <a:endParaRPr lang="de-DE" sz="1400" kern="1200">
+                        <a:solidFill>
+                          <a:schemeClr val="dk1"/>
+                        </a:solidFill>
+                        <a:latin typeface="CMU Serif Roman" charset="0"/>
+                        <a:ea typeface="CMU Serif Roman" charset="0"/>
+                        <a:cs typeface="CMU Serif Roman" charset="0"/>
+                      </a:endParaRPr>
+                    </a:p>
+                  </a:txBody>
+                  <a:tcPr marL="77269" marR="77269" marT="35662" marB="35662" anchor="ctr"/>
+                </a:tc>
+                <a:tc>
+                  <a:txBody>
+                    <a:bodyPr/>
+                    <a:lstStyle/>
+                    <a:p>
+                      <a:pPr marL="0" algn="l" defTabSz="914400" rtl="0" eaLnBrk="1" latinLnBrk="0" hangingPunct="1"/>
+                      <a:r>
+                        <a:rPr lang="de-DE" sz="1400" kern="1200">
+                          <a:latin typeface="CMU Serif Roman" charset="0"/>
+                          <a:ea typeface="CMU Serif Roman" charset="0"/>
+                          <a:cs typeface="CMU Serif Roman" charset="0"/>
+                        </a:rPr>
+                        <a:t>visit</a:t>
+                      </a:r>
+                      <a:endParaRPr lang="de-DE" sz="1400" kern="1200">
+                        <a:solidFill>
+                          <a:schemeClr val="dk1"/>
+                        </a:solidFill>
+                        <a:latin typeface="CMU Serif Roman" charset="0"/>
+                        <a:ea typeface="CMU Serif Roman" charset="0"/>
+                        <a:cs typeface="CMU Serif Roman" charset="0"/>
+                      </a:endParaRPr>
+                    </a:p>
+                  </a:txBody>
+                  <a:tcPr marL="77269" marR="77269" marT="35662" marB="35662" anchor="ctr"/>
+                </a:tc>
+                <a:tc>
+                  <a:txBody>
+                    <a:bodyPr/>
+                    <a:lstStyle/>
+                    <a:p>
+                      <a:pPr marL="0" algn="l" defTabSz="914400" rtl="0" eaLnBrk="1" latinLnBrk="0" hangingPunct="1"/>
+                      <a:r>
+                        <a:rPr lang="de-DE" sz="1400" kern="1200" dirty="0" err="1">
+                          <a:latin typeface="CMU Serif Roman" charset="0"/>
+                          <a:ea typeface="CMU Serif Roman" charset="0"/>
+                          <a:cs typeface="CMU Serif Roman" charset="0"/>
+                        </a:rPr>
+                        <a:t>my</a:t>
+                      </a:r>
+                      <a:endParaRPr lang="de-DE" sz="1400" kern="1200" dirty="0">
+                        <a:solidFill>
+                          <a:schemeClr val="dk1"/>
+                        </a:solidFill>
+                        <a:latin typeface="CMU Serif Roman" charset="0"/>
+                        <a:ea typeface="CMU Serif Roman" charset="0"/>
+                        <a:cs typeface="CMU Serif Roman" charset="0"/>
+                      </a:endParaRPr>
+                    </a:p>
+                  </a:txBody>
+                  <a:tcPr marL="77269" marR="77269" marT="35662" marB="35662" anchor="ctr"/>
+                </a:tc>
+                <a:tc>
+                  <a:txBody>
+                    <a:bodyPr/>
+                    <a:lstStyle/>
+                    <a:p>
+                      <a:pPr marL="0" algn="l" defTabSz="914400" rtl="0" eaLnBrk="1" latinLnBrk="0" hangingPunct="1"/>
+                      <a:r>
+                        <a:rPr lang="de-DE" sz="1400" kern="1200" dirty="0" err="1">
+                          <a:latin typeface="CMU Serif Roman" charset="0"/>
+                          <a:ea typeface="CMU Serif Roman" charset="0"/>
+                          <a:cs typeface="CMU Serif Roman" charset="0"/>
+                        </a:rPr>
+                        <a:t>channel</a:t>
+                      </a:r>
+                      <a:r>
+                        <a:rPr lang="de-DE" sz="1400" kern="1200" dirty="0">
+                          <a:latin typeface="CMU Serif Roman" charset="0"/>
+                          <a:ea typeface="CMU Serif Roman" charset="0"/>
+                          <a:cs typeface="CMU Serif Roman" charset="0"/>
+                        </a:rPr>
+                        <a:t>!</a:t>
+                      </a:r>
+                      <a:endParaRPr lang="de-DE" sz="1400" kern="1200" dirty="0">
+                        <a:solidFill>
+                          <a:schemeClr val="dk1"/>
+                        </a:solidFill>
+                        <a:latin typeface="CMU Serif Roman" charset="0"/>
+                        <a:ea typeface="CMU Serif Roman" charset="0"/>
+                        <a:cs typeface="CMU Serif Roman" charset="0"/>
+                      </a:endParaRPr>
+                    </a:p>
+                  </a:txBody>
+                  <a:tcPr marL="77269" marR="77269" marT="35662" marB="35662" anchor="ctr"/>
+                </a:tc>
+                <a:tc>
+                  <a:txBody>
+                    <a:bodyPr/>
+                    <a:lstStyle/>
+                    <a:p>
+                      <a:pPr marL="0" algn="l" defTabSz="914400" rtl="0" eaLnBrk="1" latinLnBrk="0" hangingPunct="1"/>
+                      <a:r>
+                        <a:rPr lang="mr-IN" sz="1400" kern="1200" dirty="0">
+                          <a:latin typeface="CMU Serif Roman" charset="0"/>
+                          <a:ea typeface="CMU Serif Roman" charset="0"/>
+                          <a:cs typeface="CMU Serif Roman" charset="0"/>
+                        </a:rPr>
+                        <a:t>;)</a:t>
+                      </a:r>
+                      <a:endParaRPr lang="mr-IN" sz="1400" kern="1200" dirty="0">
+                        <a:solidFill>
+                          <a:schemeClr val="dk1"/>
+                        </a:solidFill>
+                        <a:latin typeface="CMU Serif Roman" charset="0"/>
+                        <a:ea typeface="CMU Serif Roman" charset="0"/>
+                        <a:cs typeface="CMU Serif Roman" charset="0"/>
+                      </a:endParaRPr>
+                    </a:p>
+                  </a:txBody>
+                  <a:tcPr marL="77269" marR="77269" marT="35662" marB="35662" anchor="ctr"/>
+                </a:tc>
+              </a:tr>
+              <a:tr h="370840">
+                <a:tc>
+                  <a:txBody>
+                    <a:bodyPr/>
+                    <a:lstStyle/>
+                    <a:p>
+                      <a:pPr marL="0" algn="l" defTabSz="914400" rtl="0" eaLnBrk="1" latinLnBrk="0" hangingPunct="1"/>
+                      <a:r>
+                        <a:rPr lang="is-IS" sz="1400" kern="1200">
+                          <a:latin typeface="CMU Serif Roman" charset="0"/>
+                          <a:ea typeface="CMU Serif Roman" charset="0"/>
+                          <a:cs typeface="CMU Serif Roman" charset="0"/>
+                        </a:rPr>
+                        <a:t>2</a:t>
+                      </a:r>
+                      <a:endParaRPr lang="is-IS" sz="1400" kern="1200">
+                        <a:solidFill>
+                          <a:schemeClr val="dk1"/>
+                        </a:solidFill>
+                        <a:latin typeface="CMU Serif Roman" charset="0"/>
+                        <a:ea typeface="CMU Serif Roman" charset="0"/>
+                        <a:cs typeface="CMU Serif Roman" charset="0"/>
+                      </a:endParaRPr>
+                    </a:p>
+                  </a:txBody>
+                  <a:tcPr marL="77269" marR="77269" marT="35662" marB="35662" anchor="ctr"/>
+                </a:tc>
+                <a:tc>
+                  <a:txBody>
+                    <a:bodyPr/>
+                    <a:lstStyle/>
+                    <a:p>
+                      <a:pPr marL="0" algn="l" defTabSz="914400" rtl="0" eaLnBrk="1" latinLnBrk="0" hangingPunct="1"/>
+                      <a:r>
+                        <a:rPr lang="de-DE" sz="1400" kern="1200">
+                          <a:latin typeface="CMU Serif Roman" charset="0"/>
+                          <a:ea typeface="CMU Serif Roman" charset="0"/>
+                          <a:cs typeface="CMU Serif Roman" charset="0"/>
+                        </a:rPr>
+                        <a:t>1</a:t>
+                      </a:r>
+                      <a:endParaRPr lang="de-DE" sz="1400" kern="1200">
+                        <a:solidFill>
+                          <a:schemeClr val="dk1"/>
+                        </a:solidFill>
+                        <a:latin typeface="CMU Serif Roman" charset="0"/>
+                        <a:ea typeface="CMU Serif Roman" charset="0"/>
+                        <a:cs typeface="CMU Serif Roman" charset="0"/>
+                      </a:endParaRPr>
+                    </a:p>
+                  </a:txBody>
+                  <a:tcPr marL="77269" marR="77269" marT="35662" marB="35662" anchor="ctr"/>
+                </a:tc>
+                <a:tc>
+                  <a:txBody>
+                    <a:bodyPr/>
+                    <a:lstStyle/>
+                    <a:p>
+                      <a:pPr marL="0" algn="l" defTabSz="914400" rtl="0" eaLnBrk="1" latinLnBrk="0" hangingPunct="1"/>
+                      <a:r>
+                        <a:rPr lang="de-DE" sz="1400" kern="1200">
+                          <a:latin typeface="CMU Serif Roman" charset="0"/>
+                          <a:ea typeface="CMU Serif Roman" charset="0"/>
+                          <a:cs typeface="CMU Serif Roman" charset="0"/>
+                        </a:rPr>
+                        <a:t>0</a:t>
+                      </a:r>
+                      <a:endParaRPr lang="de-DE" sz="1400" kern="1200">
+                        <a:solidFill>
+                          <a:schemeClr val="dk1"/>
+                        </a:solidFill>
+                        <a:latin typeface="CMU Serif Roman" charset="0"/>
+                        <a:ea typeface="CMU Serif Roman" charset="0"/>
+                        <a:cs typeface="CMU Serif Roman" charset="0"/>
+                      </a:endParaRPr>
+                    </a:p>
+                  </a:txBody>
+                  <a:tcPr marL="77269" marR="77269" marT="35662" marB="35662" anchor="ctr"/>
+                </a:tc>
+                <a:tc>
+                  <a:txBody>
+                    <a:bodyPr/>
+                    <a:lstStyle/>
+                    <a:p>
+                      <a:pPr marL="0" algn="l" defTabSz="914400" rtl="0" eaLnBrk="1" latinLnBrk="0" hangingPunct="1"/>
+                      <a:r>
+                        <a:rPr lang="de-DE" sz="1400" kern="1200">
+                          <a:latin typeface="CMU Serif Roman" charset="0"/>
+                          <a:ea typeface="CMU Serif Roman" charset="0"/>
+                          <a:cs typeface="CMU Serif Roman" charset="0"/>
+                        </a:rPr>
+                        <a:t>1</a:t>
+                      </a:r>
+                      <a:endParaRPr lang="de-DE" sz="1400" kern="1200">
+                        <a:solidFill>
+                          <a:schemeClr val="dk1"/>
+                        </a:solidFill>
+                        <a:latin typeface="CMU Serif Roman" charset="0"/>
+                        <a:ea typeface="CMU Serif Roman" charset="0"/>
+                        <a:cs typeface="CMU Serif Roman" charset="0"/>
+                      </a:endParaRPr>
+                    </a:p>
+                  </a:txBody>
+                  <a:tcPr marL="77269" marR="77269" marT="35662" marB="35662" anchor="ctr"/>
+                </a:tc>
+                <a:tc>
+                  <a:txBody>
+                    <a:bodyPr/>
+                    <a:lstStyle/>
+                    <a:p>
+                      <a:pPr marL="0" algn="l" defTabSz="914400" rtl="0" eaLnBrk="1" latinLnBrk="0" hangingPunct="1"/>
+                      <a:r>
+                        <a:rPr lang="de-DE" sz="1400" kern="1200" dirty="0">
+                          <a:latin typeface="CMU Serif Roman" charset="0"/>
+                          <a:ea typeface="CMU Serif Roman" charset="0"/>
+                          <a:cs typeface="CMU Serif Roman" charset="0"/>
+                        </a:rPr>
+                        <a:t>1</a:t>
+                      </a:r>
+                      <a:endParaRPr lang="de-DE" sz="1400" kern="1200" dirty="0">
+                        <a:solidFill>
+                          <a:schemeClr val="dk1"/>
+                        </a:solidFill>
+                        <a:latin typeface="CMU Serif Roman" charset="0"/>
+                        <a:ea typeface="CMU Serif Roman" charset="0"/>
+                        <a:cs typeface="CMU Serif Roman" charset="0"/>
+                      </a:endParaRPr>
+                    </a:p>
+                  </a:txBody>
+                  <a:tcPr marL="77269" marR="77269" marT="35662" marB="35662" anchor="ctr"/>
+                </a:tc>
+                <a:tc>
+                  <a:txBody>
+                    <a:bodyPr/>
+                    <a:lstStyle/>
+                    <a:p>
+                      <a:pPr marL="0" algn="l" defTabSz="914400" rtl="0" eaLnBrk="1" latinLnBrk="0" hangingPunct="1"/>
+                      <a:r>
+                        <a:rPr lang="de-DE" sz="1400" kern="1200">
+                          <a:latin typeface="CMU Serif Roman" charset="0"/>
+                          <a:ea typeface="CMU Serif Roman" charset="0"/>
+                          <a:cs typeface="CMU Serif Roman" charset="0"/>
+                        </a:rPr>
+                        <a:t>0</a:t>
+                      </a:r>
+                      <a:endParaRPr lang="de-DE" sz="1400" kern="1200">
+                        <a:solidFill>
+                          <a:schemeClr val="dk1"/>
+                        </a:solidFill>
+                        <a:latin typeface="CMU Serif Roman" charset="0"/>
+                        <a:ea typeface="CMU Serif Roman" charset="0"/>
+                        <a:cs typeface="CMU Serif Roman" charset="0"/>
+                      </a:endParaRPr>
+                    </a:p>
+                  </a:txBody>
+                  <a:tcPr marL="77269" marR="77269" marT="35662" marB="35662" anchor="ctr"/>
+                </a:tc>
+                <a:tc>
+                  <a:txBody>
+                    <a:bodyPr/>
+                    <a:lstStyle/>
+                    <a:p>
+                      <a:pPr marL="0" algn="l" defTabSz="914400" rtl="0" eaLnBrk="1" latinLnBrk="0" hangingPunct="1"/>
+                      <a:r>
+                        <a:rPr lang="de-DE" sz="1400" kern="1200">
+                          <a:latin typeface="CMU Serif Roman" charset="0"/>
+                          <a:ea typeface="CMU Serif Roman" charset="0"/>
+                          <a:cs typeface="CMU Serif Roman" charset="0"/>
+                        </a:rPr>
+                        <a:t>0</a:t>
+                      </a:r>
+                      <a:endParaRPr lang="de-DE" sz="1400" kern="1200">
+                        <a:solidFill>
+                          <a:schemeClr val="dk1"/>
+                        </a:solidFill>
+                        <a:latin typeface="CMU Serif Roman" charset="0"/>
+                        <a:ea typeface="CMU Serif Roman" charset="0"/>
+                        <a:cs typeface="CMU Serif Roman" charset="0"/>
+                      </a:endParaRPr>
+                    </a:p>
+                  </a:txBody>
+                  <a:tcPr marL="77269" marR="77269" marT="35662" marB="35662" anchor="ctr"/>
+                </a:tc>
+                <a:tc>
+                  <a:txBody>
+                    <a:bodyPr/>
+                    <a:lstStyle/>
+                    <a:p>
+                      <a:pPr marL="0" algn="l" defTabSz="914400" rtl="0" eaLnBrk="1" latinLnBrk="0" hangingPunct="1"/>
+                      <a:r>
+                        <a:rPr lang="de-DE" sz="1400" kern="1200">
+                          <a:latin typeface="CMU Serif Roman" charset="0"/>
+                          <a:ea typeface="CMU Serif Roman" charset="0"/>
+                          <a:cs typeface="CMU Serif Roman" charset="0"/>
+                        </a:rPr>
+                        <a:t>1</a:t>
+                      </a:r>
+                      <a:endParaRPr lang="de-DE" sz="1400" kern="1200">
+                        <a:solidFill>
+                          <a:schemeClr val="dk1"/>
+                        </a:solidFill>
+                        <a:latin typeface="CMU Serif Roman" charset="0"/>
+                        <a:ea typeface="CMU Serif Roman" charset="0"/>
+                        <a:cs typeface="CMU Serif Roman" charset="0"/>
+                      </a:endParaRPr>
+                    </a:p>
+                  </a:txBody>
+                  <a:tcPr marL="77269" marR="77269" marT="35662" marB="35662" anchor="ctr"/>
+                </a:tc>
+              </a:tr>
+              <a:tr h="370840">
+                <a:tc>
+                  <a:txBody>
+                    <a:bodyPr/>
+                    <a:lstStyle/>
+                    <a:p>
+                      <a:pPr marL="0" algn="l" defTabSz="914400" rtl="0" eaLnBrk="1" latinLnBrk="0" hangingPunct="1"/>
+                      <a:r>
+                        <a:rPr lang="de-DE" sz="1400" kern="1200">
+                          <a:latin typeface="CMU Serif Roman" charset="0"/>
+                          <a:ea typeface="CMU Serif Roman" charset="0"/>
+                          <a:cs typeface="CMU Serif Roman" charset="0"/>
+                        </a:rPr>
+                        <a:t>3</a:t>
+                      </a:r>
+                      <a:endParaRPr lang="de-DE" sz="1400" kern="1200">
+                        <a:solidFill>
+                          <a:schemeClr val="dk1"/>
+                        </a:solidFill>
+                        <a:latin typeface="CMU Serif Roman" charset="0"/>
+                        <a:ea typeface="CMU Serif Roman" charset="0"/>
+                        <a:cs typeface="CMU Serif Roman" charset="0"/>
+                      </a:endParaRPr>
+                    </a:p>
+                  </a:txBody>
+                  <a:tcPr marL="77269" marR="77269" marT="35662" marB="35662" anchor="ctr"/>
+                </a:tc>
+                <a:tc>
+                  <a:txBody>
+                    <a:bodyPr/>
+                    <a:lstStyle/>
+                    <a:p>
+                      <a:pPr marL="0" algn="l" defTabSz="914400" rtl="0" eaLnBrk="1" latinLnBrk="0" hangingPunct="1"/>
+                      <a:r>
+                        <a:rPr lang="de-DE" sz="1400" kern="1200">
+                          <a:latin typeface="CMU Serif Roman" charset="0"/>
+                          <a:ea typeface="CMU Serif Roman" charset="0"/>
+                          <a:cs typeface="CMU Serif Roman" charset="0"/>
+                        </a:rPr>
+                        <a:t>0</a:t>
+                      </a:r>
+                      <a:endParaRPr lang="de-DE" sz="1400" kern="1200">
+                        <a:solidFill>
+                          <a:schemeClr val="dk1"/>
+                        </a:solidFill>
+                        <a:latin typeface="CMU Serif Roman" charset="0"/>
+                        <a:ea typeface="CMU Serif Roman" charset="0"/>
+                        <a:cs typeface="CMU Serif Roman" charset="0"/>
+                      </a:endParaRPr>
+                    </a:p>
+                  </a:txBody>
+                  <a:tcPr marL="77269" marR="77269" marT="35662" marB="35662" anchor="ctr"/>
+                </a:tc>
+                <a:tc>
+                  <a:txBody>
+                    <a:bodyPr/>
+                    <a:lstStyle/>
+                    <a:p>
+                      <a:pPr marL="0" algn="l" defTabSz="914400" rtl="0" eaLnBrk="1" latinLnBrk="0" hangingPunct="1"/>
+                      <a:r>
+                        <a:rPr lang="de-DE" sz="1400" kern="1200">
+                          <a:latin typeface="CMU Serif Roman" charset="0"/>
+                          <a:ea typeface="CMU Serif Roman" charset="0"/>
+                          <a:cs typeface="CMU Serif Roman" charset="0"/>
+                        </a:rPr>
+                        <a:t>1</a:t>
+                      </a:r>
+                      <a:endParaRPr lang="de-DE" sz="1400" kern="1200">
+                        <a:solidFill>
+                          <a:schemeClr val="dk1"/>
+                        </a:solidFill>
+                        <a:latin typeface="CMU Serif Roman" charset="0"/>
+                        <a:ea typeface="CMU Serif Roman" charset="0"/>
+                        <a:cs typeface="CMU Serif Roman" charset="0"/>
+                      </a:endParaRPr>
+                    </a:p>
+                  </a:txBody>
+                  <a:tcPr marL="77269" marR="77269" marT="35662" marB="35662" anchor="ctr"/>
+                </a:tc>
+                <a:tc>
+                  <a:txBody>
+                    <a:bodyPr/>
+                    <a:lstStyle/>
+                    <a:p>
+                      <a:pPr marL="0" algn="l" defTabSz="914400" rtl="0" eaLnBrk="1" latinLnBrk="0" hangingPunct="1"/>
+                      <a:r>
+                        <a:rPr lang="de-DE" sz="1400" kern="1200">
+                          <a:latin typeface="CMU Serif Roman" charset="0"/>
+                          <a:ea typeface="CMU Serif Roman" charset="0"/>
+                          <a:cs typeface="CMU Serif Roman" charset="0"/>
+                        </a:rPr>
+                        <a:t>1</a:t>
+                      </a:r>
+                      <a:endParaRPr lang="de-DE" sz="1400" kern="1200">
+                        <a:solidFill>
+                          <a:schemeClr val="dk1"/>
+                        </a:solidFill>
+                        <a:latin typeface="CMU Serif Roman" charset="0"/>
+                        <a:ea typeface="CMU Serif Roman" charset="0"/>
+                        <a:cs typeface="CMU Serif Roman" charset="0"/>
+                      </a:endParaRPr>
+                    </a:p>
+                  </a:txBody>
+                  <a:tcPr marL="77269" marR="77269" marT="35662" marB="35662" anchor="ctr"/>
+                </a:tc>
+                <a:tc>
+                  <a:txBody>
+                    <a:bodyPr/>
+                    <a:lstStyle/>
+                    <a:p>
+                      <a:pPr marL="0" algn="l" defTabSz="914400" rtl="0" eaLnBrk="1" latinLnBrk="0" hangingPunct="1"/>
+                      <a:r>
+                        <a:rPr lang="de-DE" sz="1400" kern="1200" dirty="0">
+                          <a:latin typeface="CMU Serif Roman" charset="0"/>
+                          <a:ea typeface="CMU Serif Roman" charset="0"/>
+                          <a:cs typeface="CMU Serif Roman" charset="0"/>
+                        </a:rPr>
+                        <a:t>1</a:t>
+                      </a:r>
+                      <a:endParaRPr lang="de-DE" sz="1400" kern="1200" dirty="0">
+                        <a:solidFill>
+                          <a:schemeClr val="dk1"/>
+                        </a:solidFill>
+                        <a:latin typeface="CMU Serif Roman" charset="0"/>
+                        <a:ea typeface="CMU Serif Roman" charset="0"/>
+                        <a:cs typeface="CMU Serif Roman" charset="0"/>
+                      </a:endParaRPr>
+                    </a:p>
+                  </a:txBody>
+                  <a:tcPr marL="77269" marR="77269" marT="35662" marB="35662" anchor="ctr"/>
+                </a:tc>
+                <a:tc>
+                  <a:txBody>
+                    <a:bodyPr/>
+                    <a:lstStyle/>
+                    <a:p>
+                      <a:pPr marL="0" algn="l" defTabSz="914400" rtl="0" eaLnBrk="1" latinLnBrk="0" hangingPunct="1"/>
+                      <a:r>
+                        <a:rPr lang="de-DE" sz="1400" kern="1200" dirty="0">
+                          <a:latin typeface="CMU Serif Roman" charset="0"/>
+                          <a:ea typeface="CMU Serif Roman" charset="0"/>
+                          <a:cs typeface="CMU Serif Roman" charset="0"/>
+                        </a:rPr>
+                        <a:t>1</a:t>
+                      </a:r>
+                      <a:endParaRPr lang="de-DE" sz="1400" kern="1200" dirty="0">
+                        <a:solidFill>
+                          <a:schemeClr val="dk1"/>
+                        </a:solidFill>
+                        <a:latin typeface="CMU Serif Roman" charset="0"/>
+                        <a:ea typeface="CMU Serif Roman" charset="0"/>
+                        <a:cs typeface="CMU Serif Roman" charset="0"/>
+                      </a:endParaRPr>
+                    </a:p>
+                  </a:txBody>
+                  <a:tcPr marL="77269" marR="77269" marT="35662" marB="35662" anchor="ctr"/>
+                </a:tc>
+                <a:tc>
+                  <a:txBody>
+                    <a:bodyPr/>
+                    <a:lstStyle/>
+                    <a:p>
+                      <a:pPr marL="0" algn="l" defTabSz="914400" rtl="0" eaLnBrk="1" latinLnBrk="0" hangingPunct="1"/>
+                      <a:r>
+                        <a:rPr lang="de-DE" sz="1400" kern="1200">
+                          <a:latin typeface="CMU Serif Roman" charset="0"/>
+                          <a:ea typeface="CMU Serif Roman" charset="0"/>
+                          <a:cs typeface="CMU Serif Roman" charset="0"/>
+                        </a:rPr>
+                        <a:t>0</a:t>
+                      </a:r>
+                      <a:endParaRPr lang="de-DE" sz="1400" kern="1200">
+                        <a:solidFill>
+                          <a:schemeClr val="dk1"/>
+                        </a:solidFill>
+                        <a:latin typeface="CMU Serif Roman" charset="0"/>
+                        <a:ea typeface="CMU Serif Roman" charset="0"/>
+                        <a:cs typeface="CMU Serif Roman" charset="0"/>
+                      </a:endParaRPr>
+                    </a:p>
+                  </a:txBody>
+                  <a:tcPr marL="77269" marR="77269" marT="35662" marB="35662" anchor="ctr"/>
+                </a:tc>
+                <a:tc>
+                  <a:txBody>
+                    <a:bodyPr/>
+                    <a:lstStyle/>
+                    <a:p>
+                      <a:pPr marL="0" algn="l" defTabSz="914400" rtl="0" eaLnBrk="1" latinLnBrk="0" hangingPunct="1"/>
+                      <a:r>
+                        <a:rPr lang="de-DE" sz="1400" kern="1200">
+                          <a:latin typeface="CMU Serif Roman" charset="0"/>
+                          <a:ea typeface="CMU Serif Roman" charset="0"/>
+                          <a:cs typeface="CMU Serif Roman" charset="0"/>
+                        </a:rPr>
+                        <a:t>1</a:t>
+                      </a:r>
+                      <a:endParaRPr lang="de-DE" sz="1400" kern="1200">
+                        <a:solidFill>
+                          <a:schemeClr val="dk1"/>
+                        </a:solidFill>
+                        <a:latin typeface="CMU Serif Roman" charset="0"/>
+                        <a:ea typeface="CMU Serif Roman" charset="0"/>
+                        <a:cs typeface="CMU Serif Roman" charset="0"/>
+                      </a:endParaRPr>
+                    </a:p>
+                  </a:txBody>
+                  <a:tcPr marL="77269" marR="77269" marT="35662" marB="35662" anchor="ctr"/>
+                </a:tc>
+              </a:tr>
+              <a:tr h="370840">
+                <a:tc>
+                  <a:txBody>
+                    <a:bodyPr/>
+                    <a:lstStyle/>
+                    <a:p>
+                      <a:pPr marL="0" algn="l" defTabSz="914400" rtl="0" eaLnBrk="1" latinLnBrk="0" hangingPunct="1"/>
+                      <a:r>
+                        <a:rPr lang="de-DE" sz="1400" kern="1200" dirty="0">
+                          <a:latin typeface="CMU Serif Roman" charset="0"/>
+                          <a:ea typeface="CMU Serif Roman" charset="0"/>
+                          <a:cs typeface="CMU Serif Roman" charset="0"/>
+                        </a:rPr>
+                        <a:t>4</a:t>
+                      </a:r>
+                      <a:endParaRPr lang="de-DE" sz="1400" kern="1200" dirty="0">
+                        <a:solidFill>
+                          <a:schemeClr val="dk1"/>
+                        </a:solidFill>
+                        <a:latin typeface="CMU Serif Roman" charset="0"/>
+                        <a:ea typeface="CMU Serif Roman" charset="0"/>
+                        <a:cs typeface="CMU Serif Roman" charset="0"/>
+                      </a:endParaRPr>
+                    </a:p>
+                  </a:txBody>
+                  <a:tcPr marL="77269" marR="77269" marT="35662" marB="35662" anchor="ctr"/>
+                </a:tc>
+                <a:tc>
+                  <a:txBody>
+                    <a:bodyPr/>
+                    <a:lstStyle/>
+                    <a:p>
+                      <a:pPr marL="0" algn="l" defTabSz="914400" rtl="0" eaLnBrk="1" latinLnBrk="0" hangingPunct="1"/>
+                      <a:r>
+                        <a:rPr lang="de-DE" sz="1400" kern="1200">
+                          <a:latin typeface="CMU Serif Roman" charset="0"/>
+                          <a:ea typeface="CMU Serif Roman" charset="0"/>
+                          <a:cs typeface="CMU Serif Roman" charset="0"/>
+                        </a:rPr>
+                        <a:t>1</a:t>
+                      </a:r>
+                      <a:endParaRPr lang="de-DE" sz="1400" kern="1200">
+                        <a:solidFill>
+                          <a:schemeClr val="dk1"/>
+                        </a:solidFill>
+                        <a:latin typeface="CMU Serif Roman" charset="0"/>
+                        <a:ea typeface="CMU Serif Roman" charset="0"/>
+                        <a:cs typeface="CMU Serif Roman" charset="0"/>
+                      </a:endParaRPr>
+                    </a:p>
+                  </a:txBody>
+                  <a:tcPr marL="77269" marR="77269" marT="35662" marB="35662" anchor="ctr"/>
+                </a:tc>
+                <a:tc>
+                  <a:txBody>
+                    <a:bodyPr/>
+                    <a:lstStyle/>
+                    <a:p>
+                      <a:pPr marL="0" algn="l" defTabSz="914400" rtl="0" eaLnBrk="1" latinLnBrk="0" hangingPunct="1"/>
+                      <a:r>
+                        <a:rPr lang="de-DE" sz="1400" kern="1200">
+                          <a:latin typeface="CMU Serif Roman" charset="0"/>
+                          <a:ea typeface="CMU Serif Roman" charset="0"/>
+                          <a:cs typeface="CMU Serif Roman" charset="0"/>
+                        </a:rPr>
+                        <a:t>0</a:t>
+                      </a:r>
+                      <a:endParaRPr lang="de-DE" sz="1400" kern="1200">
+                        <a:solidFill>
+                          <a:schemeClr val="dk1"/>
+                        </a:solidFill>
+                        <a:latin typeface="CMU Serif Roman" charset="0"/>
+                        <a:ea typeface="CMU Serif Roman" charset="0"/>
+                        <a:cs typeface="CMU Serif Roman" charset="0"/>
+                      </a:endParaRPr>
+                    </a:p>
+                  </a:txBody>
+                  <a:tcPr marL="77269" marR="77269" marT="35662" marB="35662" anchor="ctr"/>
+                </a:tc>
+                <a:tc>
+                  <a:txBody>
+                    <a:bodyPr/>
+                    <a:lstStyle/>
+                    <a:p>
+                      <a:pPr marL="0" algn="l" defTabSz="914400" rtl="0" eaLnBrk="1" latinLnBrk="0" hangingPunct="1"/>
+                      <a:r>
+                        <a:rPr lang="de-DE" sz="1400" kern="1200">
+                          <a:latin typeface="CMU Serif Roman" charset="0"/>
+                          <a:ea typeface="CMU Serif Roman" charset="0"/>
+                          <a:cs typeface="CMU Serif Roman" charset="0"/>
+                        </a:rPr>
+                        <a:t>0</a:t>
+                      </a:r>
+                      <a:endParaRPr lang="de-DE" sz="1400" kern="1200">
+                        <a:solidFill>
+                          <a:schemeClr val="dk1"/>
+                        </a:solidFill>
+                        <a:latin typeface="CMU Serif Roman" charset="0"/>
+                        <a:ea typeface="CMU Serif Roman" charset="0"/>
+                        <a:cs typeface="CMU Serif Roman" charset="0"/>
+                      </a:endParaRPr>
+                    </a:p>
+                  </a:txBody>
+                  <a:tcPr marL="77269" marR="77269" marT="35662" marB="35662" anchor="ctr"/>
+                </a:tc>
+                <a:tc>
+                  <a:txBody>
+                    <a:bodyPr/>
+                    <a:lstStyle/>
+                    <a:p>
+                      <a:pPr marL="0" algn="l" defTabSz="914400" rtl="0" eaLnBrk="1" latinLnBrk="0" hangingPunct="1"/>
+                      <a:r>
+                        <a:rPr lang="de-DE" sz="1400" kern="1200">
+                          <a:latin typeface="CMU Serif Roman" charset="0"/>
+                          <a:ea typeface="CMU Serif Roman" charset="0"/>
+                          <a:cs typeface="CMU Serif Roman" charset="0"/>
+                        </a:rPr>
+                        <a:t>1</a:t>
+                      </a:r>
+                      <a:endParaRPr lang="de-DE" sz="1400" kern="1200">
+                        <a:solidFill>
+                          <a:schemeClr val="dk1"/>
+                        </a:solidFill>
+                        <a:latin typeface="CMU Serif Roman" charset="0"/>
+                        <a:ea typeface="CMU Serif Roman" charset="0"/>
+                        <a:cs typeface="CMU Serif Roman" charset="0"/>
+                      </a:endParaRPr>
+                    </a:p>
+                  </a:txBody>
+                  <a:tcPr marL="77269" marR="77269" marT="35662" marB="35662" anchor="ctr"/>
+                </a:tc>
+                <a:tc>
+                  <a:txBody>
+                    <a:bodyPr/>
+                    <a:lstStyle/>
+                    <a:p>
+                      <a:pPr marL="0" algn="l" defTabSz="914400" rtl="0" eaLnBrk="1" latinLnBrk="0" hangingPunct="1"/>
+                      <a:r>
+                        <a:rPr lang="de-DE" sz="1400" kern="1200" dirty="0">
+                          <a:latin typeface="CMU Serif Roman" charset="0"/>
+                          <a:ea typeface="CMU Serif Roman" charset="0"/>
+                          <a:cs typeface="CMU Serif Roman" charset="0"/>
+                        </a:rPr>
+                        <a:t>1</a:t>
+                      </a:r>
+                      <a:endParaRPr lang="de-DE" sz="1400" kern="1200" dirty="0">
+                        <a:solidFill>
+                          <a:schemeClr val="dk1"/>
+                        </a:solidFill>
+                        <a:latin typeface="CMU Serif Roman" charset="0"/>
+                        <a:ea typeface="CMU Serif Roman" charset="0"/>
+                        <a:cs typeface="CMU Serif Roman" charset="0"/>
+                      </a:endParaRPr>
+                    </a:p>
+                  </a:txBody>
+                  <a:tcPr marL="77269" marR="77269" marT="35662" marB="35662" anchor="ctr"/>
+                </a:tc>
+                <a:tc>
+                  <a:txBody>
+                    <a:bodyPr/>
+                    <a:lstStyle/>
+                    <a:p>
+                      <a:pPr marL="0" algn="l" defTabSz="914400" rtl="0" eaLnBrk="1" latinLnBrk="0" hangingPunct="1"/>
+                      <a:r>
+                        <a:rPr lang="de-DE" sz="1400" kern="1200">
+                          <a:latin typeface="CMU Serif Roman" charset="0"/>
+                          <a:ea typeface="CMU Serif Roman" charset="0"/>
+                          <a:cs typeface="CMU Serif Roman" charset="0"/>
+                        </a:rPr>
+                        <a:t>1</a:t>
+                      </a:r>
+                      <a:endParaRPr lang="de-DE" sz="1400" kern="1200">
+                        <a:solidFill>
+                          <a:schemeClr val="dk1"/>
+                        </a:solidFill>
+                        <a:latin typeface="CMU Serif Roman" charset="0"/>
+                        <a:ea typeface="CMU Serif Roman" charset="0"/>
+                        <a:cs typeface="CMU Serif Roman" charset="0"/>
+                      </a:endParaRPr>
+                    </a:p>
+                  </a:txBody>
+                  <a:tcPr marL="77269" marR="77269" marT="35662" marB="35662" anchor="ctr"/>
+                </a:tc>
+                <a:tc>
+                  <a:txBody>
+                    <a:bodyPr/>
+                    <a:lstStyle/>
+                    <a:p>
+                      <a:pPr marL="0" algn="l" defTabSz="914400" rtl="0" eaLnBrk="1" latinLnBrk="0" hangingPunct="1"/>
+                      <a:r>
+                        <a:rPr lang="de-DE" sz="1400" kern="1200">
+                          <a:latin typeface="CMU Serif Roman" charset="0"/>
+                          <a:ea typeface="CMU Serif Roman" charset="0"/>
+                          <a:cs typeface="CMU Serif Roman" charset="0"/>
+                        </a:rPr>
+                        <a:t>1</a:t>
+                      </a:r>
+                      <a:endParaRPr lang="de-DE" sz="1400" kern="1200">
+                        <a:solidFill>
+                          <a:schemeClr val="dk1"/>
+                        </a:solidFill>
+                        <a:latin typeface="CMU Serif Roman" charset="0"/>
+                        <a:ea typeface="CMU Serif Roman" charset="0"/>
+                        <a:cs typeface="CMU Serif Roman" charset="0"/>
+                      </a:endParaRPr>
+                    </a:p>
+                  </a:txBody>
+                  <a:tcPr marL="77269" marR="77269" marT="35662" marB="35662" anchor="ctr"/>
+                </a:tc>
+              </a:tr>
+              <a:tr h="370840">
+                <a:tc>
+                  <a:txBody>
+                    <a:bodyPr/>
+                    <a:lstStyle/>
+                    <a:p>
+                      <a:pPr marL="0" algn="l" defTabSz="914400" rtl="0" eaLnBrk="1" latinLnBrk="0" hangingPunct="1"/>
+                      <a:r>
+                        <a:rPr lang="de-DE" sz="1400" kern="1200">
+                          <a:latin typeface="CMU Serif Roman" charset="0"/>
+                          <a:ea typeface="CMU Serif Roman" charset="0"/>
+                          <a:cs typeface="CMU Serif Roman" charset="0"/>
+                        </a:rPr>
+                        <a:t>5</a:t>
+                      </a:r>
+                      <a:endParaRPr lang="de-DE" sz="1400" kern="1200">
+                        <a:solidFill>
+                          <a:schemeClr val="dk1"/>
+                        </a:solidFill>
+                        <a:latin typeface="CMU Serif Roman" charset="0"/>
+                        <a:ea typeface="CMU Serif Roman" charset="0"/>
+                        <a:cs typeface="CMU Serif Roman" charset="0"/>
+                      </a:endParaRPr>
+                    </a:p>
+                  </a:txBody>
+                  <a:tcPr marL="77269" marR="77269" marT="35662" marB="35662" anchor="ctr"/>
+                </a:tc>
+                <a:tc>
+                  <a:txBody>
+                    <a:bodyPr/>
+                    <a:lstStyle/>
+                    <a:p>
+                      <a:pPr marL="0" algn="l" defTabSz="914400" rtl="0" eaLnBrk="1" latinLnBrk="0" hangingPunct="1"/>
+                      <a:r>
+                        <a:rPr lang="de-DE" sz="1400" kern="1200">
+                          <a:latin typeface="CMU Serif Roman" charset="0"/>
+                          <a:ea typeface="CMU Serif Roman" charset="0"/>
+                          <a:cs typeface="CMU Serif Roman" charset="0"/>
+                        </a:rPr>
+                        <a:t>1</a:t>
+                      </a:r>
+                      <a:endParaRPr lang="de-DE" sz="1400" kern="1200">
+                        <a:solidFill>
+                          <a:schemeClr val="dk1"/>
+                        </a:solidFill>
+                        <a:latin typeface="CMU Serif Roman" charset="0"/>
+                        <a:ea typeface="CMU Serif Roman" charset="0"/>
+                        <a:cs typeface="CMU Serif Roman" charset="0"/>
+                      </a:endParaRPr>
+                    </a:p>
+                  </a:txBody>
+                  <a:tcPr marL="77269" marR="77269" marT="35662" marB="35662" anchor="ctr"/>
+                </a:tc>
+                <a:tc>
+                  <a:txBody>
+                    <a:bodyPr/>
+                    <a:lstStyle/>
+                    <a:p>
+                      <a:pPr marL="0" algn="l" defTabSz="914400" rtl="0" eaLnBrk="1" latinLnBrk="0" hangingPunct="1"/>
+                      <a:r>
+                        <a:rPr lang="de-DE" sz="1400" kern="1200">
+                          <a:latin typeface="CMU Serif Roman" charset="0"/>
+                          <a:ea typeface="CMU Serif Roman" charset="0"/>
+                          <a:cs typeface="CMU Serif Roman" charset="0"/>
+                        </a:rPr>
+                        <a:t>0</a:t>
+                      </a:r>
+                      <a:endParaRPr lang="de-DE" sz="1400" kern="1200">
+                        <a:solidFill>
+                          <a:schemeClr val="dk1"/>
+                        </a:solidFill>
+                        <a:latin typeface="CMU Serif Roman" charset="0"/>
+                        <a:ea typeface="CMU Serif Roman" charset="0"/>
+                        <a:cs typeface="CMU Serif Roman" charset="0"/>
+                      </a:endParaRPr>
+                    </a:p>
+                  </a:txBody>
+                  <a:tcPr marL="77269" marR="77269" marT="35662" marB="35662" anchor="ctr"/>
+                </a:tc>
+                <a:tc>
+                  <a:txBody>
+                    <a:bodyPr/>
+                    <a:lstStyle/>
+                    <a:p>
+                      <a:pPr marL="0" algn="l" defTabSz="914400" rtl="0" eaLnBrk="1" latinLnBrk="0" hangingPunct="1"/>
+                      <a:r>
+                        <a:rPr lang="de-DE" sz="1400" kern="1200">
+                          <a:latin typeface="CMU Serif Roman" charset="0"/>
+                          <a:ea typeface="CMU Serif Roman" charset="0"/>
+                          <a:cs typeface="CMU Serif Roman" charset="0"/>
+                        </a:rPr>
+                        <a:t>1</a:t>
+                      </a:r>
+                      <a:endParaRPr lang="de-DE" sz="1400" kern="1200">
+                        <a:solidFill>
+                          <a:schemeClr val="dk1"/>
+                        </a:solidFill>
+                        <a:latin typeface="CMU Serif Roman" charset="0"/>
+                        <a:ea typeface="CMU Serif Roman" charset="0"/>
+                        <a:cs typeface="CMU Serif Roman" charset="0"/>
+                      </a:endParaRPr>
+                    </a:p>
+                  </a:txBody>
+                  <a:tcPr marL="77269" marR="77269" marT="35662" marB="35662" anchor="ctr"/>
+                </a:tc>
+                <a:tc>
+                  <a:txBody>
+                    <a:bodyPr/>
+                    <a:lstStyle/>
+                    <a:p>
+                      <a:pPr marL="0" algn="l" defTabSz="914400" rtl="0" eaLnBrk="1" latinLnBrk="0" hangingPunct="1"/>
+                      <a:r>
+                        <a:rPr lang="de-DE" sz="1400" kern="1200">
+                          <a:latin typeface="CMU Serif Roman" charset="0"/>
+                          <a:ea typeface="CMU Serif Roman" charset="0"/>
+                          <a:cs typeface="CMU Serif Roman" charset="0"/>
+                        </a:rPr>
+                        <a:t>1</a:t>
+                      </a:r>
+                      <a:endParaRPr lang="de-DE" sz="1400" kern="1200">
+                        <a:solidFill>
+                          <a:schemeClr val="dk1"/>
+                        </a:solidFill>
+                        <a:latin typeface="CMU Serif Roman" charset="0"/>
+                        <a:ea typeface="CMU Serif Roman" charset="0"/>
+                        <a:cs typeface="CMU Serif Roman" charset="0"/>
+                      </a:endParaRPr>
+                    </a:p>
+                  </a:txBody>
+                  <a:tcPr marL="77269" marR="77269" marT="35662" marB="35662" anchor="ctr"/>
+                </a:tc>
+                <a:tc>
+                  <a:txBody>
+                    <a:bodyPr/>
+                    <a:lstStyle/>
+                    <a:p>
+                      <a:pPr marL="0" algn="l" defTabSz="914400" rtl="0" eaLnBrk="1" latinLnBrk="0" hangingPunct="1"/>
+                      <a:r>
+                        <a:rPr lang="de-DE" sz="1400" kern="1200" dirty="0">
+                          <a:latin typeface="CMU Serif Roman" charset="0"/>
+                          <a:ea typeface="CMU Serif Roman" charset="0"/>
+                          <a:cs typeface="CMU Serif Roman" charset="0"/>
+                        </a:rPr>
+                        <a:t>1</a:t>
+                      </a:r>
+                      <a:endParaRPr lang="de-DE" sz="1400" kern="1200" dirty="0">
+                        <a:solidFill>
+                          <a:schemeClr val="dk1"/>
+                        </a:solidFill>
+                        <a:latin typeface="CMU Serif Roman" charset="0"/>
+                        <a:ea typeface="CMU Serif Roman" charset="0"/>
+                        <a:cs typeface="CMU Serif Roman" charset="0"/>
+                      </a:endParaRPr>
+                    </a:p>
+                  </a:txBody>
+                  <a:tcPr marL="77269" marR="77269" marT="35662" marB="35662" anchor="ctr"/>
+                </a:tc>
+                <a:tc>
+                  <a:txBody>
+                    <a:bodyPr/>
+                    <a:lstStyle/>
+                    <a:p>
+                      <a:pPr marL="0" algn="l" defTabSz="914400" rtl="0" eaLnBrk="1" latinLnBrk="0" hangingPunct="1"/>
+                      <a:r>
+                        <a:rPr lang="de-DE" sz="1400" kern="1200" dirty="0">
+                          <a:latin typeface="CMU Serif Roman" charset="0"/>
+                          <a:ea typeface="CMU Serif Roman" charset="0"/>
+                          <a:cs typeface="CMU Serif Roman" charset="0"/>
+                        </a:rPr>
+                        <a:t>1</a:t>
+                      </a:r>
+                      <a:endParaRPr lang="de-DE" sz="1400" kern="1200" dirty="0">
+                        <a:solidFill>
+                          <a:schemeClr val="dk1"/>
+                        </a:solidFill>
+                        <a:latin typeface="CMU Serif Roman" charset="0"/>
+                        <a:ea typeface="CMU Serif Roman" charset="0"/>
+                        <a:cs typeface="CMU Serif Roman" charset="0"/>
+                      </a:endParaRPr>
+                    </a:p>
+                  </a:txBody>
+                  <a:tcPr marL="77269" marR="77269" marT="35662" marB="35662" anchor="ctr"/>
+                </a:tc>
+                <a:tc>
+                  <a:txBody>
+                    <a:bodyPr/>
+                    <a:lstStyle/>
+                    <a:p>
+                      <a:pPr marL="0" algn="l" defTabSz="914400" rtl="0" eaLnBrk="1" latinLnBrk="0" hangingPunct="1"/>
+                      <a:r>
+                        <a:rPr lang="de-DE" sz="1400" kern="1200">
+                          <a:latin typeface="CMU Serif Roman" charset="0"/>
+                          <a:ea typeface="CMU Serif Roman" charset="0"/>
+                          <a:cs typeface="CMU Serif Roman" charset="0"/>
+                        </a:rPr>
+                        <a:t>1</a:t>
+                      </a:r>
+                      <a:endParaRPr lang="de-DE" sz="1400" kern="1200">
+                        <a:solidFill>
+                          <a:schemeClr val="dk1"/>
+                        </a:solidFill>
+                        <a:latin typeface="CMU Serif Roman" charset="0"/>
+                        <a:ea typeface="CMU Serif Roman" charset="0"/>
+                        <a:cs typeface="CMU Serif Roman" charset="0"/>
+                      </a:endParaRPr>
+                    </a:p>
+                  </a:txBody>
+                  <a:tcPr marL="77269" marR="77269" marT="35662" marB="35662" anchor="ctr"/>
+                </a:tc>
+              </a:tr>
+              <a:tr h="370840">
+                <a:tc>
+                  <a:txBody>
+                    <a:bodyPr/>
+                    <a:lstStyle/>
+                    <a:p>
+                      <a:pPr marL="0" algn="l" defTabSz="914400" rtl="0" eaLnBrk="1" latinLnBrk="0" hangingPunct="1"/>
+                      <a:r>
+                        <a:rPr lang="de-DE" sz="1400" kern="1200">
+                          <a:latin typeface="CMU Serif Roman" charset="0"/>
+                          <a:ea typeface="CMU Serif Roman" charset="0"/>
+                          <a:cs typeface="CMU Serif Roman" charset="0"/>
+                        </a:rPr>
+                        <a:t>6</a:t>
+                      </a:r>
+                      <a:endParaRPr lang="de-DE" sz="1400" kern="1200">
+                        <a:solidFill>
+                          <a:schemeClr val="dk1"/>
+                        </a:solidFill>
+                        <a:latin typeface="CMU Serif Roman" charset="0"/>
+                        <a:ea typeface="CMU Serif Roman" charset="0"/>
+                        <a:cs typeface="CMU Serif Roman" charset="0"/>
+                      </a:endParaRPr>
+                    </a:p>
+                  </a:txBody>
+                  <a:tcPr marL="77269" marR="77269" marT="35662" marB="35662" anchor="ctr"/>
+                </a:tc>
+                <a:tc>
+                  <a:txBody>
+                    <a:bodyPr/>
+                    <a:lstStyle/>
+                    <a:p>
+                      <a:pPr marL="0" algn="l" defTabSz="914400" rtl="0" eaLnBrk="1" latinLnBrk="0" hangingPunct="1"/>
+                      <a:r>
+                        <a:rPr lang="de-DE" sz="1400" kern="1200">
+                          <a:latin typeface="CMU Serif Roman" charset="0"/>
+                          <a:ea typeface="CMU Serif Roman" charset="0"/>
+                          <a:cs typeface="CMU Serif Roman" charset="0"/>
+                        </a:rPr>
+                        <a:t>0</a:t>
+                      </a:r>
+                      <a:endParaRPr lang="de-DE" sz="1400" kern="1200">
+                        <a:solidFill>
+                          <a:schemeClr val="dk1"/>
+                        </a:solidFill>
+                        <a:latin typeface="CMU Serif Roman" charset="0"/>
+                        <a:ea typeface="CMU Serif Roman" charset="0"/>
+                        <a:cs typeface="CMU Serif Roman" charset="0"/>
+                      </a:endParaRPr>
+                    </a:p>
+                  </a:txBody>
+                  <a:tcPr marL="77269" marR="77269" marT="35662" marB="35662" anchor="ctr"/>
+                </a:tc>
+                <a:tc>
+                  <a:txBody>
+                    <a:bodyPr/>
+                    <a:lstStyle/>
+                    <a:p>
+                      <a:pPr marL="0" algn="l" defTabSz="914400" rtl="0" eaLnBrk="1" latinLnBrk="0" hangingPunct="1"/>
+                      <a:r>
+                        <a:rPr lang="de-DE" sz="1400" kern="1200">
+                          <a:latin typeface="CMU Serif Roman" charset="0"/>
+                          <a:ea typeface="CMU Serif Roman" charset="0"/>
+                          <a:cs typeface="CMU Serif Roman" charset="0"/>
+                        </a:rPr>
+                        <a:t>1</a:t>
+                      </a:r>
+                      <a:endParaRPr lang="de-DE" sz="1400" kern="1200">
+                        <a:solidFill>
+                          <a:schemeClr val="dk1"/>
+                        </a:solidFill>
+                        <a:latin typeface="CMU Serif Roman" charset="0"/>
+                        <a:ea typeface="CMU Serif Roman" charset="0"/>
+                        <a:cs typeface="CMU Serif Roman" charset="0"/>
+                      </a:endParaRPr>
+                    </a:p>
+                  </a:txBody>
+                  <a:tcPr marL="77269" marR="77269" marT="35662" marB="35662" anchor="ctr"/>
+                </a:tc>
+                <a:tc>
+                  <a:txBody>
+                    <a:bodyPr/>
+                    <a:lstStyle/>
+                    <a:p>
+                      <a:pPr marL="0" algn="l" defTabSz="914400" rtl="0" eaLnBrk="1" latinLnBrk="0" hangingPunct="1"/>
+                      <a:r>
+                        <a:rPr lang="de-DE" sz="1400" kern="1200">
+                          <a:latin typeface="CMU Serif Roman" charset="0"/>
+                          <a:ea typeface="CMU Serif Roman" charset="0"/>
+                          <a:cs typeface="CMU Serif Roman" charset="0"/>
+                        </a:rPr>
+                        <a:t>1</a:t>
+                      </a:r>
+                      <a:endParaRPr lang="de-DE" sz="1400" kern="1200">
+                        <a:solidFill>
+                          <a:schemeClr val="dk1"/>
+                        </a:solidFill>
+                        <a:latin typeface="CMU Serif Roman" charset="0"/>
+                        <a:ea typeface="CMU Serif Roman" charset="0"/>
+                        <a:cs typeface="CMU Serif Roman" charset="0"/>
+                      </a:endParaRPr>
+                    </a:p>
+                  </a:txBody>
+                  <a:tcPr marL="77269" marR="77269" marT="35662" marB="35662" anchor="ctr"/>
+                </a:tc>
+                <a:tc>
+                  <a:txBody>
+                    <a:bodyPr/>
+                    <a:lstStyle/>
+                    <a:p>
+                      <a:pPr marL="0" algn="l" defTabSz="914400" rtl="0" eaLnBrk="1" latinLnBrk="0" hangingPunct="1"/>
+                      <a:r>
+                        <a:rPr lang="de-DE" sz="1400" kern="1200">
+                          <a:latin typeface="CMU Serif Roman" charset="0"/>
+                          <a:ea typeface="CMU Serif Roman" charset="0"/>
+                          <a:cs typeface="CMU Serif Roman" charset="0"/>
+                        </a:rPr>
+                        <a:t>1</a:t>
+                      </a:r>
+                      <a:endParaRPr lang="de-DE" sz="1400" kern="1200">
+                        <a:solidFill>
+                          <a:schemeClr val="dk1"/>
+                        </a:solidFill>
+                        <a:latin typeface="CMU Serif Roman" charset="0"/>
+                        <a:ea typeface="CMU Serif Roman" charset="0"/>
+                        <a:cs typeface="CMU Serif Roman" charset="0"/>
+                      </a:endParaRPr>
+                    </a:p>
+                  </a:txBody>
+                  <a:tcPr marL="77269" marR="77269" marT="35662" marB="35662" anchor="ctr"/>
+                </a:tc>
+                <a:tc>
+                  <a:txBody>
+                    <a:bodyPr/>
+                    <a:lstStyle/>
+                    <a:p>
+                      <a:pPr marL="0" algn="l" defTabSz="914400" rtl="0" eaLnBrk="1" latinLnBrk="0" hangingPunct="1"/>
+                      <a:r>
+                        <a:rPr lang="de-DE" sz="1400" kern="1200">
+                          <a:latin typeface="CMU Serif Roman" charset="0"/>
+                          <a:ea typeface="CMU Serif Roman" charset="0"/>
+                          <a:cs typeface="CMU Serif Roman" charset="0"/>
+                        </a:rPr>
+                        <a:t>0</a:t>
+                      </a:r>
+                      <a:endParaRPr lang="de-DE" sz="1400" kern="1200">
+                        <a:solidFill>
+                          <a:schemeClr val="dk1"/>
+                        </a:solidFill>
+                        <a:latin typeface="CMU Serif Roman" charset="0"/>
+                        <a:ea typeface="CMU Serif Roman" charset="0"/>
+                        <a:cs typeface="CMU Serif Roman" charset="0"/>
+                      </a:endParaRPr>
+                    </a:p>
+                  </a:txBody>
+                  <a:tcPr marL="77269" marR="77269" marT="35662" marB="35662" anchor="ctr"/>
+                </a:tc>
+                <a:tc>
+                  <a:txBody>
+                    <a:bodyPr/>
+                    <a:lstStyle/>
+                    <a:p>
+                      <a:pPr marL="0" algn="l" defTabSz="914400" rtl="0" eaLnBrk="1" latinLnBrk="0" hangingPunct="1"/>
+                      <a:r>
+                        <a:rPr lang="de-DE" sz="1400" kern="1200" dirty="0">
+                          <a:latin typeface="CMU Serif Roman" charset="0"/>
+                          <a:ea typeface="CMU Serif Roman" charset="0"/>
+                          <a:cs typeface="CMU Serif Roman" charset="0"/>
+                        </a:rPr>
+                        <a:t>0</a:t>
+                      </a:r>
+                      <a:endParaRPr lang="de-DE" sz="1400" kern="1200" dirty="0">
+                        <a:solidFill>
+                          <a:schemeClr val="dk1"/>
+                        </a:solidFill>
+                        <a:latin typeface="CMU Serif Roman" charset="0"/>
+                        <a:ea typeface="CMU Serif Roman" charset="0"/>
+                        <a:cs typeface="CMU Serif Roman" charset="0"/>
+                      </a:endParaRPr>
+                    </a:p>
+                  </a:txBody>
+                  <a:tcPr marL="77269" marR="77269" marT="35662" marB="35662" anchor="ctr"/>
+                </a:tc>
+                <a:tc>
+                  <a:txBody>
+                    <a:bodyPr/>
+                    <a:lstStyle/>
+                    <a:p>
+                      <a:pPr marL="0" algn="l" defTabSz="914400" rtl="0" eaLnBrk="1" latinLnBrk="0" hangingPunct="1"/>
+                      <a:r>
+                        <a:rPr lang="de-DE" sz="1400" kern="1200" dirty="0">
+                          <a:latin typeface="CMU Serif Roman" charset="0"/>
+                          <a:ea typeface="CMU Serif Roman" charset="0"/>
+                          <a:cs typeface="CMU Serif Roman" charset="0"/>
+                        </a:rPr>
+                        <a:t>1</a:t>
+                      </a:r>
+                      <a:endParaRPr lang="de-DE" sz="1400" kern="1200" dirty="0">
+                        <a:solidFill>
+                          <a:schemeClr val="dk1"/>
+                        </a:solidFill>
+                        <a:latin typeface="CMU Serif Roman" charset="0"/>
+                        <a:ea typeface="CMU Serif Roman" charset="0"/>
+                        <a:cs typeface="CMU Serif Roman" charset="0"/>
+                      </a:endParaRPr>
+                    </a:p>
+                  </a:txBody>
+                  <a:tcPr marL="77269" marR="77269" marT="35662" marB="35662" anchor="ctr"/>
+                </a:tc>
+              </a:tr>
+            </a:tbl>
+          </a:graphicData>
+        </a:graphic>
+      </p:graphicFrame>
+    </p:spTree>
+    <p:extLst>
+      <p:ext uri="{BB962C8B-B14F-4D97-AF65-F5344CB8AC3E}">
+        <p14:creationId xmlns:p14="http://schemas.microsoft.com/office/powerpoint/2010/main" val="1056457806"/>
+      </p:ext>
+    </p:extLst>
+  </p:cSld>
+  <p:clrMapOvr>
+    <a:masterClrMapping/>
+  </p:clrMapOvr>
+  <p:timing>
+    <p:tnLst>
+      <p:par>
+        <p:cTn id="1" dur="indefinite" restart="never" nodeType="tmRoot"/>
+      </p:par>
+    </p:tnLst>
+  </p:timing>
 </p:sld>
 </file>
 
@@ -21185,7 +21381,7 @@
                 <a:ea typeface="CMU Serif Roman" charset="0"/>
                 <a:cs typeface="CMU Serif Roman" charset="0"/>
               </a:rPr>
-              <a:t>Things not mentioned / open to discussion</a:t>
+              <a:t>The problem lies in the sampling.</a:t>
             </a:r>
             <a:endParaRPr lang="en-AU" dirty="0">
               <a:latin typeface="CMU Serif Roman" charset="0"/>
@@ -21207,7 +21403,9 @@
         </p:nvSpPr>
         <p:spPr/>
         <p:txBody>
-          <a:bodyPr/>
+          <a:bodyPr>
+            <a:normAutofit/>
+          </a:bodyPr>
           <a:lstStyle/>
           <a:p>
             <a:r>
@@ -21216,7 +21414,7 @@
                 <a:ea typeface="CMU Serif Roman" charset="0"/>
                 <a:cs typeface="CMU Serif Roman" charset="0"/>
               </a:rPr>
-              <a:t>What about other parameters: e.g. distance measure and kernel type?</a:t>
+              <a:t>For complex decision boundaries / predictive surfaces global sampling is unsatisfactory.</a:t>
             </a:r>
           </a:p>
           <a:p>
@@ -21226,7 +21424,7 @@
                 <a:ea typeface="CMU Serif Roman" charset="0"/>
                 <a:cs typeface="CMU Serif Roman" charset="0"/>
               </a:rPr>
-              <a:t>What about interaction effects?</a:t>
+              <a:t>The sampling may result in only few observations that are actually in proximity to the instance to be explained.</a:t>
             </a:r>
           </a:p>
           <a:p>
@@ -21236,7 +21434,7 @@
                 <a:ea typeface="CMU Serif Roman" charset="0"/>
                 <a:cs typeface="CMU Serif Roman" charset="0"/>
               </a:rPr>
-              <a:t>What about increasing number of permutations massively (instead of local sampling)?</a:t>
+              <a:t>Craven and Shavlik (1996) argue (in a very different context) that local fidelity is achieved by increasing the density of observations around the instance of interest.</a:t>
             </a:r>
           </a:p>
           <a:p>
@@ -21246,19 +21444,35 @@
                 <a:ea typeface="CMU Serif Roman" charset="0"/>
                 <a:cs typeface="CMU Serif Roman" charset="0"/>
               </a:rPr>
-              <a:t>What about binning?</a:t>
-            </a:r>
-          </a:p>
-          <a:p>
+              <a:t>Local sampling should be preferred over global sampling (</a:t>
+            </a:r>
+            <a:r>
+              <a:rPr lang="en-AU" dirty="0" err="1" smtClean="0">
+                <a:latin typeface="CMU Serif Roman" charset="0"/>
+                <a:ea typeface="CMU Serif Roman" charset="0"/>
+                <a:cs typeface="CMU Serif Roman" charset="0"/>
+              </a:rPr>
+              <a:t>Laugel</a:t>
+            </a:r>
             <a:r>
               <a:rPr lang="en-AU" dirty="0" smtClean="0">
                 <a:latin typeface="CMU Serif Roman" charset="0"/>
                 <a:ea typeface="CMU Serif Roman" charset="0"/>
                 <a:cs typeface="CMU Serif Roman" charset="0"/>
               </a:rPr>
-              <a:t>Use other methods of interpretable machine learning for evaluation of local model?</a:t>
-            </a:r>
-            <a:endParaRPr lang="en-AU" dirty="0">
+              <a:t> et al. 2018).</a:t>
+            </a:r>
+          </a:p>
+          <a:p>
+            <a:r>
+              <a:rPr lang="en-AU" dirty="0" smtClean="0">
+                <a:latin typeface="CMU Serif Roman" charset="0"/>
+                <a:ea typeface="CMU Serif Roman" charset="0"/>
+                <a:cs typeface="CMU Serif Roman" charset="0"/>
+              </a:rPr>
+              <a:t>More on this topic in the next talk.</a:t>
+            </a:r>
+            <a:endParaRPr lang="en-AU" dirty="0" smtClean="0">
               <a:latin typeface="CMU Serif Roman" charset="0"/>
               <a:ea typeface="CMU Serif Roman" charset="0"/>
               <a:cs typeface="CMU Serif Roman" charset="0"/>
@@ -21282,12 +21496,12 @@
           <a:lstStyle/>
           <a:p>
             <a:r>
-              <a:rPr lang="en-AU" dirty="0" smtClean="0">
-                <a:latin typeface="CMU Serif Roman" charset="0"/>
-                <a:ea typeface="CMU Serif Roman" charset="0"/>
-                <a:cs typeface="CMU Serif Roman" charset="0"/>
-              </a:rPr>
-              <a:t>22.05.19</a:t>
+              <a:rPr lang="de-DE" smtClean="0">
+                <a:latin typeface="CMU Serif Roman" charset="0"/>
+                <a:ea typeface="CMU Serif Roman" charset="0"/>
+                <a:cs typeface="CMU Serif Roman" charset="0"/>
+              </a:rPr>
+              <a:t>12.07.2019</a:t>
             </a:r>
             <a:endParaRPr lang="en-AU" dirty="0">
               <a:latin typeface="CMU Serif Roman" charset="0"/>
@@ -21362,13 +21576,20 @@
     </p:spTree>
     <p:extLst>
       <p:ext uri="{BB962C8B-B14F-4D97-AF65-F5344CB8AC3E}">
-        <p14:creationId xmlns:p14="http://schemas.microsoft.com/office/powerpoint/2010/main" val="1410236281"/>
+        <p14:creationId xmlns:p14="http://schemas.microsoft.com/office/powerpoint/2010/main" val="2094685383"/>
       </p:ext>
     </p:extLst>
   </p:cSld>
   <p:clrMapOvr>
     <a:masterClrMapping/>
   </p:clrMapOvr>
+  <p:timing>
+    <p:tnLst>
+      <p:par>
+        <p:cTn id="1" dur="indefinite" restart="never" nodeType="tmRoot"/>
+      </p:par>
+    </p:tnLst>
+  </p:timing>
 </p:sld>
 </file>
 
@@ -21436,12 +21657,12 @@
           <a:lstStyle/>
           <a:p>
             <a:r>
-              <a:rPr lang="en-AU" dirty="0" smtClean="0">
-                <a:latin typeface="CMU Serif Roman" charset="0"/>
-                <a:ea typeface="CMU Serif Roman" charset="0"/>
-                <a:cs typeface="CMU Serif Roman" charset="0"/>
-              </a:rPr>
-              <a:t>22.05.19</a:t>
+              <a:rPr lang="de-DE" smtClean="0">
+                <a:latin typeface="CMU Serif Roman" charset="0"/>
+                <a:ea typeface="CMU Serif Roman" charset="0"/>
+                <a:cs typeface="CMU Serif Roman" charset="0"/>
+              </a:rPr>
+              <a:t>12.07.2019</a:t>
             </a:r>
             <a:endParaRPr lang="en-AU" dirty="0">
               <a:latin typeface="CMU Serif Roman" charset="0"/>
@@ -21689,12 +21910,12 @@
           <a:lstStyle/>
           <a:p>
             <a:r>
-              <a:rPr lang="en-AU" dirty="0" smtClean="0">
-                <a:latin typeface="CMU Serif Roman" charset="0"/>
-                <a:ea typeface="CMU Serif Roman" charset="0"/>
-                <a:cs typeface="CMU Serif Roman" charset="0"/>
-              </a:rPr>
-              <a:t>22.05.19</a:t>
+              <a:rPr lang="de-DE" smtClean="0">
+                <a:latin typeface="CMU Serif Roman" charset="0"/>
+                <a:ea typeface="CMU Serif Roman" charset="0"/>
+                <a:cs typeface="CMU Serif Roman" charset="0"/>
+              </a:rPr>
+              <a:t>12.07.2019</a:t>
             </a:r>
             <a:endParaRPr lang="en-AU" dirty="0">
               <a:latin typeface="CMU Serif Roman" charset="0"/>
@@ -21873,12 +22094,12 @@
           <a:lstStyle/>
           <a:p>
             <a:r>
-              <a:rPr lang="en-AU" dirty="0" smtClean="0">
-                <a:latin typeface="CMU Serif Roman" charset="0"/>
-                <a:ea typeface="CMU Serif Roman" charset="0"/>
-                <a:cs typeface="CMU Serif Roman" charset="0"/>
-              </a:rPr>
-              <a:t>22.05.19</a:t>
+              <a:rPr lang="de-DE" smtClean="0">
+                <a:latin typeface="CMU Serif Roman" charset="0"/>
+                <a:ea typeface="CMU Serif Roman" charset="0"/>
+                <a:cs typeface="CMU Serif Roman" charset="0"/>
+              </a:rPr>
+              <a:t>12.07.2019</a:t>
             </a:r>
             <a:endParaRPr lang="en-AU" dirty="0">
               <a:latin typeface="CMU Serif Roman" charset="0"/>
@@ -22286,12 +22507,12 @@
           <a:lstStyle/>
           <a:p>
             <a:r>
-              <a:rPr lang="en-AU" dirty="0" smtClean="0">
-                <a:latin typeface="CMU Serif Roman" charset="0"/>
-                <a:ea typeface="CMU Serif Roman" charset="0"/>
-                <a:cs typeface="CMU Serif Roman" charset="0"/>
-              </a:rPr>
-              <a:t>22.05.19</a:t>
+              <a:rPr lang="de-DE" smtClean="0">
+                <a:latin typeface="CMU Serif Roman" charset="0"/>
+                <a:ea typeface="CMU Serif Roman" charset="0"/>
+                <a:cs typeface="CMU Serif Roman" charset="0"/>
+              </a:rPr>
+              <a:t>12.07.2019</a:t>
             </a:r>
             <a:endParaRPr lang="en-AU" dirty="0">
               <a:latin typeface="CMU Serif Roman" charset="0"/>
@@ -22512,7 +22733,7 @@
                 <a:ea typeface="CMU Serif Roman" charset="0"/>
                 <a:cs typeface="CMU Serif Roman" charset="0"/>
               </a:rPr>
-              <a:t>22.05.19</a:t>
+              <a:t>12.07.2019</a:t>
             </a:r>
             <a:endParaRPr lang="de-DE">
               <a:latin typeface="CMU Serif Roman" charset="0"/>
@@ -23903,12 +24124,12 @@
           <a:lstStyle/>
           <a:p>
             <a:r>
-              <a:rPr lang="en-AU" dirty="0" smtClean="0">
-                <a:latin typeface="CMU Serif Roman" charset="0"/>
-                <a:ea typeface="CMU Serif Roman" charset="0"/>
-                <a:cs typeface="CMU Serif Roman" charset="0"/>
-              </a:rPr>
-              <a:t>22.05.19</a:t>
+              <a:rPr lang="de-DE" smtClean="0">
+                <a:latin typeface="CMU Serif Roman" charset="0"/>
+                <a:ea typeface="CMU Serif Roman" charset="0"/>
+                <a:cs typeface="CMU Serif Roman" charset="0"/>
+              </a:rPr>
+              <a:t>12.07.2019</a:t>
             </a:r>
             <a:endParaRPr lang="en-AU" dirty="0">
               <a:latin typeface="CMU Serif Roman" charset="0"/>

--- a/Slides/LIME-neighbourhood.pptx
+++ b/Slides/LIME-neighbourhood.pptx
@@ -5,7 +5,7 @@
     <p:sldMasterId id="2147483815" r:id="rId1"/>
   </p:sldMasterIdLst>
   <p:notesMasterIdLst>
-    <p:notesMasterId r:id="rId39"/>
+    <p:notesMasterId r:id="rId40"/>
   </p:notesMasterIdLst>
   <p:sldIdLst>
     <p:sldId id="256" r:id="rId2"/>
@@ -45,6 +45,7 @@
     <p:sldId id="434" r:id="rId36"/>
     <p:sldId id="432" r:id="rId37"/>
     <p:sldId id="433" r:id="rId38"/>
+    <p:sldId id="443" r:id="rId39"/>
   </p:sldIdLst>
   <p:sldSz cx="9144000" cy="6858000" type="screen4x3"/>
   <p:notesSz cx="6858000" cy="9144000"/>
@@ -185,6 +186,7 @@
             <p14:sldId id="434"/>
             <p14:sldId id="432"/>
             <p14:sldId id="433"/>
+            <p14:sldId id="443"/>
           </p14:sldIdLst>
         </p14:section>
       </p14:sectionLst>
@@ -9326,23 +9328,7 @@
                 <a:ea typeface="CMU Serif Roman" charset="0"/>
                 <a:cs typeface="CMU Serif Roman" charset="0"/>
               </a:rPr>
-              <a:t>Model </a:t>
-            </a:r>
-            <a:r>
-              <a:rPr lang="en-AU" smtClean="0">
-                <a:latin typeface="CMU Serif Roman" charset="0"/>
-                <a:ea typeface="CMU Serif Roman" charset="0"/>
-                <a:cs typeface="CMU Serif Roman" charset="0"/>
-              </a:rPr>
-              <a:t>Math [RECAP]:</a:t>
-            </a:r>
-            <a:r>
-              <a:rPr lang="en-AU" dirty="0" smtClean="0">
-                <a:latin typeface="CMU Serif Roman" charset="0"/>
-                <a:ea typeface="CMU Serif Roman" charset="0"/>
-                <a:cs typeface="CMU Serif Roman" charset="0"/>
-              </a:rPr>
-              <a:t/>
+              <a:t>Model Math [RECAP]:</a:t>
             </a:r>
             <a:br>
               <a:rPr lang="en-AU" dirty="0" smtClean="0">
@@ -21577,6 +21563,209 @@
     <p:extLst>
       <p:ext uri="{BB962C8B-B14F-4D97-AF65-F5344CB8AC3E}">
         <p14:creationId xmlns:p14="http://schemas.microsoft.com/office/powerpoint/2010/main" val="2094685383"/>
+      </p:ext>
+    </p:extLst>
+  </p:cSld>
+  <p:clrMapOvr>
+    <a:masterClrMapping/>
+  </p:clrMapOvr>
+  <p:timing>
+    <p:tnLst>
+      <p:par>
+        <p:cTn id="1" dur="indefinite" restart="never" nodeType="tmRoot"/>
+      </p:par>
+    </p:tnLst>
+  </p:timing>
+</p:sld>
+</file>
+
+<file path=ppt/slides/slide38.xml><?xml version="1.0" encoding="utf-8"?>
+<p:sld xmlns:a="http://schemas.openxmlformats.org/drawingml/2006/main" xmlns:r="http://schemas.openxmlformats.org/officeDocument/2006/relationships" xmlns:p="http://schemas.openxmlformats.org/presentationml/2006/main">
+  <p:cSld>
+    <p:spTree>
+      <p:nvGrpSpPr>
+        <p:cNvPr id="1" name=""/>
+        <p:cNvGrpSpPr/>
+        <p:nvPr/>
+      </p:nvGrpSpPr>
+      <p:grpSpPr>
+        <a:xfrm>
+          <a:off x="0" y="0"/>
+          <a:ext cx="0" cy="0"/>
+          <a:chOff x="0" y="0"/>
+          <a:chExt cx="0" cy="0"/>
+        </a:xfrm>
+      </p:grpSpPr>
+      <p:sp>
+        <p:nvSpPr>
+          <p:cNvPr id="2" name="Titel 1"/>
+          <p:cNvSpPr>
+            <a:spLocks noGrp="1"/>
+          </p:cNvSpPr>
+          <p:nvPr>
+            <p:ph type="title"/>
+          </p:nvPr>
+        </p:nvSpPr>
+        <p:spPr>
+          <a:xfrm>
+            <a:off x="822960" y="257108"/>
+            <a:ext cx="7543800" cy="1450757"/>
+          </a:xfrm>
+        </p:spPr>
+        <p:txBody>
+          <a:bodyPr/>
+          <a:lstStyle/>
+          <a:p>
+            <a:r>
+              <a:rPr lang="en-AU" dirty="0" smtClean="0">
+                <a:latin typeface="CMU Serif Roman" charset="0"/>
+                <a:ea typeface="CMU Serif Roman" charset="0"/>
+                <a:cs typeface="CMU Serif Roman" charset="0"/>
+              </a:rPr>
+              <a:t>Why we do not use </a:t>
+            </a:r>
+            <a:r>
+              <a:rPr lang="en-AU" smtClean="0">
+                <a:latin typeface="CMU Serif Roman" charset="0"/>
+                <a:ea typeface="CMU Serif Roman" charset="0"/>
+                <a:cs typeface="CMU Serif Roman" charset="0"/>
+              </a:rPr>
+              <a:t>Gower’s distance.</a:t>
+            </a:r>
+            <a:endParaRPr lang="en-AU" dirty="0">
+              <a:latin typeface="CMU Serif Roman" charset="0"/>
+              <a:ea typeface="CMU Serif Roman" charset="0"/>
+              <a:cs typeface="CMU Serif Roman" charset="0"/>
+            </a:endParaRPr>
+          </a:p>
+        </p:txBody>
+      </p:sp>
+      <p:pic>
+        <p:nvPicPr>
+          <p:cNvPr id="7" name="Inhaltsplatzhalter 6"/>
+          <p:cNvPicPr>
+            <a:picLocks noGrp="1" noChangeAspect="1"/>
+          </p:cNvPicPr>
+          <p:nvPr>
+            <p:ph idx="1"/>
+          </p:nvPr>
+        </p:nvPicPr>
+        <p:blipFill>
+          <a:blip r:embed="rId2">
+            <a:extLst>
+              <a:ext uri="{28A0092B-C50C-407E-A947-70E740481C1C}">
+                <a14:useLocalDpi xmlns:a14="http://schemas.microsoft.com/office/drawing/2010/main" val="0"/>
+              </a:ext>
+            </a:extLst>
+          </a:blip>
+          <a:stretch>
+            <a:fillRect/>
+          </a:stretch>
+        </p:blipFill>
+        <p:spPr>
+          <a:xfrm>
+            <a:off x="2222335" y="1846263"/>
+            <a:ext cx="4743779" cy="4022725"/>
+          </a:xfrm>
+        </p:spPr>
+      </p:pic>
+      <p:sp>
+        <p:nvSpPr>
+          <p:cNvPr id="4" name="Datumsplatzhalter 3"/>
+          <p:cNvSpPr>
+            <a:spLocks noGrp="1"/>
+          </p:cNvSpPr>
+          <p:nvPr>
+            <p:ph type="dt" sz="half" idx="10"/>
+          </p:nvPr>
+        </p:nvSpPr>
+        <p:spPr/>
+        <p:txBody>
+          <a:bodyPr/>
+          <a:lstStyle/>
+          <a:p>
+            <a:r>
+              <a:rPr lang="de-DE" smtClean="0">
+                <a:latin typeface="CMU Serif Roman" charset="0"/>
+                <a:ea typeface="CMU Serif Roman" charset="0"/>
+                <a:cs typeface="CMU Serif Roman" charset="0"/>
+              </a:rPr>
+              <a:t>12.07.2019</a:t>
+            </a:r>
+            <a:endParaRPr lang="en-AU" dirty="0">
+              <a:latin typeface="CMU Serif Roman" charset="0"/>
+              <a:ea typeface="CMU Serif Roman" charset="0"/>
+              <a:cs typeface="CMU Serif Roman" charset="0"/>
+            </a:endParaRPr>
+          </a:p>
+        </p:txBody>
+      </p:sp>
+      <p:sp>
+        <p:nvSpPr>
+          <p:cNvPr id="5" name="Fußzeilenplatzhalter 4"/>
+          <p:cNvSpPr>
+            <a:spLocks noGrp="1"/>
+          </p:cNvSpPr>
+          <p:nvPr>
+            <p:ph type="ftr" sz="quarter" idx="11"/>
+          </p:nvPr>
+        </p:nvSpPr>
+        <p:spPr/>
+        <p:txBody>
+          <a:bodyPr/>
+          <a:lstStyle/>
+          <a:p>
+            <a:r>
+              <a:rPr lang="en-AU" dirty="0" smtClean="0">
+                <a:latin typeface="CMU Serif Roman" charset="0"/>
+                <a:ea typeface="CMU Serif Roman" charset="0"/>
+                <a:cs typeface="CMU Serif Roman" charset="0"/>
+              </a:rPr>
+              <a:t>Interpretable Machine Learning</a:t>
+            </a:r>
+            <a:endParaRPr lang="en-AU" dirty="0">
+              <a:latin typeface="CMU Serif Roman" charset="0"/>
+              <a:ea typeface="CMU Serif Roman" charset="0"/>
+              <a:cs typeface="CMU Serif Roman" charset="0"/>
+            </a:endParaRPr>
+          </a:p>
+        </p:txBody>
+      </p:sp>
+      <p:sp>
+        <p:nvSpPr>
+          <p:cNvPr id="6" name="Foliennummernplatzhalter 5"/>
+          <p:cNvSpPr>
+            <a:spLocks noGrp="1"/>
+          </p:cNvSpPr>
+          <p:nvPr>
+            <p:ph type="sldNum" sz="quarter" idx="12"/>
+          </p:nvPr>
+        </p:nvSpPr>
+        <p:spPr/>
+        <p:txBody>
+          <a:bodyPr/>
+          <a:lstStyle/>
+          <a:p>
+            <a:fld id="{0FD15DEB-6CC9-F641-94EB-91A016C2CB29}" type="slidenum">
+              <a:rPr lang="en-AU" smtClean="0">
+                <a:latin typeface="CMU Serif Roman" charset="0"/>
+                <a:ea typeface="CMU Serif Roman" charset="0"/>
+                <a:cs typeface="CMU Serif Roman" charset="0"/>
+              </a:rPr>
+              <a:t>37</a:t>
+            </a:fld>
+            <a:endParaRPr lang="en-AU" dirty="0">
+              <a:latin typeface="CMU Serif Roman" charset="0"/>
+              <a:ea typeface="CMU Serif Roman" charset="0"/>
+              <a:cs typeface="CMU Serif Roman" charset="0"/>
+            </a:endParaRPr>
+          </a:p>
+        </p:txBody>
+      </p:sp>
+    </p:spTree>
+    <p:extLst>
+      <p:ext uri="{BB962C8B-B14F-4D97-AF65-F5344CB8AC3E}">
+        <p14:creationId xmlns:p14="http://schemas.microsoft.com/office/powerpoint/2010/main" val="48221469"/>
       </p:ext>
     </p:extLst>
   </p:cSld>
